--- a/airport sign.pptx
+++ b/airport sign.pptx
@@ -5,7 +5,7 @@
     <p:sldMasterId id="2147483648" r:id="rId1"/>
   </p:sldMasterIdLst>
   <p:notesMasterIdLst>
-    <p:notesMasterId r:id="rId14"/>
+    <p:notesMasterId r:id="rId15"/>
   </p:notesMasterIdLst>
   <p:sldIdLst>
     <p:sldId id="256" r:id="rId2"/>
@@ -20,6 +20,7 @@
     <p:sldId id="263" r:id="rId11"/>
     <p:sldId id="265" r:id="rId12"/>
     <p:sldId id="259" r:id="rId13"/>
+    <p:sldId id="270" r:id="rId14"/>
   </p:sldIdLst>
   <p:sldSz cx="12192000" cy="6858000"/>
   <p:notesSz cx="6858000" cy="9144000"/>
@@ -151,6 +152,7 @@
         <p14:section name="学习方法" id="{84A9FD02-FA5A-41CE-8D97-F9458A9F3049}">
           <p14:sldIdLst>
             <p14:sldId id="259"/>
+            <p14:sldId id="270"/>
           </p14:sldIdLst>
         </p14:section>
       </p14:sectionLst>
@@ -244,7 +246,7 @@
           <a:p>
             <a:fld id="{E8C856E1-2A8D-4615-BD95-05DB5C07E262}" type="datetimeFigureOut">
               <a:rPr lang="zh-CN" altLang="en-US" smtClean="0"/>
-              <a:t>2017/11/21</a:t>
+              <a:t>2017/11/27</a:t>
             </a:fld>
             <a:endParaRPr lang="zh-CN" altLang="en-US"/>
           </a:p>
@@ -989,11 +991,7 @@
           <a:p>
             <a:r>
               <a:rPr lang="zh-CN" altLang="en-US" dirty="0" smtClean="0"/>
-              <a:t>时间紧，准备不够充分，内容都是最简单基础</a:t>
-            </a:r>
-            <a:r>
-              <a:rPr lang="zh-CN" altLang="en-US" dirty="0" smtClean="0"/>
-              <a:t>的</a:t>
+              <a:t>时间紧，准备不够充分，内容都是最简单基础的</a:t>
             </a:r>
             <a:endParaRPr lang="en-US" altLang="zh-CN" dirty="0" smtClean="0"/>
           </a:p>
@@ -1283,7 +1281,7 @@
           <a:p>
             <a:fld id="{4FF6749F-2BCF-40DB-B139-6305F803CA81}" type="datetimeFigureOut">
               <a:rPr lang="zh-CN" altLang="en-US" smtClean="0"/>
-              <a:t>2017/11/21</a:t>
+              <a:t>2017/11/27</a:t>
             </a:fld>
             <a:endParaRPr lang="zh-CN" altLang="en-US"/>
           </a:p>
@@ -1453,7 +1451,7 @@
           <a:p>
             <a:fld id="{4FF6749F-2BCF-40DB-B139-6305F803CA81}" type="datetimeFigureOut">
               <a:rPr lang="zh-CN" altLang="en-US" smtClean="0"/>
-              <a:t>2017/11/21</a:t>
+              <a:t>2017/11/27</a:t>
             </a:fld>
             <a:endParaRPr lang="zh-CN" altLang="en-US"/>
           </a:p>
@@ -1633,7 +1631,7 @@
           <a:p>
             <a:fld id="{4FF6749F-2BCF-40DB-B139-6305F803CA81}" type="datetimeFigureOut">
               <a:rPr lang="zh-CN" altLang="en-US" smtClean="0"/>
-              <a:t>2017/11/21</a:t>
+              <a:t>2017/11/27</a:t>
             </a:fld>
             <a:endParaRPr lang="zh-CN" altLang="en-US"/>
           </a:p>
@@ -1803,7 +1801,7 @@
           <a:p>
             <a:fld id="{4FF6749F-2BCF-40DB-B139-6305F803CA81}" type="datetimeFigureOut">
               <a:rPr lang="zh-CN" altLang="en-US" smtClean="0"/>
-              <a:t>2017/11/21</a:t>
+              <a:t>2017/11/27</a:t>
             </a:fld>
             <a:endParaRPr lang="zh-CN" altLang="en-US"/>
           </a:p>
@@ -2049,7 +2047,7 @@
           <a:p>
             <a:fld id="{4FF6749F-2BCF-40DB-B139-6305F803CA81}" type="datetimeFigureOut">
               <a:rPr lang="zh-CN" altLang="en-US" smtClean="0"/>
-              <a:t>2017/11/21</a:t>
+              <a:t>2017/11/27</a:t>
             </a:fld>
             <a:endParaRPr lang="zh-CN" altLang="en-US"/>
           </a:p>
@@ -2281,7 +2279,7 @@
           <a:p>
             <a:fld id="{4FF6749F-2BCF-40DB-B139-6305F803CA81}" type="datetimeFigureOut">
               <a:rPr lang="zh-CN" altLang="en-US" smtClean="0"/>
-              <a:t>2017/11/21</a:t>
+              <a:t>2017/11/27</a:t>
             </a:fld>
             <a:endParaRPr lang="zh-CN" altLang="en-US"/>
           </a:p>
@@ -2648,7 +2646,7 @@
           <a:p>
             <a:fld id="{4FF6749F-2BCF-40DB-B139-6305F803CA81}" type="datetimeFigureOut">
               <a:rPr lang="zh-CN" altLang="en-US" smtClean="0"/>
-              <a:t>2017/11/21</a:t>
+              <a:t>2017/11/27</a:t>
             </a:fld>
             <a:endParaRPr lang="zh-CN" altLang="en-US"/>
           </a:p>
@@ -2766,7 +2764,7 @@
           <a:p>
             <a:fld id="{4FF6749F-2BCF-40DB-B139-6305F803CA81}" type="datetimeFigureOut">
               <a:rPr lang="zh-CN" altLang="en-US" smtClean="0"/>
-              <a:t>2017/11/21</a:t>
+              <a:t>2017/11/27</a:t>
             </a:fld>
             <a:endParaRPr lang="zh-CN" altLang="en-US"/>
           </a:p>
@@ -2861,7 +2859,7 @@
           <a:p>
             <a:fld id="{4FF6749F-2BCF-40DB-B139-6305F803CA81}" type="datetimeFigureOut">
               <a:rPr lang="zh-CN" altLang="en-US" smtClean="0"/>
-              <a:t>2017/11/21</a:t>
+              <a:t>2017/11/27</a:t>
             </a:fld>
             <a:endParaRPr lang="zh-CN" altLang="en-US"/>
           </a:p>
@@ -3138,7 +3136,7 @@
           <a:p>
             <a:fld id="{4FF6749F-2BCF-40DB-B139-6305F803CA81}" type="datetimeFigureOut">
               <a:rPr lang="zh-CN" altLang="en-US" smtClean="0"/>
-              <a:t>2017/11/21</a:t>
+              <a:t>2017/11/27</a:t>
             </a:fld>
             <a:endParaRPr lang="zh-CN" altLang="en-US"/>
           </a:p>
@@ -3391,7 +3389,7 @@
           <a:p>
             <a:fld id="{4FF6749F-2BCF-40DB-B139-6305F803CA81}" type="datetimeFigureOut">
               <a:rPr lang="zh-CN" altLang="en-US" smtClean="0"/>
-              <a:t>2017/11/21</a:t>
+              <a:t>2017/11/27</a:t>
             </a:fld>
             <a:endParaRPr lang="zh-CN" altLang="en-US"/>
           </a:p>
@@ -3604,7 +3602,7 @@
           <a:p>
             <a:fld id="{4FF6749F-2BCF-40DB-B139-6305F803CA81}" type="datetimeFigureOut">
               <a:rPr lang="zh-CN" altLang="en-US" smtClean="0"/>
-              <a:t>2017/11/21</a:t>
+              <a:t>2017/11/27</a:t>
             </a:fld>
             <a:endParaRPr lang="zh-CN" altLang="en-US"/>
           </a:p>
@@ -5702,11 +5700,7 @@
             </a:r>
             <a:r>
               <a:rPr lang="zh-CN" altLang="en-US" sz="3600" dirty="0" smtClean="0"/>
-              <a:t>道</a:t>
-            </a:r>
-            <a:r>
-              <a:rPr lang="zh-CN" altLang="en-US" sz="3600" dirty="0" smtClean="0"/>
-              <a:t>词典：发音</a:t>
+              <a:t>道词典：发音</a:t>
             </a:r>
             <a:r>
               <a:rPr lang="en-US" altLang="zh-CN" sz="3600" dirty="0" smtClean="0"/>
@@ -5714,11 +5708,7 @@
             </a:r>
             <a:r>
               <a:rPr lang="zh-CN" altLang="en-US" sz="3600" dirty="0" smtClean="0"/>
-              <a:t>单词</a:t>
-            </a:r>
-            <a:r>
-              <a:rPr lang="zh-CN" altLang="en-US" sz="3600" dirty="0" smtClean="0"/>
-              <a:t>本功能</a:t>
+              <a:t>单词本功能</a:t>
             </a:r>
             <a:endParaRPr lang="zh-CN" altLang="en-US" sz="3600" dirty="0"/>
           </a:p>
@@ -5855,6 +5845,81 @@
 </p:sld>
 </file>
 
+<file path=ppt/slides/slide13.xml><?xml version="1.0" encoding="utf-8"?>
+<p:sld xmlns:a="http://schemas.openxmlformats.org/drawingml/2006/main" xmlns:r="http://schemas.openxmlformats.org/officeDocument/2006/relationships" xmlns:p="http://schemas.openxmlformats.org/presentationml/2006/main">
+  <p:cSld>
+    <p:spTree>
+      <p:nvGrpSpPr>
+        <p:cNvPr id="1" name=""/>
+        <p:cNvGrpSpPr/>
+        <p:nvPr/>
+      </p:nvGrpSpPr>
+      <p:grpSpPr>
+        <a:xfrm>
+          <a:off x="0" y="0"/>
+          <a:ext cx="0" cy="0"/>
+          <a:chOff x="0" y="0"/>
+          <a:chExt cx="0" cy="0"/>
+        </a:xfrm>
+      </p:grpSpPr>
+      <p:sp>
+        <p:nvSpPr>
+          <p:cNvPr id="2" name="矩形 1"/>
+          <p:cNvSpPr/>
+          <p:nvPr/>
+        </p:nvSpPr>
+        <p:spPr>
+          <a:xfrm>
+            <a:off x="1574839" y="3168134"/>
+            <a:ext cx="9481057" cy="523220"/>
+          </a:xfrm>
+          <a:prstGeom prst="rect">
+            <a:avLst/>
+          </a:prstGeom>
+        </p:spPr>
+        <p:txBody>
+          <a:bodyPr wrap="none">
+            <a:spAutoFit/>
+          </a:bodyPr>
+          <a:lstStyle/>
+          <a:p>
+            <a:r>
+              <a:rPr lang="en-US" altLang="zh-CN" sz="2800" dirty="0">
+                <a:solidFill>
+                  <a:srgbClr val="2E3033"/>
+                </a:solidFill>
+                <a:latin typeface="Microsoft JhengHei UI Light" panose="020B0304030504040204" pitchFamily="34" charset="-120"/>
+                <a:ea typeface="Microsoft JhengHei UI Light" panose="020B0304030504040204" pitchFamily="34" charset="-120"/>
+              </a:rPr>
+              <a:t>The education of a man is never completed until he dies. </a:t>
+            </a:r>
+            <a:endParaRPr lang="zh-CN" altLang="en-US" sz="2800" dirty="0">
+              <a:latin typeface="Microsoft JhengHei UI Light" panose="020B0304030504040204" pitchFamily="34" charset="-120"/>
+              <a:ea typeface="Microsoft JhengHei UI Light" panose="020B0304030504040204" pitchFamily="34" charset="-120"/>
+            </a:endParaRPr>
+          </a:p>
+        </p:txBody>
+      </p:sp>
+    </p:spTree>
+    <p:extLst>
+      <p:ext uri="{BB962C8B-B14F-4D97-AF65-F5344CB8AC3E}">
+        <p14:creationId xmlns:p14="http://schemas.microsoft.com/office/powerpoint/2010/main" val="3171547030"/>
+      </p:ext>
+    </p:extLst>
+  </p:cSld>
+  <p:clrMapOvr>
+    <a:masterClrMapping/>
+  </p:clrMapOvr>
+  <p:timing>
+    <p:tnLst>
+      <p:par>
+        <p:cTn id="1" dur="indefinite" restart="never" nodeType="tmRoot"/>
+      </p:par>
+    </p:tnLst>
+  </p:timing>
+</p:sld>
+</file>
+
 <file path=ppt/slides/slide2.xml><?xml version="1.0" encoding="utf-8"?>
 <p:sld xmlns:a="http://schemas.openxmlformats.org/drawingml/2006/main" xmlns:r="http://schemas.openxmlformats.org/officeDocument/2006/relationships" xmlns:p="http://schemas.openxmlformats.org/presentationml/2006/main">
   <p:cSld>
@@ -5881,7 +5946,7 @@
         <p:spPr>
           <a:xfrm>
             <a:off x="2042160" y="2072640"/>
-            <a:ext cx="7970520" cy="1384995"/>
+            <a:ext cx="9197340" cy="2462213"/>
           </a:xfrm>
           <a:prstGeom prst="rect">
             <a:avLst/>
@@ -5895,6 +5960,9 @@
           <a:lstStyle/>
           <a:p>
             <a:pPr marL="285750" indent="-285750">
+              <a:lnSpc>
+                <a:spcPct val="150000"/>
+              </a:lnSpc>
               <a:buFont typeface="Arial" panose="020B0604020202020204" pitchFamily="34" charset="0"/>
               <a:buChar char="•"/>
             </a:pPr>
@@ -5903,7 +5971,35 @@
                 <a:latin typeface="Noto Sans S Chinese Light" panose="020B0300000000000000" pitchFamily="34" charset="-122"/>
                 <a:ea typeface="Noto Sans S Chinese Light" panose="020B0300000000000000" pitchFamily="34" charset="-122"/>
               </a:rPr>
-              <a:t>组成飞机场的基本要素：跑道、塔台、停机坪等</a:t>
+              <a:t>飞机场</a:t>
+            </a:r>
+            <a:r>
+              <a:rPr lang="zh-CN" altLang="en-US" sz="2800" dirty="0" smtClean="0">
+                <a:latin typeface="Noto Sans S Chinese Light" panose="020B0300000000000000" pitchFamily="34" charset="-122"/>
+                <a:ea typeface="Noto Sans S Chinese Light" panose="020B0300000000000000" pitchFamily="34" charset="-122"/>
+              </a:rPr>
+              <a:t>的基本要素：跑道、塔台、</a:t>
+            </a:r>
+            <a:r>
+              <a:rPr lang="zh-CN" altLang="en-US" sz="2800" dirty="0" smtClean="0">
+                <a:latin typeface="Noto Sans S Chinese Light" panose="020B0300000000000000" pitchFamily="34" charset="-122"/>
+                <a:ea typeface="Noto Sans S Chinese Light" panose="020B0300000000000000" pitchFamily="34" charset="-122"/>
+              </a:rPr>
+              <a:t>停机坪</a:t>
+            </a:r>
+            <a:r>
+              <a:rPr lang="zh-CN" altLang="en-US" sz="2800" dirty="0">
+                <a:latin typeface="Noto Sans S Chinese Light" panose="020B0300000000000000" pitchFamily="34" charset="-122"/>
+                <a:ea typeface="Noto Sans S Chinese Light" panose="020B0300000000000000" pitchFamily="34" charset="-122"/>
+              </a:rPr>
+              <a:t>、</a:t>
+            </a:r>
+            <a:r>
+              <a:rPr lang="zh-CN" altLang="en-US" sz="2800" dirty="0" smtClean="0">
+                <a:latin typeface="Noto Sans S Chinese Light" panose="020B0300000000000000" pitchFamily="34" charset="-122"/>
+                <a:ea typeface="Noto Sans S Chinese Light" panose="020B0300000000000000" pitchFamily="34" charset="-122"/>
+              </a:rPr>
+              <a:t>保障车辆等</a:t>
             </a:r>
             <a:endParaRPr lang="en-US" altLang="zh-CN" sz="2800" dirty="0" smtClean="0">
               <a:latin typeface="Noto Sans S Chinese Light" panose="020B0300000000000000" pitchFamily="34" charset="-122"/>
@@ -5912,29 +6008,45 @@
           </a:p>
           <a:p>
             <a:pPr marL="285750" indent="-285750">
+              <a:lnSpc>
+                <a:spcPct val="150000"/>
+              </a:lnSpc>
               <a:buFont typeface="Arial" panose="020B0604020202020204" pitchFamily="34" charset="0"/>
               <a:buChar char="•"/>
             </a:pPr>
+            <a:r>
+              <a:rPr lang="en-US" altLang="zh-CN" sz="2800" dirty="0" smtClean="0">
+                <a:latin typeface="Noto Sans S Chinese Light" panose="020B0300000000000000" pitchFamily="34" charset="-122"/>
+                <a:ea typeface="Noto Sans S Chinese Light" panose="020B0300000000000000" pitchFamily="34" charset="-122"/>
+              </a:rPr>
+              <a:t>22</a:t>
+            </a:r>
             <a:r>
               <a:rPr lang="zh-CN" altLang="en-US" sz="2800" dirty="0" smtClean="0">
                 <a:latin typeface="Noto Sans S Chinese Light" panose="020B0300000000000000" pitchFamily="34" charset="-122"/>
                 <a:ea typeface="Noto Sans S Chinese Light" panose="020B0300000000000000" pitchFamily="34" charset="-122"/>
               </a:rPr>
-              <a:t>地面保障</a:t>
-            </a:r>
-            <a:r>
-              <a:rPr lang="zh-CN" altLang="en-US" sz="2800" dirty="0">
-                <a:latin typeface="Noto Sans S Chinese Light" panose="020B0300000000000000" pitchFamily="34" charset="-122"/>
-                <a:ea typeface="Noto Sans S Chinese Light" panose="020B0300000000000000" pitchFamily="34" charset="-122"/>
-              </a:rPr>
-              <a:t>部分</a:t>
-            </a:r>
+              <a:t>个单词和短语</a:t>
+            </a:r>
+            <a:endParaRPr lang="en-US" altLang="zh-CN" sz="2800" dirty="0" smtClean="0">
+              <a:latin typeface="Noto Sans S Chinese Light" panose="020B0300000000000000" pitchFamily="34" charset="-122"/>
+              <a:ea typeface="Noto Sans S Chinese Light" panose="020B0300000000000000" pitchFamily="34" charset="-122"/>
+            </a:endParaRPr>
+          </a:p>
+          <a:p>
+            <a:pPr marL="285750" indent="-285750">
+              <a:lnSpc>
+                <a:spcPct val="150000"/>
+              </a:lnSpc>
+              <a:buFont typeface="Arial" panose="020B0604020202020204" pitchFamily="34" charset="0"/>
+              <a:buChar char="•"/>
+            </a:pPr>
             <a:r>
               <a:rPr lang="zh-CN" altLang="en-US" sz="2800" dirty="0" smtClean="0">
                 <a:latin typeface="Noto Sans S Chinese Light" panose="020B0300000000000000" pitchFamily="34" charset="-122"/>
                 <a:ea typeface="Noto Sans S Chinese Light" panose="020B0300000000000000" pitchFamily="34" charset="-122"/>
               </a:rPr>
-              <a:t>：保障场所、保障车辆及设备等</a:t>
+              <a:t>单词结构    音标    发音</a:t>
             </a:r>
             <a:endParaRPr lang="en-US" altLang="zh-CN" sz="2800" dirty="0" smtClean="0">
               <a:latin typeface="Noto Sans S Chinese Light" panose="020B0300000000000000" pitchFamily="34" charset="-122"/>
@@ -6173,7 +6285,7 @@
                                     </p:set>
                                     <p:animEffect transition="in" filter="fade">
                                       <p:cBhvr>
-                                        <p:cTn id="14" dur="1000"/>
+                                        <p:cTn id="14" dur="300"/>
                                         <p:tgtEl>
                                           <p:spTgt spid="4">
                                             <p:txEl>
@@ -6185,7 +6297,7 @@
                                     </p:animEffect>
                                     <p:anim calcmode="lin" valueType="num">
                                       <p:cBhvr>
-                                        <p:cTn id="15" dur="1000" fill="hold"/>
+                                        <p:cTn id="15" dur="300" fill="hold"/>
                                         <p:tgtEl>
                                           <p:spTgt spid="4">
                                             <p:txEl>
@@ -6212,7 +6324,7 @@
                                     </p:anim>
                                     <p:anim calcmode="lin" valueType="num">
                                       <p:cBhvr>
-                                        <p:cTn id="16" dur="1000" fill="hold"/>
+                                        <p:cTn id="16" dur="300" fill="hold"/>
                                         <p:tgtEl>
                                           <p:spTgt spid="4">
                                             <p:txEl>
@@ -6272,7 +6384,11 @@
                                           </p:stCondLst>
                                         </p:cTn>
                                         <p:tgtEl>
-                                          <p:spTgt spid="5"/>
+                                          <p:spTgt spid="4">
+                                            <p:txEl>
+                                              <p:pRg st="2" end="2"/>
+                                            </p:txEl>
+                                          </p:spTgt>
                                         </p:tgtEl>
                                         <p:attrNameLst>
                                           <p:attrName>style.visibility</p:attrName>
@@ -6284,17 +6400,25 @@
                                     </p:set>
                                     <p:animEffect transition="in" filter="fade">
                                       <p:cBhvr>
-                                        <p:cTn id="21" dur="1000"/>
-                                        <p:tgtEl>
-                                          <p:spTgt spid="5"/>
+                                        <p:cTn id="21" dur="300"/>
+                                        <p:tgtEl>
+                                          <p:spTgt spid="4">
+                                            <p:txEl>
+                                              <p:pRg st="2" end="2"/>
+                                            </p:txEl>
+                                          </p:spTgt>
                                         </p:tgtEl>
                                       </p:cBhvr>
                                     </p:animEffect>
                                     <p:anim calcmode="lin" valueType="num">
                                       <p:cBhvr>
-                                        <p:cTn id="22" dur="1000" fill="hold"/>
-                                        <p:tgtEl>
-                                          <p:spTgt spid="5"/>
+                                        <p:cTn id="22" dur="300" fill="hold"/>
+                                        <p:tgtEl>
+                                          <p:spTgt spid="4">
+                                            <p:txEl>
+                                              <p:pRg st="2" end="2"/>
+                                            </p:txEl>
+                                          </p:spTgt>
                                         </p:tgtEl>
                                         <p:attrNameLst>
                                           <p:attrName>ppt_x</p:attrName>
@@ -6315,7 +6439,110 @@
                                     </p:anim>
                                     <p:anim calcmode="lin" valueType="num">
                                       <p:cBhvr>
-                                        <p:cTn id="23" dur="1000" fill="hold"/>
+                                        <p:cTn id="23" dur="300" fill="hold"/>
+                                        <p:tgtEl>
+                                          <p:spTgt spid="4">
+                                            <p:txEl>
+                                              <p:pRg st="2" end="2"/>
+                                            </p:txEl>
+                                          </p:spTgt>
+                                        </p:tgtEl>
+                                        <p:attrNameLst>
+                                          <p:attrName>ppt_y</p:attrName>
+                                        </p:attrNameLst>
+                                      </p:cBhvr>
+                                      <p:tavLst>
+                                        <p:tav tm="0">
+                                          <p:val>
+                                            <p:strVal val="#ppt_y+.1"/>
+                                          </p:val>
+                                        </p:tav>
+                                        <p:tav tm="100000">
+                                          <p:val>
+                                            <p:strVal val="#ppt_y"/>
+                                          </p:val>
+                                        </p:tav>
+                                      </p:tavLst>
+                                    </p:anim>
+                                  </p:childTnLst>
+                                </p:cTn>
+                              </p:par>
+                            </p:childTnLst>
+                          </p:cTn>
+                        </p:par>
+                      </p:childTnLst>
+                    </p:cTn>
+                  </p:par>
+                  <p:par>
+                    <p:cTn id="24" fill="hold">
+                      <p:stCondLst>
+                        <p:cond delay="indefinite"/>
+                      </p:stCondLst>
+                      <p:childTnLst>
+                        <p:par>
+                          <p:cTn id="25" fill="hold">
+                            <p:stCondLst>
+                              <p:cond delay="0"/>
+                            </p:stCondLst>
+                            <p:childTnLst>
+                              <p:par>
+                                <p:cTn id="26" presetID="42" presetClass="entr" presetSubtype="0" fill="hold" grpId="0" nodeType="clickEffect">
+                                  <p:stCondLst>
+                                    <p:cond delay="0"/>
+                                  </p:stCondLst>
+                                  <p:childTnLst>
+                                    <p:set>
+                                      <p:cBhvr>
+                                        <p:cTn id="27" dur="1" fill="hold">
+                                          <p:stCondLst>
+                                            <p:cond delay="0"/>
+                                          </p:stCondLst>
+                                        </p:cTn>
+                                        <p:tgtEl>
+                                          <p:spTgt spid="5"/>
+                                        </p:tgtEl>
+                                        <p:attrNameLst>
+                                          <p:attrName>style.visibility</p:attrName>
+                                        </p:attrNameLst>
+                                      </p:cBhvr>
+                                      <p:to>
+                                        <p:strVal val="visible"/>
+                                      </p:to>
+                                    </p:set>
+                                    <p:animEffect transition="in" filter="fade">
+                                      <p:cBhvr>
+                                        <p:cTn id="28" dur="1000"/>
+                                        <p:tgtEl>
+                                          <p:spTgt spid="5"/>
+                                        </p:tgtEl>
+                                      </p:cBhvr>
+                                    </p:animEffect>
+                                    <p:anim calcmode="lin" valueType="num">
+                                      <p:cBhvr>
+                                        <p:cTn id="29" dur="1000" fill="hold"/>
+                                        <p:tgtEl>
+                                          <p:spTgt spid="5"/>
+                                        </p:tgtEl>
+                                        <p:attrNameLst>
+                                          <p:attrName>ppt_x</p:attrName>
+                                        </p:attrNameLst>
+                                      </p:cBhvr>
+                                      <p:tavLst>
+                                        <p:tav tm="0">
+                                          <p:val>
+                                            <p:strVal val="#ppt_x"/>
+                                          </p:val>
+                                        </p:tav>
+                                        <p:tav tm="100000">
+                                          <p:val>
+                                            <p:strVal val="#ppt_x"/>
+                                          </p:val>
+                                        </p:tav>
+                                      </p:tavLst>
+                                    </p:anim>
+                                    <p:anim calcmode="lin" valueType="num">
+                                      <p:cBhvr>
+                                        <p:cTn id="30" dur="1000" fill="hold"/>
                                         <p:tgtEl>
                                           <p:spTgt spid="5"/>
                                         </p:tgtEl>

--- a/airport sign.pptx
+++ b/airport sign.pptx
@@ -5,22 +5,25 @@
     <p:sldMasterId id="2147483648" r:id="rId1"/>
   </p:sldMasterIdLst>
   <p:notesMasterIdLst>
-    <p:notesMasterId r:id="rId15"/>
+    <p:notesMasterId r:id="rId18"/>
   </p:notesMasterIdLst>
   <p:sldIdLst>
-    <p:sldId id="256" r:id="rId2"/>
-    <p:sldId id="257" r:id="rId3"/>
-    <p:sldId id="258" r:id="rId4"/>
-    <p:sldId id="260" r:id="rId5"/>
-    <p:sldId id="264" r:id="rId6"/>
-    <p:sldId id="266" r:id="rId7"/>
-    <p:sldId id="261" r:id="rId8"/>
-    <p:sldId id="262" r:id="rId9"/>
-    <p:sldId id="269" r:id="rId10"/>
-    <p:sldId id="263" r:id="rId11"/>
-    <p:sldId id="265" r:id="rId12"/>
-    <p:sldId id="259" r:id="rId13"/>
-    <p:sldId id="270" r:id="rId14"/>
+    <p:sldId id="274" r:id="rId2"/>
+    <p:sldId id="256" r:id="rId3"/>
+    <p:sldId id="257" r:id="rId4"/>
+    <p:sldId id="258" r:id="rId5"/>
+    <p:sldId id="271" r:id="rId6"/>
+    <p:sldId id="260" r:id="rId7"/>
+    <p:sldId id="264" r:id="rId8"/>
+    <p:sldId id="266" r:id="rId9"/>
+    <p:sldId id="261" r:id="rId10"/>
+    <p:sldId id="262" r:id="rId11"/>
+    <p:sldId id="269" r:id="rId12"/>
+    <p:sldId id="263" r:id="rId13"/>
+    <p:sldId id="272" r:id="rId14"/>
+    <p:sldId id="273" r:id="rId15"/>
+    <p:sldId id="259" r:id="rId16"/>
+    <p:sldId id="270" r:id="rId17"/>
   </p:sldIdLst>
   <p:sldSz cx="12192000" cy="6858000"/>
   <p:notesSz cx="6858000" cy="9144000"/>
@@ -124,6 +127,7 @@
       <p14:sectionLst xmlns:p14="http://schemas.microsoft.com/office/powerpoint/2010/main">
         <p14:section name="开场" id="{EC7F1CE7-1ED7-4A64-9BEF-2E170389C7D4}">
           <p14:sldIdLst>
+            <p14:sldId id="274"/>
             <p14:sldId id="256"/>
             <p14:sldId id="257"/>
           </p14:sldIdLst>
@@ -131,6 +135,7 @@
         <p14:section name="飞机场基本要素" id="{846375F4-05FD-4CB5-948E-0A0EF689D59C}">
           <p14:sldIdLst>
             <p14:sldId id="258"/>
+            <p14:sldId id="271"/>
             <p14:sldId id="260"/>
             <p14:sldId id="264"/>
           </p14:sldIdLst>
@@ -146,7 +151,8 @@
         </p14:section>
         <p14:section name="总结" id="{4A287043-2C16-420C-B9FA-7EAB90B75501}">
           <p14:sldIdLst>
-            <p14:sldId id="265"/>
+            <p14:sldId id="272"/>
+            <p14:sldId id="273"/>
           </p14:sldIdLst>
         </p14:section>
         <p14:section name="学习方法" id="{84A9FD02-FA5A-41CE-8D97-F9458A9F3049}">
@@ -246,7 +252,7 @@
           <a:p>
             <a:fld id="{E8C856E1-2A8D-4615-BD95-05DB5C07E262}" type="datetimeFigureOut">
               <a:rPr lang="zh-CN" altLang="en-US" smtClean="0"/>
-              <a:t>2017/11/27</a:t>
+              <a:t>2017/11/28</a:t>
             </a:fld>
             <a:endParaRPr lang="zh-CN" altLang="en-US"/>
           </a:p>
@@ -559,26 +565,239 @@
           <a:lstStyle/>
           <a:p>
             <a:r>
-              <a:rPr lang="zh-CN" altLang="en-US" dirty="0" smtClean="0"/>
-              <a:t>自我介绍：机务二中队 机械师 杜佶</a:t>
-            </a:r>
-            <a:endParaRPr lang="en-US" altLang="zh-CN" dirty="0" smtClean="0"/>
-          </a:p>
-          <a:p>
-            <a:r>
-              <a:rPr lang="zh-CN" altLang="en-US" dirty="0" smtClean="0"/>
-              <a:t>本节课的主题：机场标识符号的认识</a:t>
-            </a:r>
-            <a:endParaRPr lang="en-US" altLang="zh-CN" dirty="0" smtClean="0"/>
-          </a:p>
-          <a:p>
-            <a:r>
-              <a:rPr lang="zh-CN" altLang="en-US" dirty="0" smtClean="0"/>
-              <a:t>内容：常见标志符号的英文单词，相关语境的用法，识记单词的方法</a:t>
-            </a:r>
-            <a:endParaRPr lang="en-US" altLang="zh-CN" dirty="0" smtClean="0"/>
-          </a:p>
-          <a:p>
+              <a:rPr lang="en-US" altLang="zh-CN" dirty="0" smtClean="0"/>
+              <a:t>Hello, everyone.</a:t>
+            </a:r>
+          </a:p>
+          <a:p>
+            <a:r>
+              <a:rPr lang="en-US" altLang="zh-CN" dirty="0" smtClean="0"/>
+              <a:t>I’m captain duji ,a mechanic</a:t>
+            </a:r>
+            <a:r>
+              <a:rPr lang="en-US" altLang="zh-CN" baseline="0" dirty="0" smtClean="0"/>
+              <a:t> from </a:t>
+            </a:r>
+            <a:r>
+              <a:rPr lang="en-US" altLang="zh-CN" sz="1200" b="0" i="0" kern="1200" baseline="0" dirty="0" smtClean="0">
+                <a:solidFill>
+                  <a:schemeClr val="tx1"/>
+                </a:solidFill>
+                <a:effectLst/>
+                <a:latin typeface="+mn-lt"/>
+                <a:ea typeface="+mn-ea"/>
+                <a:cs typeface="+mn-cs"/>
+              </a:rPr>
+              <a:t>T</a:t>
+            </a:r>
+            <a:r>
+              <a:rPr lang="en-US" altLang="zh-CN" sz="1200" b="0" i="0" kern="1200" dirty="0" smtClean="0">
+                <a:solidFill>
+                  <a:schemeClr val="tx1"/>
+                </a:solidFill>
+                <a:effectLst/>
+                <a:latin typeface="+mn-lt"/>
+                <a:ea typeface="+mn-ea"/>
+                <a:cs typeface="+mn-cs"/>
+              </a:rPr>
+              <a:t>he Second Maintenance Squadron.</a:t>
+            </a:r>
+          </a:p>
+          <a:p>
+            <a:r>
+              <a:rPr lang="zh-CN" altLang="en-US" sz="1200" b="0" i="0" kern="1200" dirty="0" smtClean="0">
+                <a:solidFill>
+                  <a:schemeClr val="tx1"/>
+                </a:solidFill>
+                <a:effectLst/>
+                <a:latin typeface="+mn-lt"/>
+                <a:ea typeface="+mn-ea"/>
+                <a:cs typeface="+mn-cs"/>
+              </a:rPr>
+              <a:t>机械</a:t>
+            </a:r>
+            <a:r>
+              <a:rPr lang="en-US" altLang="zh-CN" sz="1200" b="0" i="0" kern="1200" dirty="0" smtClean="0">
+                <a:solidFill>
+                  <a:schemeClr val="tx1"/>
+                </a:solidFill>
+                <a:effectLst/>
+                <a:latin typeface="+mn-lt"/>
+                <a:ea typeface="+mn-ea"/>
+                <a:cs typeface="+mn-cs"/>
+              </a:rPr>
+              <a:t>-mechanic    </a:t>
+            </a:r>
+            <a:r>
+              <a:rPr lang="zh-CN" altLang="en-US" sz="1200" b="0" i="0" kern="1200" dirty="0" smtClean="0">
+                <a:solidFill>
+                  <a:schemeClr val="tx1"/>
+                </a:solidFill>
+                <a:effectLst/>
+                <a:latin typeface="+mn-lt"/>
+                <a:ea typeface="+mn-ea"/>
+                <a:cs typeface="+mn-cs"/>
+              </a:rPr>
+              <a:t>军械</a:t>
+            </a:r>
+            <a:r>
+              <a:rPr lang="en-US" altLang="zh-CN" sz="1200" b="0" i="0" kern="1200" dirty="0" smtClean="0">
+                <a:solidFill>
+                  <a:schemeClr val="tx1"/>
+                </a:solidFill>
+                <a:effectLst/>
+                <a:latin typeface="+mn-lt"/>
+                <a:ea typeface="+mn-ea"/>
+                <a:cs typeface="+mn-cs"/>
+              </a:rPr>
+              <a:t>- aircraft armament technician    </a:t>
+            </a:r>
+            <a:r>
+              <a:rPr lang="zh-CN" altLang="en-US" sz="1200" b="0" i="0" kern="1200" dirty="0" smtClean="0">
+                <a:solidFill>
+                  <a:schemeClr val="tx1"/>
+                </a:solidFill>
+                <a:effectLst/>
+                <a:latin typeface="+mn-lt"/>
+                <a:ea typeface="+mn-ea"/>
+                <a:cs typeface="+mn-cs"/>
+              </a:rPr>
+              <a:t>特设</a:t>
+            </a:r>
+            <a:r>
+              <a:rPr lang="en-US" altLang="zh-CN" sz="1200" b="0" i="0" kern="1200" dirty="0" smtClean="0">
+                <a:solidFill>
+                  <a:schemeClr val="tx1"/>
+                </a:solidFill>
+                <a:effectLst/>
+                <a:latin typeface="+mn-lt"/>
+                <a:ea typeface="+mn-ea"/>
+                <a:cs typeface="+mn-cs"/>
+              </a:rPr>
+              <a:t>-special equipment technician    </a:t>
+            </a:r>
+            <a:r>
+              <a:rPr lang="zh-CN" altLang="en-US" sz="1200" b="0" i="0" kern="1200" dirty="0" smtClean="0">
+                <a:solidFill>
+                  <a:schemeClr val="tx1"/>
+                </a:solidFill>
+                <a:effectLst/>
+                <a:latin typeface="+mn-lt"/>
+                <a:ea typeface="+mn-ea"/>
+                <a:cs typeface="+mn-cs"/>
+              </a:rPr>
+              <a:t>电子</a:t>
+            </a:r>
+            <a:r>
+              <a:rPr lang="en-US" altLang="zh-CN" sz="1200" b="0" i="0" kern="1200" dirty="0" smtClean="0">
+                <a:solidFill>
+                  <a:schemeClr val="tx1"/>
+                </a:solidFill>
+                <a:effectLst/>
+                <a:latin typeface="+mn-lt"/>
+                <a:ea typeface="+mn-ea"/>
+                <a:cs typeface="+mn-cs"/>
+              </a:rPr>
+              <a:t>-Electronic Technician    </a:t>
+            </a:r>
+            <a:r>
+              <a:rPr lang="zh-CN" altLang="en-US" sz="1200" b="0" i="0" kern="1200" dirty="0" smtClean="0">
+                <a:solidFill>
+                  <a:schemeClr val="tx1"/>
+                </a:solidFill>
+                <a:effectLst/>
+                <a:latin typeface="+mn-lt"/>
+                <a:ea typeface="+mn-ea"/>
+                <a:cs typeface="+mn-cs"/>
+              </a:rPr>
+              <a:t>火控</a:t>
+            </a:r>
+            <a:r>
+              <a:rPr lang="en-US" altLang="zh-CN" sz="1200" b="0" i="0" kern="1200" dirty="0" smtClean="0">
+                <a:solidFill>
+                  <a:schemeClr val="tx1"/>
+                </a:solidFill>
+                <a:effectLst/>
+                <a:latin typeface="+mn-lt"/>
+                <a:ea typeface="+mn-ea"/>
+                <a:cs typeface="+mn-cs"/>
+              </a:rPr>
+              <a:t>-fire control technician   </a:t>
+            </a:r>
+          </a:p>
+          <a:p>
+            <a:r>
+              <a:rPr lang="zh-CN" altLang="en-US" sz="1200" b="0" i="0" kern="1200" dirty="0" smtClean="0">
+                <a:solidFill>
+                  <a:schemeClr val="tx1"/>
+                </a:solidFill>
+                <a:effectLst/>
+                <a:latin typeface="+mn-lt"/>
+                <a:ea typeface="+mn-ea"/>
+                <a:cs typeface="+mn-cs"/>
+              </a:rPr>
+              <a:t>下士</a:t>
+            </a:r>
+            <a:r>
+              <a:rPr lang="en-US" altLang="zh-CN" sz="1200" b="0" i="0" kern="1200" dirty="0" smtClean="0">
+                <a:solidFill>
+                  <a:schemeClr val="tx1"/>
+                </a:solidFill>
+                <a:effectLst/>
+                <a:latin typeface="+mn-lt"/>
+                <a:ea typeface="+mn-ea"/>
+                <a:cs typeface="+mn-cs"/>
+              </a:rPr>
+              <a:t>-corporal    </a:t>
+            </a:r>
+            <a:r>
+              <a:rPr lang="zh-CN" altLang="en-US" sz="1200" b="0" i="0" kern="1200" dirty="0" smtClean="0">
+                <a:solidFill>
+                  <a:schemeClr val="tx1"/>
+                </a:solidFill>
+                <a:effectLst/>
+                <a:latin typeface="+mn-lt"/>
+                <a:ea typeface="+mn-ea"/>
+                <a:cs typeface="+mn-cs"/>
+              </a:rPr>
+              <a:t>中士</a:t>
+            </a:r>
+            <a:r>
+              <a:rPr lang="en-US" altLang="zh-CN" sz="1200" b="0" i="0" kern="1200" dirty="0" smtClean="0">
+                <a:solidFill>
+                  <a:schemeClr val="tx1"/>
+                </a:solidFill>
+                <a:effectLst/>
+                <a:latin typeface="+mn-lt"/>
+                <a:ea typeface="+mn-ea"/>
+                <a:cs typeface="+mn-cs"/>
+              </a:rPr>
+              <a:t>-sergeant    </a:t>
+            </a:r>
+            <a:r>
+              <a:rPr lang="zh-CN" altLang="en-US" sz="1200" b="0" i="0" kern="1200" dirty="0" smtClean="0">
+                <a:solidFill>
+                  <a:schemeClr val="tx1"/>
+                </a:solidFill>
+                <a:effectLst/>
+                <a:latin typeface="+mn-lt"/>
+                <a:ea typeface="+mn-ea"/>
+                <a:cs typeface="+mn-cs"/>
+              </a:rPr>
+              <a:t>上士</a:t>
+            </a:r>
+            <a:r>
+              <a:rPr lang="en-US" altLang="zh-CN" sz="1200" b="0" i="0" kern="1200" dirty="0" smtClean="0">
+                <a:solidFill>
+                  <a:schemeClr val="tx1"/>
+                </a:solidFill>
+                <a:effectLst/>
+                <a:latin typeface="+mn-lt"/>
+                <a:ea typeface="+mn-ea"/>
+                <a:cs typeface="+mn-cs"/>
+              </a:rPr>
+              <a:t>-senior sergeant</a:t>
+            </a:r>
             <a:endParaRPr lang="zh-CN" altLang="en-US" dirty="0"/>
           </a:p>
         </p:txBody>
@@ -609,7 +828,7 @@
     </p:spTree>
     <p:extLst>
       <p:ext uri="{BB962C8B-B14F-4D97-AF65-F5344CB8AC3E}">
-        <p14:creationId xmlns:p14="http://schemas.microsoft.com/office/powerpoint/2010/main" val="946283881"/>
+        <p14:creationId xmlns:p14="http://schemas.microsoft.com/office/powerpoint/2010/main" val="1059756596"/>
       </p:ext>
     </p:extLst>
   </p:cSld>
@@ -665,50 +884,25 @@
           <a:p>
             <a:r>
               <a:rPr lang="zh-CN" altLang="en-US" dirty="0" smtClean="0"/>
-              <a:t>本章</a:t>
-            </a:r>
-            <a:r>
-              <a:rPr lang="en-US" altLang="zh-CN" dirty="0" err="1" smtClean="0"/>
-              <a:t>ppt</a:t>
-            </a:r>
+              <a:t>自我介绍：机务二中队 机械师 杜佶</a:t>
+            </a:r>
+            <a:endParaRPr lang="en-US" altLang="zh-CN" dirty="0" smtClean="0"/>
+          </a:p>
+          <a:p>
             <a:r>
               <a:rPr lang="zh-CN" altLang="en-US" dirty="0" smtClean="0"/>
-              <a:t>列本次课的提纲</a:t>
+              <a:t>本节课的主题：机场标识符号的认识</a:t>
             </a:r>
             <a:endParaRPr lang="en-US" altLang="zh-CN" dirty="0" smtClean="0"/>
           </a:p>
           <a:p>
             <a:r>
               <a:rPr lang="zh-CN" altLang="en-US" dirty="0" smtClean="0"/>
-              <a:t>机场相关基础英语：机场基础组成跑道系统、地面保障方面</a:t>
+              <a:t>内容：常见标志符号的英文单词，相关语境的用法，识记单词的方法</a:t>
             </a:r>
             <a:endParaRPr lang="en-US" altLang="zh-CN" dirty="0" smtClean="0"/>
           </a:p>
           <a:p>
-            <a:r>
-              <a:rPr lang="zh-CN" altLang="en-US" dirty="0" smtClean="0"/>
-              <a:t>笔记要点：本</a:t>
-            </a:r>
-            <a:r>
-              <a:rPr lang="en-US" altLang="zh-CN" dirty="0" err="1" smtClean="0"/>
-              <a:t>ppt</a:t>
-            </a:r>
-            <a:r>
-              <a:rPr lang="zh-CN" altLang="en-US" dirty="0" smtClean="0"/>
-              <a:t>中</a:t>
-            </a:r>
-            <a:r>
-              <a:rPr lang="zh-CN" altLang="en-US" dirty="0" smtClean="0">
-                <a:solidFill>
-                  <a:srgbClr val="FF0000"/>
-                </a:solidFill>
-              </a:rPr>
-              <a:t>标红</a:t>
-            </a:r>
-            <a:r>
-              <a:rPr lang="zh-CN" altLang="en-US" dirty="0" smtClean="0"/>
-              <a:t>的单词。</a:t>
-            </a:r>
             <a:endParaRPr lang="zh-CN" altLang="en-US" dirty="0"/>
           </a:p>
         </p:txBody>
@@ -739,7 +933,7 @@
     </p:spTree>
     <p:extLst>
       <p:ext uri="{BB962C8B-B14F-4D97-AF65-F5344CB8AC3E}">
-        <p14:creationId xmlns:p14="http://schemas.microsoft.com/office/powerpoint/2010/main" val="1442014060"/>
+        <p14:creationId xmlns:p14="http://schemas.microsoft.com/office/powerpoint/2010/main" val="946283881"/>
       </p:ext>
     </p:extLst>
   </p:cSld>
@@ -795,108 +989,49 @@
           <a:p>
             <a:r>
               <a:rPr lang="zh-CN" altLang="en-US" dirty="0" smtClean="0"/>
-              <a:t>首先分大类：</a:t>
+              <a:t>本章</a:t>
+            </a:r>
+            <a:r>
+              <a:rPr lang="en-US" altLang="zh-CN" dirty="0" err="1" smtClean="0"/>
+              <a:t>ppt</a:t>
+            </a:r>
+            <a:r>
+              <a:rPr lang="zh-CN" altLang="en-US" dirty="0" smtClean="0"/>
+              <a:t>列本次课的提纲</a:t>
             </a:r>
             <a:endParaRPr lang="en-US" altLang="zh-CN" dirty="0" smtClean="0"/>
           </a:p>
           <a:p>
             <a:r>
               <a:rPr lang="zh-CN" altLang="en-US" dirty="0" smtClean="0"/>
-              <a:t>然后介绍今天的主要内容：机场组成：机场，亦称</a:t>
+              <a:t>机场相关基础英语：机场基础组成跑道系统、地面保障方面</a:t>
+            </a:r>
+            <a:endParaRPr lang="en-US" altLang="zh-CN" dirty="0" smtClean="0"/>
+          </a:p>
+          <a:p>
+            <a:r>
+              <a:rPr lang="zh-CN" altLang="en-US" dirty="0" smtClean="0"/>
+              <a:t>笔记要点：本</a:t>
+            </a:r>
+            <a:r>
+              <a:rPr lang="en-US" altLang="zh-CN" dirty="0" err="1" smtClean="0"/>
+              <a:t>ppt</a:t>
+            </a:r>
+            <a:r>
+              <a:rPr lang="zh-CN" altLang="en-US" dirty="0" smtClean="0"/>
+              <a:t>中</a:t>
             </a:r>
             <a:r>
               <a:rPr lang="zh-CN" altLang="en-US" dirty="0" smtClean="0">
-                <a:hlinkClick r:id="rId3"/>
+                <a:solidFill>
+                  <a:srgbClr val="FF0000"/>
+                </a:solidFill>
               </a:rPr>
-              <a:t>飞机场</a:t>
+              <a:t>标红</a:t>
             </a:r>
             <a:r>
               <a:rPr lang="zh-CN" altLang="en-US" dirty="0" smtClean="0"/>
-              <a:t>、</a:t>
-            </a:r>
-            <a:r>
-              <a:rPr lang="zh-CN" altLang="en-US" dirty="0" smtClean="0">
-                <a:hlinkClick r:id="rId4"/>
-              </a:rPr>
-              <a:t>空港</a:t>
-            </a:r>
-            <a:r>
-              <a:rPr lang="zh-CN" altLang="en-US" dirty="0" smtClean="0"/>
-              <a:t>，较正式的名称是</a:t>
-            </a:r>
-            <a:r>
-              <a:rPr lang="zh-CN" altLang="en-US" dirty="0" smtClean="0">
-                <a:hlinkClick r:id="rId5"/>
-              </a:rPr>
-              <a:t>航空站</a:t>
-            </a:r>
-            <a:r>
-              <a:rPr lang="zh-CN" altLang="en-US" dirty="0" smtClean="0"/>
-              <a:t>。机场有不同的大小，除了</a:t>
-            </a:r>
-            <a:r>
-              <a:rPr lang="zh-CN" altLang="en-US" dirty="0" smtClean="0">
-                <a:hlinkClick r:id="rId6"/>
-              </a:rPr>
-              <a:t>跑道</a:t>
-            </a:r>
-            <a:r>
-              <a:rPr lang="zh-CN" altLang="en-US" dirty="0" smtClean="0"/>
-              <a:t>之外，机场通常还设有</a:t>
-            </a:r>
-            <a:r>
-              <a:rPr lang="zh-CN" altLang="en-US" dirty="0" smtClean="0">
-                <a:hlinkClick r:id="rId7"/>
-              </a:rPr>
-              <a:t>塔台</a:t>
-            </a:r>
-            <a:r>
-              <a:rPr lang="zh-CN" altLang="en-US" dirty="0" smtClean="0"/>
-              <a:t>、</a:t>
-            </a:r>
-            <a:r>
-              <a:rPr lang="zh-CN" altLang="en-US" dirty="0" smtClean="0">
-                <a:hlinkClick r:id="rId8"/>
-              </a:rPr>
-              <a:t>停机坪</a:t>
-            </a:r>
-            <a:r>
-              <a:rPr lang="zh-CN" altLang="en-US" dirty="0" smtClean="0"/>
-              <a:t>、航空</a:t>
-            </a:r>
-            <a:r>
-              <a:rPr lang="zh-CN" altLang="en-US" dirty="0" smtClean="0">
-                <a:hlinkClick r:id="rId9"/>
-              </a:rPr>
-              <a:t>客运站</a:t>
-            </a:r>
-            <a:r>
-              <a:rPr lang="zh-CN" altLang="en-US" dirty="0" smtClean="0"/>
-              <a:t>、维修厂等设施，并提供</a:t>
-            </a:r>
-            <a:r>
-              <a:rPr lang="zh-CN" altLang="en-US" dirty="0" smtClean="0">
-                <a:hlinkClick r:id="rId10"/>
-              </a:rPr>
-              <a:t>机场管制</a:t>
-            </a:r>
-            <a:r>
-              <a:rPr lang="zh-CN" altLang="en-US" dirty="0" smtClean="0"/>
-              <a:t>服务、</a:t>
-            </a:r>
-            <a:r>
-              <a:rPr lang="zh-CN" altLang="en-US" dirty="0" smtClean="0">
-                <a:hlinkClick r:id="rId11"/>
-              </a:rPr>
-              <a:t>空中交通管制</a:t>
-            </a:r>
-            <a:r>
-              <a:rPr lang="zh-CN" altLang="en-US" dirty="0" smtClean="0"/>
-              <a:t>等其他服务。</a:t>
-            </a:r>
-            <a:r>
-              <a:rPr lang="en-US" altLang="zh-CN" baseline="30000" dirty="0" smtClean="0"/>
-              <a:t>[</a:t>
+              <a:t>的单词。</a:t>
             </a:r>
             <a:endParaRPr lang="zh-CN" altLang="en-US" dirty="0"/>
           </a:p>
@@ -928,7 +1063,7 @@
     </p:spTree>
     <p:extLst>
       <p:ext uri="{BB962C8B-B14F-4D97-AF65-F5344CB8AC3E}">
-        <p14:creationId xmlns:p14="http://schemas.microsoft.com/office/powerpoint/2010/main" val="2692372136"/>
+        <p14:creationId xmlns:p14="http://schemas.microsoft.com/office/powerpoint/2010/main" val="1442014060"/>
       </p:ext>
     </p:extLst>
   </p:cSld>
@@ -984,29 +1119,108 @@
           <a:p>
             <a:r>
               <a:rPr lang="zh-CN" altLang="en-US" dirty="0" smtClean="0"/>
-              <a:t>本节重点单词列表</a:t>
+              <a:t>首先分大类：</a:t>
             </a:r>
             <a:endParaRPr lang="en-US" altLang="zh-CN" dirty="0" smtClean="0"/>
           </a:p>
           <a:p>
             <a:r>
               <a:rPr lang="zh-CN" altLang="en-US" dirty="0" smtClean="0"/>
-              <a:t>时间紧，准备不够充分，内容都是最简单基础的</a:t>
-            </a:r>
-            <a:endParaRPr lang="en-US" altLang="zh-CN" dirty="0" smtClean="0"/>
-          </a:p>
-          <a:p>
+              <a:t>然后介绍今天的主要内容：机场组成：机场，亦称</a:t>
+            </a:r>
+            <a:r>
+              <a:rPr lang="zh-CN" altLang="en-US" dirty="0" smtClean="0">
+                <a:hlinkClick r:id="rId3"/>
+              </a:rPr>
+              <a:t>飞机场</a:t>
+            </a:r>
             <a:r>
               <a:rPr lang="zh-CN" altLang="en-US" dirty="0" smtClean="0"/>
-              <a:t>学习效果：认识</a:t>
-            </a:r>
-            <a:r>
-              <a:rPr lang="en-US" altLang="zh-CN" dirty="0" smtClean="0"/>
-              <a:t>+</a:t>
+              <a:t>、</a:t>
+            </a:r>
+            <a:r>
+              <a:rPr lang="zh-CN" altLang="en-US" dirty="0" smtClean="0">
+                <a:hlinkClick r:id="rId4"/>
+              </a:rPr>
+              <a:t>空港</a:t>
             </a:r>
             <a:r>
               <a:rPr lang="zh-CN" altLang="en-US" dirty="0" smtClean="0"/>
-              <a:t>能读出来</a:t>
+              <a:t>，较正式的名称是</a:t>
+            </a:r>
+            <a:r>
+              <a:rPr lang="zh-CN" altLang="en-US" dirty="0" smtClean="0">
+                <a:hlinkClick r:id="rId5"/>
+              </a:rPr>
+              <a:t>航空站</a:t>
+            </a:r>
+            <a:r>
+              <a:rPr lang="zh-CN" altLang="en-US" dirty="0" smtClean="0"/>
+              <a:t>。机场有不同的大小，除了</a:t>
+            </a:r>
+            <a:r>
+              <a:rPr lang="zh-CN" altLang="en-US" dirty="0" smtClean="0">
+                <a:hlinkClick r:id="rId6"/>
+              </a:rPr>
+              <a:t>跑道</a:t>
+            </a:r>
+            <a:r>
+              <a:rPr lang="zh-CN" altLang="en-US" dirty="0" smtClean="0"/>
+              <a:t>之外，机场通常还设有</a:t>
+            </a:r>
+            <a:r>
+              <a:rPr lang="zh-CN" altLang="en-US" dirty="0" smtClean="0">
+                <a:hlinkClick r:id="rId7"/>
+              </a:rPr>
+              <a:t>塔台</a:t>
+            </a:r>
+            <a:r>
+              <a:rPr lang="zh-CN" altLang="en-US" dirty="0" smtClean="0"/>
+              <a:t>、</a:t>
+            </a:r>
+            <a:r>
+              <a:rPr lang="zh-CN" altLang="en-US" dirty="0" smtClean="0">
+                <a:hlinkClick r:id="rId8"/>
+              </a:rPr>
+              <a:t>停机坪</a:t>
+            </a:r>
+            <a:r>
+              <a:rPr lang="zh-CN" altLang="en-US" dirty="0" smtClean="0"/>
+              <a:t>、航空</a:t>
+            </a:r>
+            <a:r>
+              <a:rPr lang="zh-CN" altLang="en-US" dirty="0" smtClean="0">
+                <a:hlinkClick r:id="rId9"/>
+              </a:rPr>
+              <a:t>客运站</a:t>
+            </a:r>
+            <a:r>
+              <a:rPr lang="zh-CN" altLang="en-US" dirty="0" smtClean="0"/>
+              <a:t>、维修厂等设施，并提供</a:t>
+            </a:r>
+            <a:r>
+              <a:rPr lang="zh-CN" altLang="en-US" dirty="0" smtClean="0">
+                <a:hlinkClick r:id="rId10"/>
+              </a:rPr>
+              <a:t>机场管制</a:t>
+            </a:r>
+            <a:r>
+              <a:rPr lang="zh-CN" altLang="en-US" dirty="0" smtClean="0"/>
+              <a:t>服务、</a:t>
+            </a:r>
+            <a:r>
+              <a:rPr lang="zh-CN" altLang="en-US" dirty="0" smtClean="0">
+                <a:hlinkClick r:id="rId11"/>
+              </a:rPr>
+              <a:t>空中交通管制</a:t>
+            </a:r>
+            <a:r>
+              <a:rPr lang="zh-CN" altLang="en-US" dirty="0" smtClean="0"/>
+              <a:t>等其他服务。</a:t>
+            </a:r>
+            <a:r>
+              <a:rPr lang="en-US" altLang="zh-CN" baseline="30000" dirty="0" smtClean="0"/>
+              <a:t>[</a:t>
             </a:r>
             <a:endParaRPr lang="zh-CN" altLang="en-US" dirty="0"/>
           </a:p>
@@ -1029,7 +1243,7 @@
           <a:p>
             <a:fld id="{66C63F82-747B-4CFD-A137-8E1C69C3C90A}" type="slidenum">
               <a:rPr lang="zh-CN" altLang="en-US" smtClean="0"/>
-              <a:t>11</a:t>
+              <a:t>4</a:t>
             </a:fld>
             <a:endParaRPr lang="zh-CN" altLang="en-US"/>
           </a:p>
@@ -1038,7 +1252,7 @@
     </p:spTree>
     <p:extLst>
       <p:ext uri="{BB962C8B-B14F-4D97-AF65-F5344CB8AC3E}">
-        <p14:creationId xmlns:p14="http://schemas.microsoft.com/office/powerpoint/2010/main" val="1241377144"/>
+        <p14:creationId xmlns:p14="http://schemas.microsoft.com/office/powerpoint/2010/main" val="2692372136"/>
       </p:ext>
     </p:extLst>
   </p:cSld>
@@ -1094,21 +1308,108 @@
           <a:p>
             <a:r>
               <a:rPr lang="zh-CN" altLang="en-US" dirty="0" smtClean="0"/>
-              <a:t>课堂笔记、有道单词本</a:t>
+              <a:t>首先分大类：</a:t>
             </a:r>
             <a:endParaRPr lang="en-US" altLang="zh-CN" dirty="0" smtClean="0"/>
           </a:p>
           <a:p>
             <a:r>
               <a:rPr lang="zh-CN" altLang="en-US" dirty="0" smtClean="0"/>
-              <a:t>课堂笔记只需要记住本节课的词汇以及关键语境句子</a:t>
-            </a:r>
-            <a:endParaRPr lang="en-US" altLang="zh-CN" dirty="0" smtClean="0"/>
-          </a:p>
-          <a:p>
-            <a:r>
-              <a:rPr lang="zh-CN" altLang="en-US" smtClean="0"/>
-              <a:t>有道单词本复习相关词汇的方法</a:t>
+              <a:t>然后介绍今天的主要内容：机场组成：机场，亦称</a:t>
+            </a:r>
+            <a:r>
+              <a:rPr lang="zh-CN" altLang="en-US" dirty="0" smtClean="0">
+                <a:hlinkClick r:id="rId3"/>
+              </a:rPr>
+              <a:t>飞机场</a:t>
+            </a:r>
+            <a:r>
+              <a:rPr lang="zh-CN" altLang="en-US" dirty="0" smtClean="0"/>
+              <a:t>、</a:t>
+            </a:r>
+            <a:r>
+              <a:rPr lang="zh-CN" altLang="en-US" dirty="0" smtClean="0">
+                <a:hlinkClick r:id="rId4"/>
+              </a:rPr>
+              <a:t>空港</a:t>
+            </a:r>
+            <a:r>
+              <a:rPr lang="zh-CN" altLang="en-US" dirty="0" smtClean="0"/>
+              <a:t>，较正式的名称是</a:t>
+            </a:r>
+            <a:r>
+              <a:rPr lang="zh-CN" altLang="en-US" dirty="0" smtClean="0">
+                <a:hlinkClick r:id="rId5"/>
+              </a:rPr>
+              <a:t>航空站</a:t>
+            </a:r>
+            <a:r>
+              <a:rPr lang="zh-CN" altLang="en-US" dirty="0" smtClean="0"/>
+              <a:t>。机场有不同的大小，除了</a:t>
+            </a:r>
+            <a:r>
+              <a:rPr lang="zh-CN" altLang="en-US" dirty="0" smtClean="0">
+                <a:hlinkClick r:id="rId6"/>
+              </a:rPr>
+              <a:t>跑道</a:t>
+            </a:r>
+            <a:r>
+              <a:rPr lang="zh-CN" altLang="en-US" dirty="0" smtClean="0"/>
+              <a:t>之外，机场通常还设有</a:t>
+            </a:r>
+            <a:r>
+              <a:rPr lang="zh-CN" altLang="en-US" dirty="0" smtClean="0">
+                <a:hlinkClick r:id="rId7"/>
+              </a:rPr>
+              <a:t>塔台</a:t>
+            </a:r>
+            <a:r>
+              <a:rPr lang="zh-CN" altLang="en-US" dirty="0" smtClean="0"/>
+              <a:t>、</a:t>
+            </a:r>
+            <a:r>
+              <a:rPr lang="zh-CN" altLang="en-US" dirty="0" smtClean="0">
+                <a:hlinkClick r:id="rId8"/>
+              </a:rPr>
+              <a:t>停机坪</a:t>
+            </a:r>
+            <a:r>
+              <a:rPr lang="zh-CN" altLang="en-US" dirty="0" smtClean="0"/>
+              <a:t>、航空</a:t>
+            </a:r>
+            <a:r>
+              <a:rPr lang="zh-CN" altLang="en-US" dirty="0" smtClean="0">
+                <a:hlinkClick r:id="rId9"/>
+              </a:rPr>
+              <a:t>客运站</a:t>
+            </a:r>
+            <a:r>
+              <a:rPr lang="zh-CN" altLang="en-US" dirty="0" smtClean="0"/>
+              <a:t>、维修厂等设施，并提供</a:t>
+            </a:r>
+            <a:r>
+              <a:rPr lang="zh-CN" altLang="en-US" dirty="0" smtClean="0">
+                <a:hlinkClick r:id="rId10"/>
+              </a:rPr>
+              <a:t>机场管制</a:t>
+            </a:r>
+            <a:r>
+              <a:rPr lang="zh-CN" altLang="en-US" dirty="0" smtClean="0"/>
+              <a:t>服务、</a:t>
+            </a:r>
+            <a:r>
+              <a:rPr lang="zh-CN" altLang="en-US" dirty="0" smtClean="0">
+                <a:hlinkClick r:id="rId11"/>
+              </a:rPr>
+              <a:t>空中交通管制</a:t>
+            </a:r>
+            <a:r>
+              <a:rPr lang="zh-CN" altLang="en-US" dirty="0" smtClean="0"/>
+              <a:t>等其他服务。</a:t>
+            </a:r>
+            <a:r>
+              <a:rPr lang="en-US" altLang="zh-CN" baseline="30000" dirty="0" smtClean="0"/>
+              <a:t>[</a:t>
             </a:r>
             <a:endParaRPr lang="zh-CN" altLang="en-US" dirty="0"/>
           </a:p>
@@ -1131,7 +1432,329 @@
           <a:p>
             <a:fld id="{66C63F82-747B-4CFD-A137-8E1C69C3C90A}" type="slidenum">
               <a:rPr lang="zh-CN" altLang="en-US" smtClean="0"/>
-              <a:t>12</a:t>
+              <a:t>5</a:t>
+            </a:fld>
+            <a:endParaRPr lang="zh-CN" altLang="en-US"/>
+          </a:p>
+        </p:txBody>
+      </p:sp>
+    </p:spTree>
+    <p:extLst>
+      <p:ext uri="{BB962C8B-B14F-4D97-AF65-F5344CB8AC3E}">
+        <p14:creationId xmlns:p14="http://schemas.microsoft.com/office/powerpoint/2010/main" val="3442625750"/>
+      </p:ext>
+    </p:extLst>
+  </p:cSld>
+  <p:clrMapOvr>
+    <a:masterClrMapping/>
+  </p:clrMapOvr>
+</p:notes>
+</file>
+
+<file path=ppt/notesSlides/notesSlide6.xml><?xml version="1.0" encoding="utf-8"?>
+<p:notes xmlns:a="http://schemas.openxmlformats.org/drawingml/2006/main" xmlns:r="http://schemas.openxmlformats.org/officeDocument/2006/relationships" xmlns:p="http://schemas.openxmlformats.org/presentationml/2006/main">
+  <p:cSld>
+    <p:spTree>
+      <p:nvGrpSpPr>
+        <p:cNvPr id="1" name=""/>
+        <p:cNvGrpSpPr/>
+        <p:nvPr/>
+      </p:nvGrpSpPr>
+      <p:grpSpPr>
+        <a:xfrm>
+          <a:off x="0" y="0"/>
+          <a:ext cx="0" cy="0"/>
+          <a:chOff x="0" y="0"/>
+          <a:chExt cx="0" cy="0"/>
+        </a:xfrm>
+      </p:grpSpPr>
+      <p:sp>
+        <p:nvSpPr>
+          <p:cNvPr id="2" name="幻灯片图像占位符 1"/>
+          <p:cNvSpPr>
+            <a:spLocks noGrp="1" noRot="1" noChangeAspect="1"/>
+          </p:cNvSpPr>
+          <p:nvPr>
+            <p:ph type="sldImg"/>
+          </p:nvPr>
+        </p:nvSpPr>
+        <p:spPr/>
+      </p:sp>
+      <p:sp>
+        <p:nvSpPr>
+          <p:cNvPr id="3" name="备注占位符 2"/>
+          <p:cNvSpPr>
+            <a:spLocks noGrp="1"/>
+          </p:cNvSpPr>
+          <p:nvPr>
+            <p:ph type="body" idx="1"/>
+          </p:nvPr>
+        </p:nvSpPr>
+        <p:spPr/>
+        <p:txBody>
+          <a:bodyPr/>
+          <a:lstStyle/>
+          <a:p>
+            <a:r>
+              <a:rPr lang="zh-CN" altLang="en-US" dirty="0" smtClean="0"/>
+              <a:t>本节重点单词列表</a:t>
+            </a:r>
+            <a:endParaRPr lang="en-US" altLang="zh-CN" dirty="0" smtClean="0"/>
+          </a:p>
+          <a:p>
+            <a:r>
+              <a:rPr lang="zh-CN" altLang="en-US" dirty="0" smtClean="0"/>
+              <a:t>时间紧，准备不够充分，内容都是最简单基础的</a:t>
+            </a:r>
+            <a:endParaRPr lang="en-US" altLang="zh-CN" dirty="0" smtClean="0"/>
+          </a:p>
+          <a:p>
+            <a:r>
+              <a:rPr lang="zh-CN" altLang="en-US" dirty="0" smtClean="0"/>
+              <a:t>学习效果：认识</a:t>
+            </a:r>
+            <a:r>
+              <a:rPr lang="en-US" altLang="zh-CN" dirty="0" smtClean="0"/>
+              <a:t>+</a:t>
+            </a:r>
+            <a:r>
+              <a:rPr lang="zh-CN" altLang="en-US" dirty="0" smtClean="0"/>
+              <a:t>能读出来</a:t>
+            </a:r>
+            <a:endParaRPr lang="zh-CN" altLang="en-US" dirty="0"/>
+          </a:p>
+        </p:txBody>
+      </p:sp>
+      <p:sp>
+        <p:nvSpPr>
+          <p:cNvPr id="4" name="灯片编号占位符 3"/>
+          <p:cNvSpPr>
+            <a:spLocks noGrp="1"/>
+          </p:cNvSpPr>
+          <p:nvPr>
+            <p:ph type="sldNum" sz="quarter" idx="10"/>
+          </p:nvPr>
+        </p:nvSpPr>
+        <p:spPr/>
+        <p:txBody>
+          <a:bodyPr/>
+          <a:lstStyle/>
+          <a:p>
+            <a:fld id="{66C63F82-747B-4CFD-A137-8E1C69C3C90A}" type="slidenum">
+              <a:rPr lang="zh-CN" altLang="en-US" smtClean="0"/>
+              <a:t>13</a:t>
+            </a:fld>
+            <a:endParaRPr lang="zh-CN" altLang="en-US"/>
+          </a:p>
+        </p:txBody>
+      </p:sp>
+    </p:spTree>
+    <p:extLst>
+      <p:ext uri="{BB962C8B-B14F-4D97-AF65-F5344CB8AC3E}">
+        <p14:creationId xmlns:p14="http://schemas.microsoft.com/office/powerpoint/2010/main" val="3984383389"/>
+      </p:ext>
+    </p:extLst>
+  </p:cSld>
+  <p:clrMapOvr>
+    <a:masterClrMapping/>
+  </p:clrMapOvr>
+</p:notes>
+</file>
+
+<file path=ppt/notesSlides/notesSlide7.xml><?xml version="1.0" encoding="utf-8"?>
+<p:notes xmlns:a="http://schemas.openxmlformats.org/drawingml/2006/main" xmlns:r="http://schemas.openxmlformats.org/officeDocument/2006/relationships" xmlns:p="http://schemas.openxmlformats.org/presentationml/2006/main">
+  <p:cSld>
+    <p:spTree>
+      <p:nvGrpSpPr>
+        <p:cNvPr id="1" name=""/>
+        <p:cNvGrpSpPr/>
+        <p:nvPr/>
+      </p:nvGrpSpPr>
+      <p:grpSpPr>
+        <a:xfrm>
+          <a:off x="0" y="0"/>
+          <a:ext cx="0" cy="0"/>
+          <a:chOff x="0" y="0"/>
+          <a:chExt cx="0" cy="0"/>
+        </a:xfrm>
+      </p:grpSpPr>
+      <p:sp>
+        <p:nvSpPr>
+          <p:cNvPr id="2" name="幻灯片图像占位符 1"/>
+          <p:cNvSpPr>
+            <a:spLocks noGrp="1" noRot="1" noChangeAspect="1"/>
+          </p:cNvSpPr>
+          <p:nvPr>
+            <p:ph type="sldImg"/>
+          </p:nvPr>
+        </p:nvSpPr>
+        <p:spPr/>
+      </p:sp>
+      <p:sp>
+        <p:nvSpPr>
+          <p:cNvPr id="3" name="备注占位符 2"/>
+          <p:cNvSpPr>
+            <a:spLocks noGrp="1"/>
+          </p:cNvSpPr>
+          <p:nvPr>
+            <p:ph type="body" idx="1"/>
+          </p:nvPr>
+        </p:nvSpPr>
+        <p:spPr/>
+        <p:txBody>
+          <a:bodyPr/>
+          <a:lstStyle/>
+          <a:p>
+            <a:r>
+              <a:rPr lang="zh-CN" altLang="en-US" dirty="0" smtClean="0"/>
+              <a:t>本节重点单词列表</a:t>
+            </a:r>
+            <a:endParaRPr lang="en-US" altLang="zh-CN" dirty="0" smtClean="0"/>
+          </a:p>
+          <a:p>
+            <a:r>
+              <a:rPr lang="zh-CN" altLang="en-US" dirty="0" smtClean="0"/>
+              <a:t>时间紧，准备不够充分，内容都是最简单基础的</a:t>
+            </a:r>
+            <a:endParaRPr lang="en-US" altLang="zh-CN" dirty="0" smtClean="0"/>
+          </a:p>
+          <a:p>
+            <a:r>
+              <a:rPr lang="zh-CN" altLang="en-US" dirty="0" smtClean="0"/>
+              <a:t>学习效果：认识</a:t>
+            </a:r>
+            <a:r>
+              <a:rPr lang="en-US" altLang="zh-CN" dirty="0" smtClean="0"/>
+              <a:t>+</a:t>
+            </a:r>
+            <a:r>
+              <a:rPr lang="zh-CN" altLang="en-US" dirty="0" smtClean="0"/>
+              <a:t>能读出来</a:t>
+            </a:r>
+            <a:endParaRPr lang="zh-CN" altLang="en-US" dirty="0"/>
+          </a:p>
+        </p:txBody>
+      </p:sp>
+      <p:sp>
+        <p:nvSpPr>
+          <p:cNvPr id="4" name="灯片编号占位符 3"/>
+          <p:cNvSpPr>
+            <a:spLocks noGrp="1"/>
+          </p:cNvSpPr>
+          <p:nvPr>
+            <p:ph type="sldNum" sz="quarter" idx="10"/>
+          </p:nvPr>
+        </p:nvSpPr>
+        <p:spPr/>
+        <p:txBody>
+          <a:bodyPr/>
+          <a:lstStyle/>
+          <a:p>
+            <a:fld id="{66C63F82-747B-4CFD-A137-8E1C69C3C90A}" type="slidenum">
+              <a:rPr lang="zh-CN" altLang="en-US" smtClean="0"/>
+              <a:t>14</a:t>
+            </a:fld>
+            <a:endParaRPr lang="zh-CN" altLang="en-US"/>
+          </a:p>
+        </p:txBody>
+      </p:sp>
+    </p:spTree>
+    <p:extLst>
+      <p:ext uri="{BB962C8B-B14F-4D97-AF65-F5344CB8AC3E}">
+        <p14:creationId xmlns:p14="http://schemas.microsoft.com/office/powerpoint/2010/main" val="4061322963"/>
+      </p:ext>
+    </p:extLst>
+  </p:cSld>
+  <p:clrMapOvr>
+    <a:masterClrMapping/>
+  </p:clrMapOvr>
+</p:notes>
+</file>
+
+<file path=ppt/notesSlides/notesSlide8.xml><?xml version="1.0" encoding="utf-8"?>
+<p:notes xmlns:a="http://schemas.openxmlformats.org/drawingml/2006/main" xmlns:r="http://schemas.openxmlformats.org/officeDocument/2006/relationships" xmlns:p="http://schemas.openxmlformats.org/presentationml/2006/main">
+  <p:cSld>
+    <p:spTree>
+      <p:nvGrpSpPr>
+        <p:cNvPr id="1" name=""/>
+        <p:cNvGrpSpPr/>
+        <p:nvPr/>
+      </p:nvGrpSpPr>
+      <p:grpSpPr>
+        <a:xfrm>
+          <a:off x="0" y="0"/>
+          <a:ext cx="0" cy="0"/>
+          <a:chOff x="0" y="0"/>
+          <a:chExt cx="0" cy="0"/>
+        </a:xfrm>
+      </p:grpSpPr>
+      <p:sp>
+        <p:nvSpPr>
+          <p:cNvPr id="2" name="幻灯片图像占位符 1"/>
+          <p:cNvSpPr>
+            <a:spLocks noGrp="1" noRot="1" noChangeAspect="1"/>
+          </p:cNvSpPr>
+          <p:nvPr>
+            <p:ph type="sldImg"/>
+          </p:nvPr>
+        </p:nvSpPr>
+        <p:spPr/>
+      </p:sp>
+      <p:sp>
+        <p:nvSpPr>
+          <p:cNvPr id="3" name="备注占位符 2"/>
+          <p:cNvSpPr>
+            <a:spLocks noGrp="1"/>
+          </p:cNvSpPr>
+          <p:nvPr>
+            <p:ph type="body" idx="1"/>
+          </p:nvPr>
+        </p:nvSpPr>
+        <p:spPr/>
+        <p:txBody>
+          <a:bodyPr/>
+          <a:lstStyle/>
+          <a:p>
+            <a:r>
+              <a:rPr lang="zh-CN" altLang="en-US" dirty="0" smtClean="0"/>
+              <a:t>课堂笔记、有道单词本</a:t>
+            </a:r>
+            <a:endParaRPr lang="en-US" altLang="zh-CN" dirty="0" smtClean="0"/>
+          </a:p>
+          <a:p>
+            <a:r>
+              <a:rPr lang="zh-CN" altLang="en-US" dirty="0" smtClean="0"/>
+              <a:t>课堂笔记只需要记住本节课的词汇以及关键语境句子</a:t>
+            </a:r>
+            <a:endParaRPr lang="en-US" altLang="zh-CN" dirty="0" smtClean="0"/>
+          </a:p>
+          <a:p>
+            <a:r>
+              <a:rPr lang="zh-CN" altLang="en-US" smtClean="0"/>
+              <a:t>有道单词本复习相关词汇的方法</a:t>
+            </a:r>
+            <a:endParaRPr lang="zh-CN" altLang="en-US" dirty="0"/>
+          </a:p>
+        </p:txBody>
+      </p:sp>
+      <p:sp>
+        <p:nvSpPr>
+          <p:cNvPr id="4" name="灯片编号占位符 3"/>
+          <p:cNvSpPr>
+            <a:spLocks noGrp="1"/>
+          </p:cNvSpPr>
+          <p:nvPr>
+            <p:ph type="sldNum" sz="quarter" idx="10"/>
+          </p:nvPr>
+        </p:nvSpPr>
+        <p:spPr/>
+        <p:txBody>
+          <a:bodyPr/>
+          <a:lstStyle/>
+          <a:p>
+            <a:fld id="{66C63F82-747B-4CFD-A137-8E1C69C3C90A}" type="slidenum">
+              <a:rPr lang="zh-CN" altLang="en-US" smtClean="0"/>
+              <a:t>15</a:t>
             </a:fld>
             <a:endParaRPr lang="zh-CN" altLang="en-US"/>
           </a:p>
@@ -1281,7 +1904,7 @@
           <a:p>
             <a:fld id="{4FF6749F-2BCF-40DB-B139-6305F803CA81}" type="datetimeFigureOut">
               <a:rPr lang="zh-CN" altLang="en-US" smtClean="0"/>
-              <a:t>2017/11/27</a:t>
+              <a:t>2017/11/28</a:t>
             </a:fld>
             <a:endParaRPr lang="zh-CN" altLang="en-US"/>
           </a:p>
@@ -1451,7 +2074,7 @@
           <a:p>
             <a:fld id="{4FF6749F-2BCF-40DB-B139-6305F803CA81}" type="datetimeFigureOut">
               <a:rPr lang="zh-CN" altLang="en-US" smtClean="0"/>
-              <a:t>2017/11/27</a:t>
+              <a:t>2017/11/28</a:t>
             </a:fld>
             <a:endParaRPr lang="zh-CN" altLang="en-US"/>
           </a:p>
@@ -1631,7 +2254,7 @@
           <a:p>
             <a:fld id="{4FF6749F-2BCF-40DB-B139-6305F803CA81}" type="datetimeFigureOut">
               <a:rPr lang="zh-CN" altLang="en-US" smtClean="0"/>
-              <a:t>2017/11/27</a:t>
+              <a:t>2017/11/28</a:t>
             </a:fld>
             <a:endParaRPr lang="zh-CN" altLang="en-US"/>
           </a:p>
@@ -1801,7 +2424,7 @@
           <a:p>
             <a:fld id="{4FF6749F-2BCF-40DB-B139-6305F803CA81}" type="datetimeFigureOut">
               <a:rPr lang="zh-CN" altLang="en-US" smtClean="0"/>
-              <a:t>2017/11/27</a:t>
+              <a:t>2017/11/28</a:t>
             </a:fld>
             <a:endParaRPr lang="zh-CN" altLang="en-US"/>
           </a:p>
@@ -2047,7 +2670,7 @@
           <a:p>
             <a:fld id="{4FF6749F-2BCF-40DB-B139-6305F803CA81}" type="datetimeFigureOut">
               <a:rPr lang="zh-CN" altLang="en-US" smtClean="0"/>
-              <a:t>2017/11/27</a:t>
+              <a:t>2017/11/28</a:t>
             </a:fld>
             <a:endParaRPr lang="zh-CN" altLang="en-US"/>
           </a:p>
@@ -2279,7 +2902,7 @@
           <a:p>
             <a:fld id="{4FF6749F-2BCF-40DB-B139-6305F803CA81}" type="datetimeFigureOut">
               <a:rPr lang="zh-CN" altLang="en-US" smtClean="0"/>
-              <a:t>2017/11/27</a:t>
+              <a:t>2017/11/28</a:t>
             </a:fld>
             <a:endParaRPr lang="zh-CN" altLang="en-US"/>
           </a:p>
@@ -2646,7 +3269,7 @@
           <a:p>
             <a:fld id="{4FF6749F-2BCF-40DB-B139-6305F803CA81}" type="datetimeFigureOut">
               <a:rPr lang="zh-CN" altLang="en-US" smtClean="0"/>
-              <a:t>2017/11/27</a:t>
+              <a:t>2017/11/28</a:t>
             </a:fld>
             <a:endParaRPr lang="zh-CN" altLang="en-US"/>
           </a:p>
@@ -2764,7 +3387,7 @@
           <a:p>
             <a:fld id="{4FF6749F-2BCF-40DB-B139-6305F803CA81}" type="datetimeFigureOut">
               <a:rPr lang="zh-CN" altLang="en-US" smtClean="0"/>
-              <a:t>2017/11/27</a:t>
+              <a:t>2017/11/28</a:t>
             </a:fld>
             <a:endParaRPr lang="zh-CN" altLang="en-US"/>
           </a:p>
@@ -2859,7 +3482,7 @@
           <a:p>
             <a:fld id="{4FF6749F-2BCF-40DB-B139-6305F803CA81}" type="datetimeFigureOut">
               <a:rPr lang="zh-CN" altLang="en-US" smtClean="0"/>
-              <a:t>2017/11/27</a:t>
+              <a:t>2017/11/28</a:t>
             </a:fld>
             <a:endParaRPr lang="zh-CN" altLang="en-US"/>
           </a:p>
@@ -3136,7 +3759,7 @@
           <a:p>
             <a:fld id="{4FF6749F-2BCF-40DB-B139-6305F803CA81}" type="datetimeFigureOut">
               <a:rPr lang="zh-CN" altLang="en-US" smtClean="0"/>
-              <a:t>2017/11/27</a:t>
+              <a:t>2017/11/28</a:t>
             </a:fld>
             <a:endParaRPr lang="zh-CN" altLang="en-US"/>
           </a:p>
@@ -3389,7 +4012,7 @@
           <a:p>
             <a:fld id="{4FF6749F-2BCF-40DB-B139-6305F803CA81}" type="datetimeFigureOut">
               <a:rPr lang="zh-CN" altLang="en-US" smtClean="0"/>
-              <a:t>2017/11/27</a:t>
+              <a:t>2017/11/28</a:t>
             </a:fld>
             <a:endParaRPr lang="zh-CN" altLang="en-US"/>
           </a:p>
@@ -3602,7 +4225,7 @@
           <a:p>
             <a:fld id="{4FF6749F-2BCF-40DB-B139-6305F803CA81}" type="datetimeFigureOut">
               <a:rPr lang="zh-CN" altLang="en-US" smtClean="0"/>
-              <a:t>2017/11/27</a:t>
+              <a:t>2017/11/28</a:t>
             </a:fld>
             <a:endParaRPr lang="zh-CN" altLang="en-US"/>
           </a:p>
@@ -4009,14 +4632,1717 @@
       </p:grpSpPr>
       <p:sp>
         <p:nvSpPr>
+          <p:cNvPr id="2" name="矩形 1"/>
+          <p:cNvSpPr/>
+          <p:nvPr/>
+        </p:nvSpPr>
+        <p:spPr>
+          <a:xfrm>
+            <a:off x="303422" y="1491734"/>
+            <a:ext cx="3146834" cy="523220"/>
+          </a:xfrm>
+          <a:prstGeom prst="rect">
+            <a:avLst/>
+          </a:prstGeom>
+        </p:spPr>
+        <p:txBody>
+          <a:bodyPr wrap="square">
+            <a:spAutoFit/>
+          </a:bodyPr>
+          <a:lstStyle/>
+          <a:p>
+            <a:r>
+              <a:rPr lang="en-US" altLang="zh-CN" sz="2800" dirty="0">
+                <a:latin typeface="Microsoft JhengHei UI Light" panose="020B0304030504040204" pitchFamily="34" charset="-120"/>
+                <a:ea typeface="Microsoft JhengHei UI Light" panose="020B0304030504040204" pitchFamily="34" charset="-120"/>
+              </a:rPr>
+              <a:t>Hello, </a:t>
+            </a:r>
+            <a:r>
+              <a:rPr lang="en-US" altLang="zh-CN" sz="2800" dirty="0" smtClean="0">
+                <a:latin typeface="Microsoft JhengHei UI Light" panose="020B0304030504040204" pitchFamily="34" charset="-120"/>
+                <a:ea typeface="Microsoft JhengHei UI Light" panose="020B0304030504040204" pitchFamily="34" charset="-120"/>
+              </a:rPr>
+              <a:t>everyone</a:t>
+            </a:r>
+            <a:r>
+              <a:rPr lang="en-US" altLang="zh-CN" sz="2800" dirty="0">
+                <a:latin typeface="Microsoft JhengHei UI Light" panose="020B0304030504040204" pitchFamily="34" charset="-120"/>
+                <a:ea typeface="Microsoft JhengHei UI Light" panose="020B0304030504040204" pitchFamily="34" charset="-120"/>
+              </a:rPr>
+              <a:t>!</a:t>
+            </a:r>
+          </a:p>
+        </p:txBody>
+      </p:sp>
+      <p:sp>
+        <p:nvSpPr>
+          <p:cNvPr id="3" name="矩形 2"/>
+          <p:cNvSpPr/>
+          <p:nvPr/>
+        </p:nvSpPr>
+        <p:spPr>
+          <a:xfrm>
+            <a:off x="303422" y="3806875"/>
+            <a:ext cx="12361018" cy="523220"/>
+          </a:xfrm>
+          <a:prstGeom prst="rect">
+            <a:avLst/>
+          </a:prstGeom>
+        </p:spPr>
+        <p:txBody>
+          <a:bodyPr wrap="square">
+            <a:spAutoFit/>
+          </a:bodyPr>
+          <a:lstStyle/>
+          <a:p>
+            <a:r>
+              <a:rPr lang="en-US" altLang="zh-CN" sz="2800" dirty="0" smtClean="0">
+                <a:latin typeface="Microsoft JhengHei UI Light" panose="020B0304030504040204" pitchFamily="34" charset="-120"/>
+                <a:ea typeface="Microsoft JhengHei UI Light" panose="020B0304030504040204" pitchFamily="34" charset="-120"/>
+              </a:rPr>
+              <a:t>I am Captain Duji </a:t>
+            </a:r>
+            <a:r>
+              <a:rPr lang="en-US" altLang="zh-CN" sz="2800" dirty="0">
+                <a:latin typeface="Microsoft JhengHei UI Light" panose="020B0304030504040204" pitchFamily="34" charset="-120"/>
+                <a:ea typeface="Microsoft JhengHei UI Light" panose="020B0304030504040204" pitchFamily="34" charset="-120"/>
+              </a:rPr>
+              <a:t>,a mechanic from The Second Maintenance Squadron.</a:t>
+            </a:r>
+            <a:endParaRPr lang="zh-CN" altLang="en-US" sz="2800" dirty="0">
+              <a:latin typeface="Microsoft JhengHei UI Light" panose="020B0304030504040204" pitchFamily="34" charset="-120"/>
+              <a:ea typeface="Microsoft JhengHei UI Light" panose="020B0304030504040204" pitchFamily="34" charset="-120"/>
+            </a:endParaRPr>
+          </a:p>
+        </p:txBody>
+      </p:sp>
+      <p:sp>
+        <p:nvSpPr>
+          <p:cNvPr id="4" name="矩形 3"/>
+          <p:cNvSpPr/>
+          <p:nvPr/>
+        </p:nvSpPr>
+        <p:spPr>
+          <a:xfrm>
+            <a:off x="303422" y="2649304"/>
+            <a:ext cx="3146834" cy="523220"/>
+          </a:xfrm>
+          <a:prstGeom prst="rect">
+            <a:avLst/>
+          </a:prstGeom>
+        </p:spPr>
+        <p:txBody>
+          <a:bodyPr wrap="square">
+            <a:spAutoFit/>
+          </a:bodyPr>
+          <a:lstStyle/>
+          <a:p>
+            <a:r>
+              <a:rPr lang="zh-CN" altLang="en-US" sz="2800" dirty="0">
+                <a:latin typeface="Noto Sans S Chinese Light" panose="020B0300000000000000" pitchFamily="34" charset="-122"/>
+                <a:ea typeface="Noto Sans S Chinese Light" panose="020B0300000000000000" pitchFamily="34" charset="-122"/>
+              </a:rPr>
+              <a:t>大家</a:t>
+            </a:r>
+            <a:r>
+              <a:rPr lang="zh-CN" altLang="en-US" sz="2800" dirty="0" smtClean="0">
+                <a:latin typeface="Noto Sans S Chinese Light" panose="020B0300000000000000" pitchFamily="34" charset="-122"/>
+                <a:ea typeface="Noto Sans S Chinese Light" panose="020B0300000000000000" pitchFamily="34" charset="-122"/>
+              </a:rPr>
+              <a:t>好！</a:t>
+            </a:r>
+            <a:endParaRPr lang="en-US" altLang="zh-CN" sz="2800" dirty="0">
+              <a:latin typeface="Noto Sans S Chinese Light" panose="020B0300000000000000" pitchFamily="34" charset="-122"/>
+              <a:ea typeface="Noto Sans S Chinese Light" panose="020B0300000000000000" pitchFamily="34" charset="-122"/>
+            </a:endParaRPr>
+          </a:p>
+        </p:txBody>
+      </p:sp>
+      <p:sp>
+        <p:nvSpPr>
+          <p:cNvPr id="5" name="矩形 4"/>
+          <p:cNvSpPr/>
+          <p:nvPr/>
+        </p:nvSpPr>
+        <p:spPr>
+          <a:xfrm>
+            <a:off x="303422" y="4964445"/>
+            <a:ext cx="10974178" cy="523220"/>
+          </a:xfrm>
+          <a:prstGeom prst="rect">
+            <a:avLst/>
+          </a:prstGeom>
+        </p:spPr>
+        <p:txBody>
+          <a:bodyPr wrap="square">
+            <a:spAutoFit/>
+          </a:bodyPr>
+          <a:lstStyle/>
+          <a:p>
+            <a:r>
+              <a:rPr lang="zh-CN" altLang="en-US" sz="2800" dirty="0">
+                <a:latin typeface="Noto Sans S Chinese Light" panose="020B0300000000000000" pitchFamily="34" charset="-122"/>
+                <a:ea typeface="Noto Sans S Chinese Light" panose="020B0300000000000000" pitchFamily="34" charset="-122"/>
+              </a:rPr>
+              <a:t>我</a:t>
+            </a:r>
+            <a:r>
+              <a:rPr lang="zh-CN" altLang="en-US" sz="2800" dirty="0" smtClean="0">
+                <a:latin typeface="Noto Sans S Chinese Light" panose="020B0300000000000000" pitchFamily="34" charset="-122"/>
+                <a:ea typeface="Noto Sans S Chinese Light" panose="020B0300000000000000" pitchFamily="34" charset="-122"/>
+              </a:rPr>
+              <a:t>是   来自   机务二中队  的  上尉   机械师     杜佶。</a:t>
+            </a:r>
+            <a:endParaRPr lang="en-US" altLang="zh-CN" sz="2800" dirty="0">
+              <a:latin typeface="Noto Sans S Chinese Light" panose="020B0300000000000000" pitchFamily="34" charset="-122"/>
+              <a:ea typeface="Noto Sans S Chinese Light" panose="020B0300000000000000" pitchFamily="34" charset="-122"/>
+            </a:endParaRPr>
+          </a:p>
+        </p:txBody>
+      </p:sp>
+      <p:cxnSp>
+        <p:nvCxnSpPr>
+          <p:cNvPr id="7" name="直接连接符 6"/>
+          <p:cNvCxnSpPr/>
+          <p:nvPr/>
+        </p:nvCxnSpPr>
+        <p:spPr>
+          <a:xfrm>
+            <a:off x="1193800" y="4330095"/>
+            <a:ext cx="1219200" cy="0"/>
+          </a:xfrm>
+          <a:prstGeom prst="line">
+            <a:avLst/>
+          </a:prstGeom>
+          <a:ln w="31750">
+            <a:solidFill>
+              <a:srgbClr val="FF0000"/>
+            </a:solidFill>
+          </a:ln>
+        </p:spPr>
+        <p:style>
+          <a:lnRef idx="1">
+            <a:schemeClr val="accent1"/>
+          </a:lnRef>
+          <a:fillRef idx="0">
+            <a:schemeClr val="accent1"/>
+          </a:fillRef>
+          <a:effectRef idx="0">
+            <a:schemeClr val="accent1"/>
+          </a:effectRef>
+          <a:fontRef idx="minor">
+            <a:schemeClr val="tx1"/>
+          </a:fontRef>
+        </p:style>
+      </p:cxnSp>
+      <p:cxnSp>
+        <p:nvCxnSpPr>
+          <p:cNvPr id="8" name="直接连接符 7"/>
+          <p:cNvCxnSpPr/>
+          <p:nvPr/>
+        </p:nvCxnSpPr>
+        <p:spPr>
+          <a:xfrm>
+            <a:off x="4714240" y="4964445"/>
+            <a:ext cx="756920" cy="0"/>
+          </a:xfrm>
+          <a:prstGeom prst="line">
+            <a:avLst/>
+          </a:prstGeom>
+          <a:ln w="31750">
+            <a:solidFill>
+              <a:srgbClr val="FF0000"/>
+            </a:solidFill>
+          </a:ln>
+        </p:spPr>
+        <p:style>
+          <a:lnRef idx="1">
+            <a:schemeClr val="accent1"/>
+          </a:lnRef>
+          <a:fillRef idx="0">
+            <a:schemeClr val="accent1"/>
+          </a:fillRef>
+          <a:effectRef idx="0">
+            <a:schemeClr val="accent1"/>
+          </a:effectRef>
+          <a:fontRef idx="minor">
+            <a:schemeClr val="tx1"/>
+          </a:fontRef>
+        </p:style>
+      </p:cxnSp>
+      <p:cxnSp>
+        <p:nvCxnSpPr>
+          <p:cNvPr id="12" name="直接箭头连接符 11"/>
+          <p:cNvCxnSpPr/>
+          <p:nvPr/>
+        </p:nvCxnSpPr>
+        <p:spPr>
+          <a:xfrm>
+            <a:off x="1798320" y="4330095"/>
+            <a:ext cx="3291840" cy="634350"/>
+          </a:xfrm>
+          <a:prstGeom prst="straightConnector1">
+            <a:avLst/>
+          </a:prstGeom>
+          <a:ln w="31750">
+            <a:solidFill>
+              <a:srgbClr val="FF0000"/>
+            </a:solidFill>
+            <a:prstDash val="sysDot"/>
+            <a:headEnd w="lg" len="lg"/>
+            <a:tailEnd type="none"/>
+          </a:ln>
+        </p:spPr>
+        <p:style>
+          <a:lnRef idx="1">
+            <a:schemeClr val="accent1"/>
+          </a:lnRef>
+          <a:fillRef idx="0">
+            <a:schemeClr val="accent1"/>
+          </a:fillRef>
+          <a:effectRef idx="0">
+            <a:schemeClr val="accent1"/>
+          </a:effectRef>
+          <a:fontRef idx="minor">
+            <a:schemeClr val="tx1"/>
+          </a:fontRef>
+        </p:style>
+      </p:cxnSp>
+      <p:cxnSp>
+        <p:nvCxnSpPr>
+          <p:cNvPr id="13" name="直接连接符 12"/>
+          <p:cNvCxnSpPr/>
+          <p:nvPr/>
+        </p:nvCxnSpPr>
+        <p:spPr>
+          <a:xfrm>
+            <a:off x="3601720" y="4330095"/>
+            <a:ext cx="1595120" cy="0"/>
+          </a:xfrm>
+          <a:prstGeom prst="line">
+            <a:avLst/>
+          </a:prstGeom>
+          <a:ln w="31750">
+            <a:solidFill>
+              <a:srgbClr val="FF0000"/>
+            </a:solidFill>
+          </a:ln>
+        </p:spPr>
+        <p:style>
+          <a:lnRef idx="1">
+            <a:schemeClr val="accent1"/>
+          </a:lnRef>
+          <a:fillRef idx="0">
+            <a:schemeClr val="accent1"/>
+          </a:fillRef>
+          <a:effectRef idx="0">
+            <a:schemeClr val="accent1"/>
+          </a:effectRef>
+          <a:fontRef idx="minor">
+            <a:schemeClr val="tx1"/>
+          </a:fontRef>
+        </p:style>
+      </p:cxnSp>
+      <p:cxnSp>
+        <p:nvCxnSpPr>
+          <p:cNvPr id="15" name="直接连接符 14"/>
+          <p:cNvCxnSpPr/>
+          <p:nvPr/>
+        </p:nvCxnSpPr>
+        <p:spPr>
+          <a:xfrm>
+            <a:off x="5643880" y="4964445"/>
+            <a:ext cx="1122680" cy="0"/>
+          </a:xfrm>
+          <a:prstGeom prst="line">
+            <a:avLst/>
+          </a:prstGeom>
+          <a:ln w="31750">
+            <a:solidFill>
+              <a:srgbClr val="FF0000"/>
+            </a:solidFill>
+          </a:ln>
+        </p:spPr>
+        <p:style>
+          <a:lnRef idx="1">
+            <a:schemeClr val="accent1"/>
+          </a:lnRef>
+          <a:fillRef idx="0">
+            <a:schemeClr val="accent1"/>
+          </a:fillRef>
+          <a:effectRef idx="0">
+            <a:schemeClr val="accent1"/>
+          </a:effectRef>
+          <a:fontRef idx="minor">
+            <a:schemeClr val="tx1"/>
+          </a:fontRef>
+        </p:style>
+      </p:cxnSp>
+      <p:cxnSp>
+        <p:nvCxnSpPr>
+          <p:cNvPr id="17" name="直接箭头连接符 16"/>
+          <p:cNvCxnSpPr/>
+          <p:nvPr/>
+        </p:nvCxnSpPr>
+        <p:spPr>
+          <a:xfrm>
+            <a:off x="4399280" y="4330095"/>
+            <a:ext cx="1879600" cy="634350"/>
+          </a:xfrm>
+          <a:prstGeom prst="straightConnector1">
+            <a:avLst/>
+          </a:prstGeom>
+          <a:ln w="31750">
+            <a:solidFill>
+              <a:srgbClr val="FF0000"/>
+            </a:solidFill>
+            <a:prstDash val="sysDot"/>
+            <a:headEnd w="lg" len="lg"/>
+            <a:tailEnd type="none"/>
+          </a:ln>
+        </p:spPr>
+        <p:style>
+          <a:lnRef idx="1">
+            <a:schemeClr val="accent1"/>
+          </a:lnRef>
+          <a:fillRef idx="0">
+            <a:schemeClr val="accent1"/>
+          </a:fillRef>
+          <a:effectRef idx="0">
+            <a:schemeClr val="accent1"/>
+          </a:effectRef>
+          <a:fontRef idx="minor">
+            <a:schemeClr val="tx1"/>
+          </a:fontRef>
+        </p:style>
+      </p:cxnSp>
+      <p:cxnSp>
+        <p:nvCxnSpPr>
+          <p:cNvPr id="24" name="直接连接符 23"/>
+          <p:cNvCxnSpPr/>
+          <p:nvPr/>
+        </p:nvCxnSpPr>
+        <p:spPr>
+          <a:xfrm>
+            <a:off x="6205220" y="4330095"/>
+            <a:ext cx="5727700" cy="0"/>
+          </a:xfrm>
+          <a:prstGeom prst="line">
+            <a:avLst/>
+          </a:prstGeom>
+          <a:ln w="31750">
+            <a:solidFill>
+              <a:srgbClr val="FF0000"/>
+            </a:solidFill>
+          </a:ln>
+        </p:spPr>
+        <p:style>
+          <a:lnRef idx="1">
+            <a:schemeClr val="accent1"/>
+          </a:lnRef>
+          <a:fillRef idx="0">
+            <a:schemeClr val="accent1"/>
+          </a:fillRef>
+          <a:effectRef idx="0">
+            <a:schemeClr val="accent1"/>
+          </a:effectRef>
+          <a:fontRef idx="minor">
+            <a:schemeClr val="tx1"/>
+          </a:fontRef>
+        </p:style>
+      </p:cxnSp>
+      <p:cxnSp>
+        <p:nvCxnSpPr>
+          <p:cNvPr id="26" name="直接连接符 25"/>
+          <p:cNvCxnSpPr/>
+          <p:nvPr/>
+        </p:nvCxnSpPr>
+        <p:spPr>
+          <a:xfrm>
+            <a:off x="2291080" y="4960650"/>
+            <a:ext cx="1762760" cy="0"/>
+          </a:xfrm>
+          <a:prstGeom prst="line">
+            <a:avLst/>
+          </a:prstGeom>
+          <a:ln w="31750">
+            <a:solidFill>
+              <a:srgbClr val="FF0000"/>
+            </a:solidFill>
+          </a:ln>
+        </p:spPr>
+        <p:style>
+          <a:lnRef idx="1">
+            <a:schemeClr val="accent1"/>
+          </a:lnRef>
+          <a:fillRef idx="0">
+            <a:schemeClr val="accent1"/>
+          </a:fillRef>
+          <a:effectRef idx="0">
+            <a:schemeClr val="accent1"/>
+          </a:effectRef>
+          <a:fontRef idx="minor">
+            <a:schemeClr val="tx1"/>
+          </a:fontRef>
+        </p:style>
+      </p:cxnSp>
+      <p:cxnSp>
+        <p:nvCxnSpPr>
+          <p:cNvPr id="30" name="直接箭头连接符 29"/>
+          <p:cNvCxnSpPr/>
+          <p:nvPr/>
+        </p:nvCxnSpPr>
+        <p:spPr>
+          <a:xfrm flipH="1">
+            <a:off x="3172460" y="4340611"/>
+            <a:ext cx="5843270" cy="620039"/>
+          </a:xfrm>
+          <a:prstGeom prst="straightConnector1">
+            <a:avLst/>
+          </a:prstGeom>
+          <a:ln w="31750">
+            <a:solidFill>
+              <a:srgbClr val="FF0000"/>
+            </a:solidFill>
+            <a:prstDash val="sysDot"/>
+            <a:headEnd w="lg" len="lg"/>
+            <a:tailEnd type="none"/>
+          </a:ln>
+        </p:spPr>
+        <p:style>
+          <a:lnRef idx="1">
+            <a:schemeClr val="accent1"/>
+          </a:lnRef>
+          <a:fillRef idx="0">
+            <a:schemeClr val="accent1"/>
+          </a:fillRef>
+          <a:effectRef idx="0">
+            <a:schemeClr val="accent1"/>
+          </a:effectRef>
+          <a:fontRef idx="minor">
+            <a:schemeClr val="tx1"/>
+          </a:fontRef>
+        </p:style>
+      </p:cxnSp>
+      <p:sp>
+        <p:nvSpPr>
+          <p:cNvPr id="32" name="圆角矩形 31"/>
+          <p:cNvSpPr/>
+          <p:nvPr/>
+        </p:nvSpPr>
+        <p:spPr>
+          <a:xfrm>
+            <a:off x="4104005" y="365760"/>
+            <a:ext cx="2073910" cy="3233899"/>
+          </a:xfrm>
+          <a:prstGeom prst="roundRect">
+            <a:avLst/>
+          </a:prstGeom>
+          <a:solidFill>
+            <a:schemeClr val="accent4">
+              <a:lumMod val="20000"/>
+              <a:lumOff val="80000"/>
+            </a:schemeClr>
+          </a:solidFill>
+          <a:ln>
+            <a:solidFill>
+              <a:schemeClr val="accent4">
+                <a:lumMod val="60000"/>
+                <a:lumOff val="40000"/>
+              </a:schemeClr>
+            </a:solidFill>
+          </a:ln>
+        </p:spPr>
+        <p:style>
+          <a:lnRef idx="2">
+            <a:schemeClr val="accent1">
+              <a:shade val="50000"/>
+            </a:schemeClr>
+          </a:lnRef>
+          <a:fillRef idx="1">
+            <a:schemeClr val="accent1"/>
+          </a:fillRef>
+          <a:effectRef idx="0">
+            <a:schemeClr val="accent1"/>
+          </a:effectRef>
+          <a:fontRef idx="minor">
+            <a:schemeClr val="lt1"/>
+          </a:fontRef>
+        </p:style>
+        <p:txBody>
+          <a:bodyPr rtlCol="0" anchor="ctr"/>
+          <a:lstStyle/>
+          <a:p>
+            <a:r>
+              <a:rPr lang="en-US" altLang="zh-CN" sz="2800" dirty="0" smtClean="0">
+                <a:solidFill>
+                  <a:schemeClr val="tx1">
+                    <a:lumMod val="50000"/>
+                    <a:lumOff val="50000"/>
+                  </a:schemeClr>
+                </a:solidFill>
+                <a:latin typeface="Microsoft JhengHei UI Light" panose="020B0304030504040204" pitchFamily="34" charset="-120"/>
+                <a:ea typeface="Microsoft JhengHei UI Light" panose="020B0304030504040204" pitchFamily="34" charset="-120"/>
+              </a:rPr>
+              <a:t>Lieutenant</a:t>
+            </a:r>
+          </a:p>
+          <a:p>
+            <a:r>
+              <a:rPr lang="en-US" altLang="zh-CN" sz="2800" dirty="0" smtClean="0">
+                <a:solidFill>
+                  <a:schemeClr val="tx1">
+                    <a:lumMod val="50000"/>
+                    <a:lumOff val="50000"/>
+                  </a:schemeClr>
+                </a:solidFill>
+                <a:latin typeface="Microsoft JhengHei UI Light" panose="020B0304030504040204" pitchFamily="34" charset="-120"/>
+                <a:ea typeface="Microsoft JhengHei UI Light" panose="020B0304030504040204" pitchFamily="34" charset="-120"/>
+              </a:rPr>
+              <a:t>Major</a:t>
+            </a:r>
+          </a:p>
+          <a:p>
+            <a:r>
+              <a:rPr lang="en-US" altLang="zh-CN" sz="2800" dirty="0" smtClean="0">
+                <a:solidFill>
+                  <a:schemeClr val="tx1">
+                    <a:lumMod val="50000"/>
+                    <a:lumOff val="50000"/>
+                  </a:schemeClr>
+                </a:solidFill>
+                <a:latin typeface="Microsoft JhengHei UI Light" panose="020B0304030504040204" pitchFamily="34" charset="-120"/>
+                <a:ea typeface="Microsoft JhengHei UI Light" panose="020B0304030504040204" pitchFamily="34" charset="-120"/>
+              </a:rPr>
+              <a:t>Colonel</a:t>
+            </a:r>
+          </a:p>
+          <a:p>
+            <a:r>
+              <a:rPr lang="en-US" altLang="zh-CN" sz="2800" dirty="0" smtClean="0">
+                <a:solidFill>
+                  <a:schemeClr val="tx1">
+                    <a:lumMod val="50000"/>
+                    <a:lumOff val="50000"/>
+                  </a:schemeClr>
+                </a:solidFill>
+                <a:latin typeface="Microsoft JhengHei UI Light" panose="020B0304030504040204" pitchFamily="34" charset="-120"/>
+                <a:ea typeface="Microsoft JhengHei UI Light" panose="020B0304030504040204" pitchFamily="34" charset="-120"/>
+              </a:rPr>
+              <a:t>General</a:t>
+            </a:r>
+          </a:p>
+          <a:p>
+            <a:r>
+              <a:rPr lang="en-US" altLang="zh-CN" sz="2800" dirty="0" smtClean="0">
+                <a:solidFill>
+                  <a:schemeClr val="tx1">
+                    <a:lumMod val="50000"/>
+                    <a:lumOff val="50000"/>
+                  </a:schemeClr>
+                </a:solidFill>
+                <a:latin typeface="Microsoft JhengHei UI Light" panose="020B0304030504040204" pitchFamily="34" charset="-120"/>
+                <a:ea typeface="Microsoft JhengHei UI Light" panose="020B0304030504040204" pitchFamily="34" charset="-120"/>
+              </a:rPr>
+              <a:t>Corporal</a:t>
+            </a:r>
+          </a:p>
+          <a:p>
+            <a:r>
+              <a:rPr lang="en-US" altLang="zh-CN" sz="2800" dirty="0" smtClean="0">
+                <a:solidFill>
+                  <a:schemeClr val="tx1">
+                    <a:lumMod val="50000"/>
+                    <a:lumOff val="50000"/>
+                  </a:schemeClr>
+                </a:solidFill>
+                <a:latin typeface="Microsoft JhengHei UI Light" panose="020B0304030504040204" pitchFamily="34" charset="-120"/>
+                <a:ea typeface="Microsoft JhengHei UI Light" panose="020B0304030504040204" pitchFamily="34" charset="-120"/>
+              </a:rPr>
+              <a:t>Sergeant</a:t>
+            </a:r>
+          </a:p>
+          <a:p>
+            <a:r>
+              <a:rPr lang="en-US" altLang="zh-CN" sz="2800" dirty="0" smtClean="0">
+                <a:solidFill>
+                  <a:schemeClr val="tx1">
+                    <a:lumMod val="50000"/>
+                    <a:lumOff val="50000"/>
+                  </a:schemeClr>
+                </a:solidFill>
+                <a:latin typeface="Microsoft JhengHei UI Light" panose="020B0304030504040204" pitchFamily="34" charset="-120"/>
+                <a:ea typeface="Microsoft JhengHei UI Light" panose="020B0304030504040204" pitchFamily="34" charset="-120"/>
+              </a:rPr>
+              <a:t>…</a:t>
+            </a:r>
+            <a:endParaRPr lang="zh-CN" altLang="en-US" sz="2800" dirty="0">
+              <a:solidFill>
+                <a:schemeClr val="tx1">
+                  <a:lumMod val="50000"/>
+                  <a:lumOff val="50000"/>
+                </a:schemeClr>
+              </a:solidFill>
+              <a:latin typeface="Microsoft JhengHei UI Light" panose="020B0304030504040204" pitchFamily="34" charset="-120"/>
+              <a:ea typeface="Microsoft JhengHei UI Light" panose="020B0304030504040204" pitchFamily="34" charset="-120"/>
+            </a:endParaRPr>
+          </a:p>
+        </p:txBody>
+      </p:sp>
+      <p:sp>
+        <p:nvSpPr>
+          <p:cNvPr id="33" name="圆角矩形 32"/>
+          <p:cNvSpPr/>
+          <p:nvPr/>
+        </p:nvSpPr>
+        <p:spPr>
+          <a:xfrm>
+            <a:off x="6614160" y="365760"/>
+            <a:ext cx="5242560" cy="3233899"/>
+          </a:xfrm>
+          <a:prstGeom prst="roundRect">
+            <a:avLst/>
+          </a:prstGeom>
+          <a:solidFill>
+            <a:schemeClr val="accent4">
+              <a:lumMod val="20000"/>
+              <a:lumOff val="80000"/>
+            </a:schemeClr>
+          </a:solidFill>
+          <a:ln>
+            <a:solidFill>
+              <a:schemeClr val="accent4">
+                <a:lumMod val="60000"/>
+                <a:lumOff val="40000"/>
+              </a:schemeClr>
+            </a:solidFill>
+          </a:ln>
+        </p:spPr>
+        <p:style>
+          <a:lnRef idx="2">
+            <a:schemeClr val="accent1">
+              <a:shade val="50000"/>
+            </a:schemeClr>
+          </a:lnRef>
+          <a:fillRef idx="1">
+            <a:schemeClr val="accent1"/>
+          </a:fillRef>
+          <a:effectRef idx="0">
+            <a:schemeClr val="accent1"/>
+          </a:effectRef>
+          <a:fontRef idx="minor">
+            <a:schemeClr val="lt1"/>
+          </a:fontRef>
+        </p:style>
+        <p:txBody>
+          <a:bodyPr rtlCol="0" anchor="ctr"/>
+          <a:lstStyle/>
+          <a:p>
+            <a:r>
+              <a:rPr lang="en-US" altLang="zh-CN" sz="2800" dirty="0">
+                <a:solidFill>
+                  <a:schemeClr val="tx1">
+                    <a:lumMod val="50000"/>
+                    <a:lumOff val="50000"/>
+                  </a:schemeClr>
+                </a:solidFill>
+                <a:latin typeface="Microsoft JhengHei UI Light" panose="020B0304030504040204" pitchFamily="34" charset="-120"/>
+                <a:ea typeface="Microsoft JhengHei UI Light" panose="020B0304030504040204" pitchFamily="34" charset="-120"/>
+              </a:rPr>
+              <a:t>M</a:t>
+            </a:r>
+            <a:r>
+              <a:rPr lang="en-US" altLang="zh-CN" sz="2800" dirty="0" smtClean="0">
+                <a:solidFill>
+                  <a:schemeClr val="tx1">
+                    <a:lumMod val="50000"/>
+                    <a:lumOff val="50000"/>
+                  </a:schemeClr>
+                </a:solidFill>
+                <a:latin typeface="Microsoft JhengHei UI Light" panose="020B0304030504040204" pitchFamily="34" charset="-120"/>
+                <a:ea typeface="Microsoft JhengHei UI Light" panose="020B0304030504040204" pitchFamily="34" charset="-120"/>
+              </a:rPr>
+              <a:t>echanic</a:t>
+            </a:r>
+          </a:p>
+          <a:p>
+            <a:r>
+              <a:rPr lang="en-US" altLang="zh-CN" sz="2800" dirty="0" smtClean="0">
+                <a:solidFill>
+                  <a:schemeClr val="tx1">
+                    <a:lumMod val="50000"/>
+                    <a:lumOff val="50000"/>
+                  </a:schemeClr>
+                </a:solidFill>
+                <a:latin typeface="Microsoft JhengHei UI Light" panose="020B0304030504040204" pitchFamily="34" charset="-120"/>
+                <a:ea typeface="Microsoft JhengHei UI Light" panose="020B0304030504040204" pitchFamily="34" charset="-120"/>
+              </a:rPr>
+              <a:t>Special Equipment </a:t>
+            </a:r>
+            <a:r>
+              <a:rPr lang="en-US" altLang="zh-CN" sz="2800" dirty="0">
+                <a:solidFill>
+                  <a:schemeClr val="tx1">
+                    <a:lumMod val="50000"/>
+                    <a:lumOff val="50000"/>
+                  </a:schemeClr>
+                </a:solidFill>
+                <a:latin typeface="Microsoft JhengHei UI Light" panose="020B0304030504040204" pitchFamily="34" charset="-120"/>
+                <a:ea typeface="Microsoft JhengHei UI Light" panose="020B0304030504040204" pitchFamily="34" charset="-120"/>
+              </a:rPr>
+              <a:t>T</a:t>
+            </a:r>
+            <a:r>
+              <a:rPr lang="en-US" altLang="zh-CN" sz="2800" dirty="0" smtClean="0">
+                <a:solidFill>
+                  <a:schemeClr val="tx1">
+                    <a:lumMod val="50000"/>
+                    <a:lumOff val="50000"/>
+                  </a:schemeClr>
+                </a:solidFill>
+                <a:latin typeface="Microsoft JhengHei UI Light" panose="020B0304030504040204" pitchFamily="34" charset="-120"/>
+                <a:ea typeface="Microsoft JhengHei UI Light" panose="020B0304030504040204" pitchFamily="34" charset="-120"/>
+              </a:rPr>
+              <a:t>echnician</a:t>
+            </a:r>
+          </a:p>
+          <a:p>
+            <a:r>
+              <a:rPr lang="en-US" altLang="zh-CN" sz="2800" dirty="0" smtClean="0">
+                <a:solidFill>
+                  <a:schemeClr val="tx1">
+                    <a:lumMod val="50000"/>
+                    <a:lumOff val="50000"/>
+                  </a:schemeClr>
+                </a:solidFill>
+                <a:latin typeface="Microsoft JhengHei UI Light" panose="020B0304030504040204" pitchFamily="34" charset="-120"/>
+                <a:ea typeface="Microsoft JhengHei UI Light" panose="020B0304030504040204" pitchFamily="34" charset="-120"/>
+              </a:rPr>
+              <a:t>Armament Technician</a:t>
+            </a:r>
+          </a:p>
+          <a:p>
+            <a:r>
+              <a:rPr lang="en-US" altLang="zh-CN" sz="2800" dirty="0">
+                <a:solidFill>
+                  <a:schemeClr val="tx1">
+                    <a:lumMod val="50000"/>
+                    <a:lumOff val="50000"/>
+                  </a:schemeClr>
+                </a:solidFill>
+                <a:latin typeface="Microsoft JhengHei UI Light" panose="020B0304030504040204" pitchFamily="34" charset="-120"/>
+                <a:ea typeface="Microsoft JhengHei UI Light" panose="020B0304030504040204" pitchFamily="34" charset="-120"/>
+              </a:rPr>
+              <a:t>Electronic </a:t>
+            </a:r>
+            <a:r>
+              <a:rPr lang="en-US" altLang="zh-CN" sz="2800" dirty="0" smtClean="0">
+                <a:solidFill>
+                  <a:schemeClr val="tx1">
+                    <a:lumMod val="50000"/>
+                    <a:lumOff val="50000"/>
+                  </a:schemeClr>
+                </a:solidFill>
+                <a:latin typeface="Microsoft JhengHei UI Light" panose="020B0304030504040204" pitchFamily="34" charset="-120"/>
+                <a:ea typeface="Microsoft JhengHei UI Light" panose="020B0304030504040204" pitchFamily="34" charset="-120"/>
+              </a:rPr>
+              <a:t>Technician</a:t>
+            </a:r>
+          </a:p>
+          <a:p>
+            <a:r>
+              <a:rPr lang="en-US" altLang="zh-CN" sz="2800" dirty="0" smtClean="0">
+                <a:solidFill>
+                  <a:schemeClr val="tx1">
+                    <a:lumMod val="50000"/>
+                    <a:lumOff val="50000"/>
+                  </a:schemeClr>
+                </a:solidFill>
+                <a:latin typeface="Microsoft JhengHei UI Light" panose="020B0304030504040204" pitchFamily="34" charset="-120"/>
+                <a:ea typeface="Microsoft JhengHei UI Light" panose="020B0304030504040204" pitchFamily="34" charset="-120"/>
+              </a:rPr>
+              <a:t>Fire Control Technician</a:t>
+            </a:r>
+            <a:endParaRPr lang="zh-CN" altLang="en-US" sz="2800" dirty="0">
+              <a:solidFill>
+                <a:schemeClr val="tx1">
+                  <a:lumMod val="50000"/>
+                  <a:lumOff val="50000"/>
+                </a:schemeClr>
+              </a:solidFill>
+              <a:latin typeface="Microsoft JhengHei UI Light" panose="020B0304030504040204" pitchFamily="34" charset="-120"/>
+              <a:ea typeface="Microsoft JhengHei UI Light" panose="020B0304030504040204" pitchFamily="34" charset="-120"/>
+            </a:endParaRPr>
+          </a:p>
+        </p:txBody>
+      </p:sp>
+    </p:spTree>
+    <p:extLst>
+      <p:ext uri="{BB962C8B-B14F-4D97-AF65-F5344CB8AC3E}">
+        <p14:creationId xmlns:p14="http://schemas.microsoft.com/office/powerpoint/2010/main" val="2510820545"/>
+      </p:ext>
+    </p:extLst>
+  </p:cSld>
+  <p:clrMapOvr>
+    <a:masterClrMapping/>
+  </p:clrMapOvr>
+  <p:timing>
+    <p:tnLst>
+      <p:par>
+        <p:cTn id="1" dur="indefinite" restart="never" nodeType="tmRoot">
+          <p:childTnLst>
+            <p:seq concurrent="1" nextAc="seek">
+              <p:cTn id="2" dur="indefinite" nodeType="mainSeq">
+                <p:childTnLst>
+                  <p:par>
+                    <p:cTn id="3" fill="hold">
+                      <p:stCondLst>
+                        <p:cond delay="indefinite"/>
+                      </p:stCondLst>
+                      <p:childTnLst>
+                        <p:par>
+                          <p:cTn id="4" fill="hold">
+                            <p:stCondLst>
+                              <p:cond delay="0"/>
+                            </p:stCondLst>
+                            <p:childTnLst>
+                              <p:par>
+                                <p:cTn id="5" presetID="10" presetClass="entr" presetSubtype="0" fill="hold" grpId="0" nodeType="clickEffect">
+                                  <p:stCondLst>
+                                    <p:cond delay="0"/>
+                                  </p:stCondLst>
+                                  <p:iterate type="wd">
+                                    <p:tmPct val="10000"/>
+                                  </p:iterate>
+                                  <p:childTnLst>
+                                    <p:set>
+                                      <p:cBhvr>
+                                        <p:cTn id="6" dur="1" fill="hold">
+                                          <p:stCondLst>
+                                            <p:cond delay="0"/>
+                                          </p:stCondLst>
+                                        </p:cTn>
+                                        <p:tgtEl>
+                                          <p:spTgt spid="2"/>
+                                        </p:tgtEl>
+                                        <p:attrNameLst>
+                                          <p:attrName>style.visibility</p:attrName>
+                                        </p:attrNameLst>
+                                      </p:cBhvr>
+                                      <p:to>
+                                        <p:strVal val="visible"/>
+                                      </p:to>
+                                    </p:set>
+                                    <p:animEffect transition="in" filter="fade">
+                                      <p:cBhvr>
+                                        <p:cTn id="7" dur="2000"/>
+                                        <p:tgtEl>
+                                          <p:spTgt spid="2"/>
+                                        </p:tgtEl>
+                                      </p:cBhvr>
+                                    </p:animEffect>
+                                  </p:childTnLst>
+                                </p:cTn>
+                              </p:par>
+                            </p:childTnLst>
+                          </p:cTn>
+                        </p:par>
+                      </p:childTnLst>
+                    </p:cTn>
+                  </p:par>
+                  <p:par>
+                    <p:cTn id="8" fill="hold">
+                      <p:stCondLst>
+                        <p:cond delay="indefinite"/>
+                      </p:stCondLst>
+                      <p:childTnLst>
+                        <p:par>
+                          <p:cTn id="9" fill="hold">
+                            <p:stCondLst>
+                              <p:cond delay="0"/>
+                            </p:stCondLst>
+                            <p:childTnLst>
+                              <p:par>
+                                <p:cTn id="10" presetID="10" presetClass="entr" presetSubtype="0" fill="hold" grpId="0" nodeType="clickEffect">
+                                  <p:stCondLst>
+                                    <p:cond delay="0"/>
+                                  </p:stCondLst>
+                                  <p:childTnLst>
+                                    <p:set>
+                                      <p:cBhvr>
+                                        <p:cTn id="11" dur="1" fill="hold">
+                                          <p:stCondLst>
+                                            <p:cond delay="0"/>
+                                          </p:stCondLst>
+                                        </p:cTn>
+                                        <p:tgtEl>
+                                          <p:spTgt spid="4"/>
+                                        </p:tgtEl>
+                                        <p:attrNameLst>
+                                          <p:attrName>style.visibility</p:attrName>
+                                        </p:attrNameLst>
+                                      </p:cBhvr>
+                                      <p:to>
+                                        <p:strVal val="visible"/>
+                                      </p:to>
+                                    </p:set>
+                                    <p:animEffect transition="in" filter="fade">
+                                      <p:cBhvr>
+                                        <p:cTn id="12" dur="500"/>
+                                        <p:tgtEl>
+                                          <p:spTgt spid="4"/>
+                                        </p:tgtEl>
+                                      </p:cBhvr>
+                                    </p:animEffect>
+                                  </p:childTnLst>
+                                </p:cTn>
+                              </p:par>
+                            </p:childTnLst>
+                          </p:cTn>
+                        </p:par>
+                      </p:childTnLst>
+                    </p:cTn>
+                  </p:par>
+                  <p:par>
+                    <p:cTn id="13" fill="hold">
+                      <p:stCondLst>
+                        <p:cond delay="indefinite"/>
+                      </p:stCondLst>
+                      <p:childTnLst>
+                        <p:par>
+                          <p:cTn id="14" fill="hold">
+                            <p:stCondLst>
+                              <p:cond delay="0"/>
+                            </p:stCondLst>
+                            <p:childTnLst>
+                              <p:par>
+                                <p:cTn id="15" presetID="10" presetClass="entr" presetSubtype="0" fill="hold" grpId="0" nodeType="clickEffect">
+                                  <p:stCondLst>
+                                    <p:cond delay="0"/>
+                                  </p:stCondLst>
+                                  <p:iterate type="wd">
+                                    <p:tmPct val="10000"/>
+                                  </p:iterate>
+                                  <p:childTnLst>
+                                    <p:set>
+                                      <p:cBhvr>
+                                        <p:cTn id="16" dur="1" fill="hold">
+                                          <p:stCondLst>
+                                            <p:cond delay="0"/>
+                                          </p:stCondLst>
+                                        </p:cTn>
+                                        <p:tgtEl>
+                                          <p:spTgt spid="3"/>
+                                        </p:tgtEl>
+                                        <p:attrNameLst>
+                                          <p:attrName>style.visibility</p:attrName>
+                                        </p:attrNameLst>
+                                      </p:cBhvr>
+                                      <p:to>
+                                        <p:strVal val="visible"/>
+                                      </p:to>
+                                    </p:set>
+                                    <p:animEffect transition="in" filter="fade">
+                                      <p:cBhvr>
+                                        <p:cTn id="17" dur="2000"/>
+                                        <p:tgtEl>
+                                          <p:spTgt spid="3"/>
+                                        </p:tgtEl>
+                                      </p:cBhvr>
+                                    </p:animEffect>
+                                  </p:childTnLst>
+                                </p:cTn>
+                              </p:par>
+                            </p:childTnLst>
+                          </p:cTn>
+                        </p:par>
+                      </p:childTnLst>
+                    </p:cTn>
+                  </p:par>
+                  <p:par>
+                    <p:cTn id="18" fill="hold">
+                      <p:stCondLst>
+                        <p:cond delay="indefinite"/>
+                      </p:stCondLst>
+                      <p:childTnLst>
+                        <p:par>
+                          <p:cTn id="19" fill="hold">
+                            <p:stCondLst>
+                              <p:cond delay="0"/>
+                            </p:stCondLst>
+                            <p:childTnLst>
+                              <p:par>
+                                <p:cTn id="20" presetID="10" presetClass="entr" presetSubtype="0" fill="hold" grpId="0" nodeType="clickEffect">
+                                  <p:stCondLst>
+                                    <p:cond delay="0"/>
+                                  </p:stCondLst>
+                                  <p:iterate type="lt">
+                                    <p:tmPct val="10000"/>
+                                  </p:iterate>
+                                  <p:childTnLst>
+                                    <p:set>
+                                      <p:cBhvr>
+                                        <p:cTn id="21" dur="1" fill="hold">
+                                          <p:stCondLst>
+                                            <p:cond delay="0"/>
+                                          </p:stCondLst>
+                                        </p:cTn>
+                                        <p:tgtEl>
+                                          <p:spTgt spid="5"/>
+                                        </p:tgtEl>
+                                        <p:attrNameLst>
+                                          <p:attrName>style.visibility</p:attrName>
+                                        </p:attrNameLst>
+                                      </p:cBhvr>
+                                      <p:to>
+                                        <p:strVal val="visible"/>
+                                      </p:to>
+                                    </p:set>
+                                    <p:animEffect transition="in" filter="fade">
+                                      <p:cBhvr>
+                                        <p:cTn id="22" dur="2000"/>
+                                        <p:tgtEl>
+                                          <p:spTgt spid="5"/>
+                                        </p:tgtEl>
+                                      </p:cBhvr>
+                                    </p:animEffect>
+                                  </p:childTnLst>
+                                </p:cTn>
+                              </p:par>
+                            </p:childTnLst>
+                          </p:cTn>
+                        </p:par>
+                      </p:childTnLst>
+                    </p:cTn>
+                  </p:par>
+                  <p:par>
+                    <p:cTn id="23" fill="hold">
+                      <p:stCondLst>
+                        <p:cond delay="indefinite"/>
+                      </p:stCondLst>
+                      <p:childTnLst>
+                        <p:par>
+                          <p:cTn id="24" fill="hold">
+                            <p:stCondLst>
+                              <p:cond delay="0"/>
+                            </p:stCondLst>
+                            <p:childTnLst>
+                              <p:par>
+                                <p:cTn id="25" presetID="10" presetClass="entr" presetSubtype="0" fill="hold" nodeType="clickEffect">
+                                  <p:stCondLst>
+                                    <p:cond delay="0"/>
+                                  </p:stCondLst>
+                                  <p:childTnLst>
+                                    <p:set>
+                                      <p:cBhvr>
+                                        <p:cTn id="26" dur="1" fill="hold">
+                                          <p:stCondLst>
+                                            <p:cond delay="0"/>
+                                          </p:stCondLst>
+                                        </p:cTn>
+                                        <p:tgtEl>
+                                          <p:spTgt spid="7"/>
+                                        </p:tgtEl>
+                                        <p:attrNameLst>
+                                          <p:attrName>style.visibility</p:attrName>
+                                        </p:attrNameLst>
+                                      </p:cBhvr>
+                                      <p:to>
+                                        <p:strVal val="visible"/>
+                                      </p:to>
+                                    </p:set>
+                                    <p:animEffect transition="in" filter="fade">
+                                      <p:cBhvr>
+                                        <p:cTn id="27" dur="1500"/>
+                                        <p:tgtEl>
+                                          <p:spTgt spid="7"/>
+                                        </p:tgtEl>
+                                      </p:cBhvr>
+                                    </p:animEffect>
+                                  </p:childTnLst>
+                                </p:cTn>
+                              </p:par>
+                              <p:par>
+                                <p:cTn id="28" presetID="10" presetClass="entr" presetSubtype="0" fill="hold" nodeType="withEffect">
+                                  <p:stCondLst>
+                                    <p:cond delay="0"/>
+                                  </p:stCondLst>
+                                  <p:childTnLst>
+                                    <p:set>
+                                      <p:cBhvr>
+                                        <p:cTn id="29" dur="1" fill="hold">
+                                          <p:stCondLst>
+                                            <p:cond delay="0"/>
+                                          </p:stCondLst>
+                                        </p:cTn>
+                                        <p:tgtEl>
+                                          <p:spTgt spid="12"/>
+                                        </p:tgtEl>
+                                        <p:attrNameLst>
+                                          <p:attrName>style.visibility</p:attrName>
+                                        </p:attrNameLst>
+                                      </p:cBhvr>
+                                      <p:to>
+                                        <p:strVal val="visible"/>
+                                      </p:to>
+                                    </p:set>
+                                    <p:animEffect transition="in" filter="fade">
+                                      <p:cBhvr>
+                                        <p:cTn id="30" dur="1500"/>
+                                        <p:tgtEl>
+                                          <p:spTgt spid="12"/>
+                                        </p:tgtEl>
+                                      </p:cBhvr>
+                                    </p:animEffect>
+                                  </p:childTnLst>
+                                </p:cTn>
+                              </p:par>
+                              <p:par>
+                                <p:cTn id="31" presetID="10" presetClass="entr" presetSubtype="0" fill="hold" nodeType="withEffect">
+                                  <p:stCondLst>
+                                    <p:cond delay="0"/>
+                                  </p:stCondLst>
+                                  <p:childTnLst>
+                                    <p:set>
+                                      <p:cBhvr>
+                                        <p:cTn id="32" dur="1" fill="hold">
+                                          <p:stCondLst>
+                                            <p:cond delay="0"/>
+                                          </p:stCondLst>
+                                        </p:cTn>
+                                        <p:tgtEl>
+                                          <p:spTgt spid="8"/>
+                                        </p:tgtEl>
+                                        <p:attrNameLst>
+                                          <p:attrName>style.visibility</p:attrName>
+                                        </p:attrNameLst>
+                                      </p:cBhvr>
+                                      <p:to>
+                                        <p:strVal val="visible"/>
+                                      </p:to>
+                                    </p:set>
+                                    <p:animEffect transition="in" filter="fade">
+                                      <p:cBhvr>
+                                        <p:cTn id="33" dur="1500"/>
+                                        <p:tgtEl>
+                                          <p:spTgt spid="8"/>
+                                        </p:tgtEl>
+                                      </p:cBhvr>
+                                    </p:animEffect>
+                                  </p:childTnLst>
+                                </p:cTn>
+                              </p:par>
+                            </p:childTnLst>
+                          </p:cTn>
+                        </p:par>
+                      </p:childTnLst>
+                    </p:cTn>
+                  </p:par>
+                  <p:par>
+                    <p:cTn id="34" fill="hold">
+                      <p:stCondLst>
+                        <p:cond delay="indefinite"/>
+                      </p:stCondLst>
+                      <p:childTnLst>
+                        <p:par>
+                          <p:cTn id="35" fill="hold">
+                            <p:stCondLst>
+                              <p:cond delay="0"/>
+                            </p:stCondLst>
+                            <p:childTnLst>
+                              <p:par>
+                                <p:cTn id="36" presetID="10" presetClass="entr" presetSubtype="0" fill="hold" nodeType="clickEffect">
+                                  <p:stCondLst>
+                                    <p:cond delay="0"/>
+                                  </p:stCondLst>
+                                  <p:childTnLst>
+                                    <p:set>
+                                      <p:cBhvr>
+                                        <p:cTn id="37" dur="1" fill="hold">
+                                          <p:stCondLst>
+                                            <p:cond delay="0"/>
+                                          </p:stCondLst>
+                                        </p:cTn>
+                                        <p:tgtEl>
+                                          <p:spTgt spid="13"/>
+                                        </p:tgtEl>
+                                        <p:attrNameLst>
+                                          <p:attrName>style.visibility</p:attrName>
+                                        </p:attrNameLst>
+                                      </p:cBhvr>
+                                      <p:to>
+                                        <p:strVal val="visible"/>
+                                      </p:to>
+                                    </p:set>
+                                    <p:animEffect transition="in" filter="fade">
+                                      <p:cBhvr>
+                                        <p:cTn id="38" dur="1500"/>
+                                        <p:tgtEl>
+                                          <p:spTgt spid="13"/>
+                                        </p:tgtEl>
+                                      </p:cBhvr>
+                                    </p:animEffect>
+                                  </p:childTnLst>
+                                </p:cTn>
+                              </p:par>
+                              <p:par>
+                                <p:cTn id="39" presetID="10" presetClass="entr" presetSubtype="0" fill="hold" nodeType="withEffect">
+                                  <p:stCondLst>
+                                    <p:cond delay="0"/>
+                                  </p:stCondLst>
+                                  <p:childTnLst>
+                                    <p:set>
+                                      <p:cBhvr>
+                                        <p:cTn id="40" dur="1" fill="hold">
+                                          <p:stCondLst>
+                                            <p:cond delay="0"/>
+                                          </p:stCondLst>
+                                        </p:cTn>
+                                        <p:tgtEl>
+                                          <p:spTgt spid="17"/>
+                                        </p:tgtEl>
+                                        <p:attrNameLst>
+                                          <p:attrName>style.visibility</p:attrName>
+                                        </p:attrNameLst>
+                                      </p:cBhvr>
+                                      <p:to>
+                                        <p:strVal val="visible"/>
+                                      </p:to>
+                                    </p:set>
+                                    <p:animEffect transition="in" filter="fade">
+                                      <p:cBhvr>
+                                        <p:cTn id="41" dur="1500"/>
+                                        <p:tgtEl>
+                                          <p:spTgt spid="17"/>
+                                        </p:tgtEl>
+                                      </p:cBhvr>
+                                    </p:animEffect>
+                                  </p:childTnLst>
+                                </p:cTn>
+                              </p:par>
+                              <p:par>
+                                <p:cTn id="42" presetID="10" presetClass="entr" presetSubtype="0" fill="hold" nodeType="withEffect">
+                                  <p:stCondLst>
+                                    <p:cond delay="0"/>
+                                  </p:stCondLst>
+                                  <p:childTnLst>
+                                    <p:set>
+                                      <p:cBhvr>
+                                        <p:cTn id="43" dur="1" fill="hold">
+                                          <p:stCondLst>
+                                            <p:cond delay="0"/>
+                                          </p:stCondLst>
+                                        </p:cTn>
+                                        <p:tgtEl>
+                                          <p:spTgt spid="15"/>
+                                        </p:tgtEl>
+                                        <p:attrNameLst>
+                                          <p:attrName>style.visibility</p:attrName>
+                                        </p:attrNameLst>
+                                      </p:cBhvr>
+                                      <p:to>
+                                        <p:strVal val="visible"/>
+                                      </p:to>
+                                    </p:set>
+                                    <p:animEffect transition="in" filter="fade">
+                                      <p:cBhvr>
+                                        <p:cTn id="44" dur="1500"/>
+                                        <p:tgtEl>
+                                          <p:spTgt spid="15"/>
+                                        </p:tgtEl>
+                                      </p:cBhvr>
+                                    </p:animEffect>
+                                  </p:childTnLst>
+                                </p:cTn>
+                              </p:par>
+                            </p:childTnLst>
+                          </p:cTn>
+                        </p:par>
+                      </p:childTnLst>
+                    </p:cTn>
+                  </p:par>
+                  <p:par>
+                    <p:cTn id="45" fill="hold">
+                      <p:stCondLst>
+                        <p:cond delay="indefinite"/>
+                      </p:stCondLst>
+                      <p:childTnLst>
+                        <p:par>
+                          <p:cTn id="46" fill="hold">
+                            <p:stCondLst>
+                              <p:cond delay="0"/>
+                            </p:stCondLst>
+                            <p:childTnLst>
+                              <p:par>
+                                <p:cTn id="47" presetID="10" presetClass="entr" presetSubtype="0" fill="hold" nodeType="clickEffect">
+                                  <p:stCondLst>
+                                    <p:cond delay="0"/>
+                                  </p:stCondLst>
+                                  <p:childTnLst>
+                                    <p:set>
+                                      <p:cBhvr>
+                                        <p:cTn id="48" dur="1" fill="hold">
+                                          <p:stCondLst>
+                                            <p:cond delay="0"/>
+                                          </p:stCondLst>
+                                        </p:cTn>
+                                        <p:tgtEl>
+                                          <p:spTgt spid="24"/>
+                                        </p:tgtEl>
+                                        <p:attrNameLst>
+                                          <p:attrName>style.visibility</p:attrName>
+                                        </p:attrNameLst>
+                                      </p:cBhvr>
+                                      <p:to>
+                                        <p:strVal val="visible"/>
+                                      </p:to>
+                                    </p:set>
+                                    <p:animEffect transition="in" filter="fade">
+                                      <p:cBhvr>
+                                        <p:cTn id="49" dur="1500"/>
+                                        <p:tgtEl>
+                                          <p:spTgt spid="24"/>
+                                        </p:tgtEl>
+                                      </p:cBhvr>
+                                    </p:animEffect>
+                                  </p:childTnLst>
+                                </p:cTn>
+                              </p:par>
+                              <p:par>
+                                <p:cTn id="50" presetID="10" presetClass="entr" presetSubtype="0" fill="hold" nodeType="withEffect">
+                                  <p:stCondLst>
+                                    <p:cond delay="0"/>
+                                  </p:stCondLst>
+                                  <p:childTnLst>
+                                    <p:set>
+                                      <p:cBhvr>
+                                        <p:cTn id="51" dur="1" fill="hold">
+                                          <p:stCondLst>
+                                            <p:cond delay="0"/>
+                                          </p:stCondLst>
+                                        </p:cTn>
+                                        <p:tgtEl>
+                                          <p:spTgt spid="30"/>
+                                        </p:tgtEl>
+                                        <p:attrNameLst>
+                                          <p:attrName>style.visibility</p:attrName>
+                                        </p:attrNameLst>
+                                      </p:cBhvr>
+                                      <p:to>
+                                        <p:strVal val="visible"/>
+                                      </p:to>
+                                    </p:set>
+                                    <p:animEffect transition="in" filter="fade">
+                                      <p:cBhvr>
+                                        <p:cTn id="52" dur="1500"/>
+                                        <p:tgtEl>
+                                          <p:spTgt spid="30"/>
+                                        </p:tgtEl>
+                                      </p:cBhvr>
+                                    </p:animEffect>
+                                  </p:childTnLst>
+                                </p:cTn>
+                              </p:par>
+                              <p:par>
+                                <p:cTn id="53" presetID="10" presetClass="entr" presetSubtype="0" fill="hold" nodeType="withEffect">
+                                  <p:stCondLst>
+                                    <p:cond delay="0"/>
+                                  </p:stCondLst>
+                                  <p:childTnLst>
+                                    <p:set>
+                                      <p:cBhvr>
+                                        <p:cTn id="54" dur="1" fill="hold">
+                                          <p:stCondLst>
+                                            <p:cond delay="0"/>
+                                          </p:stCondLst>
+                                        </p:cTn>
+                                        <p:tgtEl>
+                                          <p:spTgt spid="26"/>
+                                        </p:tgtEl>
+                                        <p:attrNameLst>
+                                          <p:attrName>style.visibility</p:attrName>
+                                        </p:attrNameLst>
+                                      </p:cBhvr>
+                                      <p:to>
+                                        <p:strVal val="visible"/>
+                                      </p:to>
+                                    </p:set>
+                                    <p:animEffect transition="in" filter="fade">
+                                      <p:cBhvr>
+                                        <p:cTn id="55" dur="1500"/>
+                                        <p:tgtEl>
+                                          <p:spTgt spid="26"/>
+                                        </p:tgtEl>
+                                      </p:cBhvr>
+                                    </p:animEffect>
+                                  </p:childTnLst>
+                                </p:cTn>
+                              </p:par>
+                            </p:childTnLst>
+                          </p:cTn>
+                        </p:par>
+                      </p:childTnLst>
+                    </p:cTn>
+                  </p:par>
+                  <p:par>
+                    <p:cTn id="56" fill="hold">
+                      <p:stCondLst>
+                        <p:cond delay="indefinite"/>
+                      </p:stCondLst>
+                      <p:childTnLst>
+                        <p:par>
+                          <p:cTn id="57" fill="hold">
+                            <p:stCondLst>
+                              <p:cond delay="0"/>
+                            </p:stCondLst>
+                            <p:childTnLst>
+                              <p:par>
+                                <p:cTn id="58" presetID="10" presetClass="entr" presetSubtype="0" fill="hold" grpId="0" nodeType="clickEffect">
+                                  <p:stCondLst>
+                                    <p:cond delay="0"/>
+                                  </p:stCondLst>
+                                  <p:childTnLst>
+                                    <p:set>
+                                      <p:cBhvr>
+                                        <p:cTn id="59" dur="1" fill="hold">
+                                          <p:stCondLst>
+                                            <p:cond delay="0"/>
+                                          </p:stCondLst>
+                                        </p:cTn>
+                                        <p:tgtEl>
+                                          <p:spTgt spid="32"/>
+                                        </p:tgtEl>
+                                        <p:attrNameLst>
+                                          <p:attrName>style.visibility</p:attrName>
+                                        </p:attrNameLst>
+                                      </p:cBhvr>
+                                      <p:to>
+                                        <p:strVal val="visible"/>
+                                      </p:to>
+                                    </p:set>
+                                    <p:animEffect transition="in" filter="fade">
+                                      <p:cBhvr>
+                                        <p:cTn id="60" dur="1500"/>
+                                        <p:tgtEl>
+                                          <p:spTgt spid="32"/>
+                                        </p:tgtEl>
+                                      </p:cBhvr>
+                                    </p:animEffect>
+                                  </p:childTnLst>
+                                </p:cTn>
+                              </p:par>
+                              <p:par>
+                                <p:cTn id="61" presetID="10" presetClass="entr" presetSubtype="0" fill="hold" grpId="0" nodeType="withEffect">
+                                  <p:stCondLst>
+                                    <p:cond delay="0"/>
+                                  </p:stCondLst>
+                                  <p:childTnLst>
+                                    <p:set>
+                                      <p:cBhvr>
+                                        <p:cTn id="62" dur="1" fill="hold">
+                                          <p:stCondLst>
+                                            <p:cond delay="0"/>
+                                          </p:stCondLst>
+                                        </p:cTn>
+                                        <p:tgtEl>
+                                          <p:spTgt spid="33"/>
+                                        </p:tgtEl>
+                                        <p:attrNameLst>
+                                          <p:attrName>style.visibility</p:attrName>
+                                        </p:attrNameLst>
+                                      </p:cBhvr>
+                                      <p:to>
+                                        <p:strVal val="visible"/>
+                                      </p:to>
+                                    </p:set>
+                                    <p:animEffect transition="in" filter="fade">
+                                      <p:cBhvr>
+                                        <p:cTn id="63" dur="1500"/>
+                                        <p:tgtEl>
+                                          <p:spTgt spid="33"/>
+                                        </p:tgtEl>
+                                      </p:cBhvr>
+                                    </p:animEffect>
+                                  </p:childTnLst>
+                                </p:cTn>
+                              </p:par>
+                            </p:childTnLst>
+                          </p:cTn>
+                        </p:par>
+                      </p:childTnLst>
+                    </p:cTn>
+                  </p:par>
+                </p:childTnLst>
+              </p:cTn>
+              <p:prevCondLst>
+                <p:cond evt="onPrev" delay="0">
+                  <p:tgtEl>
+                    <p:sldTgt/>
+                  </p:tgtEl>
+                </p:cond>
+              </p:prevCondLst>
+              <p:nextCondLst>
+                <p:cond evt="onNext" delay="0">
+                  <p:tgtEl>
+                    <p:sldTgt/>
+                  </p:tgtEl>
+                </p:cond>
+              </p:nextCondLst>
+            </p:seq>
+          </p:childTnLst>
+        </p:cTn>
+      </p:par>
+    </p:tnLst>
+    <p:bldLst>
+      <p:bldP spid="2" grpId="0"/>
+      <p:bldP spid="3" grpId="0"/>
+      <p:bldP spid="4" grpId="0"/>
+      <p:bldP spid="5" grpId="0"/>
+      <p:bldP spid="32" grpId="0" animBg="1"/>
+      <p:bldP spid="33" grpId="0" animBg="1"/>
+    </p:bldLst>
+  </p:timing>
+</p:sld>
+</file>
+
+<file path=ppt/slides/slide10.xml><?xml version="1.0" encoding="utf-8"?>
+<p:sld xmlns:a="http://schemas.openxmlformats.org/drawingml/2006/main" xmlns:r="http://schemas.openxmlformats.org/officeDocument/2006/relationships" xmlns:p="http://schemas.openxmlformats.org/presentationml/2006/main">
+  <p:cSld>
+    <p:spTree>
+      <p:nvGrpSpPr>
+        <p:cNvPr id="1" name=""/>
+        <p:cNvGrpSpPr/>
+        <p:nvPr/>
+      </p:nvGrpSpPr>
+      <p:grpSpPr>
+        <a:xfrm>
+          <a:off x="0" y="0"/>
+          <a:ext cx="0" cy="0"/>
+          <a:chOff x="0" y="0"/>
+          <a:chExt cx="0" cy="0"/>
+        </a:xfrm>
+      </p:grpSpPr>
+      <p:sp>
+        <p:nvSpPr>
+          <p:cNvPr id="2" name="矩形 1"/>
+          <p:cNvSpPr/>
+          <p:nvPr/>
+        </p:nvSpPr>
+        <p:spPr>
+          <a:xfrm>
+            <a:off x="868680" y="864215"/>
+            <a:ext cx="7223760" cy="523220"/>
+          </a:xfrm>
+          <a:prstGeom prst="rect">
+            <a:avLst/>
+          </a:prstGeom>
+        </p:spPr>
+        <p:txBody>
+          <a:bodyPr wrap="square">
+            <a:spAutoFit/>
+          </a:bodyPr>
+          <a:lstStyle/>
+          <a:p>
+            <a:r>
+              <a:rPr lang="zh-CN" altLang="en-US" sz="2800" dirty="0">
+                <a:latin typeface="Noto Sans S Chinese Light" panose="020B0300000000000000" pitchFamily="34" charset="-122"/>
+                <a:ea typeface="Noto Sans S Chinese Light" panose="020B0300000000000000" pitchFamily="34" charset="-122"/>
+              </a:rPr>
+              <a:t>地面</a:t>
+            </a:r>
+            <a:r>
+              <a:rPr lang="zh-CN" altLang="en-US" sz="2800" dirty="0" smtClean="0">
+                <a:latin typeface="Noto Sans S Chinese Light" panose="020B0300000000000000" pitchFamily="34" charset="-122"/>
+                <a:ea typeface="Noto Sans S Chinese Light" panose="020B0300000000000000" pitchFamily="34" charset="-122"/>
+              </a:rPr>
+              <a:t>保障</a:t>
+            </a:r>
+            <a:r>
+              <a:rPr lang="zh-CN" altLang="en-US" sz="2800" dirty="0">
+                <a:latin typeface="Noto Sans S Chinese Light" panose="020B0300000000000000" pitchFamily="34" charset="-122"/>
+                <a:ea typeface="Noto Sans S Chinese Light" panose="020B0300000000000000" pitchFamily="34" charset="-122"/>
+              </a:rPr>
+              <a:t>设备</a:t>
+            </a:r>
+            <a:r>
+              <a:rPr lang="zh-CN" altLang="en-US" sz="2800" dirty="0" smtClean="0">
+                <a:latin typeface="Noto Sans S Chinese Light" panose="020B0300000000000000" pitchFamily="34" charset="-122"/>
+                <a:ea typeface="Noto Sans S Chinese Light" panose="020B0300000000000000" pitchFamily="34" charset="-122"/>
+              </a:rPr>
+              <a:t>      </a:t>
+            </a:r>
+            <a:r>
+              <a:rPr lang="en-US" altLang="zh-CN" sz="2800" dirty="0" smtClean="0">
+                <a:latin typeface="Microsoft JhengHei UI Light" panose="020B0304030504040204" pitchFamily="34" charset="-120"/>
+                <a:ea typeface="Microsoft JhengHei UI Light" panose="020B0304030504040204" pitchFamily="34" charset="-120"/>
+                <a:cs typeface="Arial Unicode MS" panose="020B0604020202020204" pitchFamily="34" charset="-122"/>
+              </a:rPr>
+              <a:t>Ground </a:t>
+            </a:r>
+            <a:r>
+              <a:rPr lang="en-US" altLang="zh-CN" sz="2800" dirty="0">
+                <a:latin typeface="Microsoft JhengHei UI Light" panose="020B0304030504040204" pitchFamily="34" charset="-120"/>
+                <a:ea typeface="Microsoft JhengHei UI Light" panose="020B0304030504040204" pitchFamily="34" charset="-120"/>
+                <a:cs typeface="Arial Unicode MS" panose="020B0604020202020204" pitchFamily="34" charset="-122"/>
+              </a:rPr>
+              <a:t>airport </a:t>
+            </a:r>
+            <a:r>
+              <a:rPr lang="en-US" altLang="zh-CN" sz="2800" dirty="0" smtClean="0">
+                <a:latin typeface="Microsoft JhengHei UI Light" panose="020B0304030504040204" pitchFamily="34" charset="-120"/>
+                <a:ea typeface="Microsoft JhengHei UI Light" panose="020B0304030504040204" pitchFamily="34" charset="-120"/>
+                <a:cs typeface="Arial Unicode MS" panose="020B0604020202020204" pitchFamily="34" charset="-122"/>
+              </a:rPr>
+              <a:t>equipment</a:t>
+            </a:r>
+            <a:endParaRPr lang="zh-CN" altLang="en-US" sz="2800" dirty="0">
+              <a:latin typeface="Microsoft JhengHei UI Light" panose="020B0304030504040204" pitchFamily="34" charset="-120"/>
+              <a:ea typeface="Microsoft JhengHei UI Light" panose="020B0304030504040204" pitchFamily="34" charset="-120"/>
+              <a:cs typeface="Arial Unicode MS" panose="020B0604020202020204" pitchFamily="34" charset="-122"/>
+            </a:endParaRPr>
+          </a:p>
+        </p:txBody>
+      </p:sp>
+      <p:pic>
+        <p:nvPicPr>
+          <p:cNvPr id="3" name="图片 2"/>
+          <p:cNvPicPr>
+            <a:picLocks noChangeAspect="1"/>
+          </p:cNvPicPr>
+          <p:nvPr/>
+        </p:nvPicPr>
+        <p:blipFill rotWithShape="1">
+          <a:blip r:embed="rId2">
+            <a:extLst>
+              <a:ext uri="{28A0092B-C50C-407E-A947-70E740481C1C}">
+                <a14:useLocalDpi xmlns:a14="http://schemas.microsoft.com/office/drawing/2010/main" val="0"/>
+              </a:ext>
+            </a:extLst>
+          </a:blip>
+          <a:srcRect l="255" t="6249" r="50871" b="60939"/>
+          <a:stretch/>
+        </p:blipFill>
+        <p:spPr>
+          <a:xfrm>
+            <a:off x="411480" y="1859280"/>
+            <a:ext cx="5624576" cy="2636520"/>
+          </a:xfrm>
+          <a:prstGeom prst="rect">
+            <a:avLst/>
+          </a:prstGeom>
+        </p:spPr>
+      </p:pic>
+      <p:sp>
+        <p:nvSpPr>
           <p:cNvPr id="4" name="文本框 3"/>
           <p:cNvSpPr txBox="1"/>
           <p:nvPr/>
         </p:nvSpPr>
         <p:spPr>
           <a:xfrm>
-            <a:off x="3764280" y="1493520"/>
-            <a:ext cx="4343400" cy="923330"/>
+            <a:off x="5681980" y="4751755"/>
+            <a:ext cx="2151380" cy="523220"/>
           </a:xfrm>
           <a:prstGeom prst="rect">
             <a:avLst/>
@@ -4029,17 +6355,482 @@
           </a:bodyPr>
           <a:lstStyle/>
           <a:p>
-            <a:pPr algn="ctr"/>
-            <a:r>
-              <a:rPr lang="zh-CN" altLang="en-US" sz="5400" dirty="0" smtClean="0">
+            <a:r>
+              <a:rPr lang="zh-CN" altLang="en-US" sz="2800" dirty="0" smtClean="0">
+                <a:latin typeface="Noto Sans S Chinese Light" panose="020B0300000000000000" pitchFamily="34" charset="-122"/>
+                <a:ea typeface="Noto Sans S Chinese Light" panose="020B0300000000000000" pitchFamily="34" charset="-122"/>
+                <a:cs typeface="Arial Unicode MS" panose="020B0604020202020204" pitchFamily="34" charset="-122"/>
+              </a:rPr>
+              <a:t>电源车</a:t>
+            </a:r>
+            <a:endParaRPr lang="zh-CN" altLang="en-US" sz="2800" dirty="0">
+              <a:latin typeface="Noto Sans S Chinese Light" panose="020B0300000000000000" pitchFamily="34" charset="-122"/>
+              <a:ea typeface="Noto Sans S Chinese Light" panose="020B0300000000000000" pitchFamily="34" charset="-122"/>
+              <a:cs typeface="Arial Unicode MS" panose="020B0604020202020204" pitchFamily="34" charset="-122"/>
+            </a:endParaRPr>
+          </a:p>
+        </p:txBody>
+      </p:sp>
+      <p:pic>
+        <p:nvPicPr>
+          <p:cNvPr id="5" name="图片 4"/>
+          <p:cNvPicPr>
+            <a:picLocks noChangeAspect="1"/>
+          </p:cNvPicPr>
+          <p:nvPr/>
+        </p:nvPicPr>
+        <p:blipFill>
+          <a:blip r:embed="rId3">
+            <a:extLst>
+              <a:ext uri="{28A0092B-C50C-407E-A947-70E740481C1C}">
+                <a14:useLocalDpi xmlns:a14="http://schemas.microsoft.com/office/drawing/2010/main" val="0"/>
+              </a:ext>
+            </a:extLst>
+          </a:blip>
+          <a:stretch>
+            <a:fillRect/>
+          </a:stretch>
+        </p:blipFill>
+        <p:spPr>
+          <a:xfrm>
+            <a:off x="7284720" y="2360996"/>
+            <a:ext cx="3368040" cy="1633088"/>
+          </a:xfrm>
+          <a:prstGeom prst="rect">
+            <a:avLst/>
+          </a:prstGeom>
+        </p:spPr>
+      </p:pic>
+      <p:cxnSp>
+        <p:nvCxnSpPr>
+          <p:cNvPr id="7" name="直接连接符 6"/>
+          <p:cNvCxnSpPr/>
+          <p:nvPr/>
+        </p:nvCxnSpPr>
+        <p:spPr>
+          <a:xfrm>
+            <a:off x="2133600" y="4297680"/>
+            <a:ext cx="2621280" cy="0"/>
+          </a:xfrm>
+          <a:prstGeom prst="line">
+            <a:avLst/>
+          </a:prstGeom>
+          <a:ln w="38100">
+            <a:solidFill>
+              <a:srgbClr val="FF0000"/>
+            </a:solidFill>
+          </a:ln>
+        </p:spPr>
+        <p:style>
+          <a:lnRef idx="1">
+            <a:schemeClr val="accent1"/>
+          </a:lnRef>
+          <a:fillRef idx="0">
+            <a:schemeClr val="accent1"/>
+          </a:fillRef>
+          <a:effectRef idx="0">
+            <a:schemeClr val="accent1"/>
+          </a:effectRef>
+          <a:fontRef idx="minor">
+            <a:schemeClr val="tx1"/>
+          </a:fontRef>
+        </p:style>
+      </p:cxnSp>
+    </p:spTree>
+    <p:extLst>
+      <p:ext uri="{BB962C8B-B14F-4D97-AF65-F5344CB8AC3E}">
+        <p14:creationId xmlns:p14="http://schemas.microsoft.com/office/powerpoint/2010/main" val="3373372783"/>
+      </p:ext>
+    </p:extLst>
+  </p:cSld>
+  <p:clrMapOvr>
+    <a:masterClrMapping/>
+  </p:clrMapOvr>
+  <p:timing>
+    <p:tnLst>
+      <p:par>
+        <p:cTn id="1" dur="indefinite" restart="never" nodeType="tmRoot">
+          <p:childTnLst>
+            <p:seq concurrent="1" nextAc="seek">
+              <p:cTn id="2" dur="indefinite" nodeType="mainSeq">
+                <p:childTnLst>
+                  <p:par>
+                    <p:cTn id="3" fill="hold">
+                      <p:stCondLst>
+                        <p:cond delay="indefinite"/>
+                        <p:cond evt="onBegin" delay="0">
+                          <p:tn val="2"/>
+                        </p:cond>
+                      </p:stCondLst>
+                      <p:childTnLst>
+                        <p:par>
+                          <p:cTn id="4" fill="hold">
+                            <p:stCondLst>
+                              <p:cond delay="0"/>
+                            </p:stCondLst>
+                            <p:childTnLst>
+                              <p:par>
+                                <p:cTn id="5" presetID="1" presetClass="entr" presetSubtype="0" fill="hold" grpId="0" nodeType="afterEffect">
+                                  <p:stCondLst>
+                                    <p:cond delay="0"/>
+                                  </p:stCondLst>
+                                  <p:childTnLst>
+                                    <p:set>
+                                      <p:cBhvr>
+                                        <p:cTn id="6" dur="1" fill="hold">
+                                          <p:stCondLst>
+                                            <p:cond delay="0"/>
+                                          </p:stCondLst>
+                                        </p:cTn>
+                                        <p:tgtEl>
+                                          <p:spTgt spid="2"/>
+                                        </p:tgtEl>
+                                        <p:attrNameLst>
+                                          <p:attrName>style.visibility</p:attrName>
+                                        </p:attrNameLst>
+                                      </p:cBhvr>
+                                      <p:to>
+                                        <p:strVal val="visible"/>
+                                      </p:to>
+                                    </p:set>
+                                  </p:childTnLst>
+                                </p:cTn>
+                              </p:par>
+                              <p:par>
+                                <p:cTn id="7" presetID="1" presetClass="entr" presetSubtype="0" fill="hold" nodeType="withEffect">
+                                  <p:stCondLst>
+                                    <p:cond delay="0"/>
+                                  </p:stCondLst>
+                                  <p:childTnLst>
+                                    <p:set>
+                                      <p:cBhvr>
+                                        <p:cTn id="8" dur="1" fill="hold">
+                                          <p:stCondLst>
+                                            <p:cond delay="0"/>
+                                          </p:stCondLst>
+                                        </p:cTn>
+                                        <p:tgtEl>
+                                          <p:spTgt spid="3"/>
+                                        </p:tgtEl>
+                                        <p:attrNameLst>
+                                          <p:attrName>style.visibility</p:attrName>
+                                        </p:attrNameLst>
+                                      </p:cBhvr>
+                                      <p:to>
+                                        <p:strVal val="visible"/>
+                                      </p:to>
+                                    </p:set>
+                                  </p:childTnLst>
+                                </p:cTn>
+                              </p:par>
+                              <p:par>
+                                <p:cTn id="9" presetID="1" presetClass="entr" presetSubtype="0" fill="hold" nodeType="withEffect">
+                                  <p:stCondLst>
+                                    <p:cond delay="0"/>
+                                  </p:stCondLst>
+                                  <p:childTnLst>
+                                    <p:set>
+                                      <p:cBhvr>
+                                        <p:cTn id="10" dur="1" fill="hold">
+                                          <p:stCondLst>
+                                            <p:cond delay="0"/>
+                                          </p:stCondLst>
+                                        </p:cTn>
+                                        <p:tgtEl>
+                                          <p:spTgt spid="5"/>
+                                        </p:tgtEl>
+                                        <p:attrNameLst>
+                                          <p:attrName>style.visibility</p:attrName>
+                                        </p:attrNameLst>
+                                      </p:cBhvr>
+                                      <p:to>
+                                        <p:strVal val="visible"/>
+                                      </p:to>
+                                    </p:set>
+                                  </p:childTnLst>
+                                </p:cTn>
+                              </p:par>
+                            </p:childTnLst>
+                          </p:cTn>
+                        </p:par>
+                      </p:childTnLst>
+                    </p:cTn>
+                  </p:par>
+                  <p:par>
+                    <p:cTn id="11" fill="hold">
+                      <p:stCondLst>
+                        <p:cond delay="indefinite"/>
+                      </p:stCondLst>
+                      <p:childTnLst>
+                        <p:par>
+                          <p:cTn id="12" fill="hold">
+                            <p:stCondLst>
+                              <p:cond delay="0"/>
+                            </p:stCondLst>
+                            <p:childTnLst>
+                              <p:par>
+                                <p:cTn id="13" presetID="42" presetClass="entr" presetSubtype="0" fill="hold" grpId="0" nodeType="clickEffect">
+                                  <p:stCondLst>
+                                    <p:cond delay="0"/>
+                                  </p:stCondLst>
+                                  <p:childTnLst>
+                                    <p:set>
+                                      <p:cBhvr>
+                                        <p:cTn id="14" dur="1" fill="hold">
+                                          <p:stCondLst>
+                                            <p:cond delay="0"/>
+                                          </p:stCondLst>
+                                        </p:cTn>
+                                        <p:tgtEl>
+                                          <p:spTgt spid="4"/>
+                                        </p:tgtEl>
+                                        <p:attrNameLst>
+                                          <p:attrName>style.visibility</p:attrName>
+                                        </p:attrNameLst>
+                                      </p:cBhvr>
+                                      <p:to>
+                                        <p:strVal val="visible"/>
+                                      </p:to>
+                                    </p:set>
+                                    <p:animEffect transition="in" filter="fade">
+                                      <p:cBhvr>
+                                        <p:cTn id="15" dur="1000"/>
+                                        <p:tgtEl>
+                                          <p:spTgt spid="4"/>
+                                        </p:tgtEl>
+                                      </p:cBhvr>
+                                    </p:animEffect>
+                                    <p:anim calcmode="lin" valueType="num">
+                                      <p:cBhvr>
+                                        <p:cTn id="16" dur="1000" fill="hold"/>
+                                        <p:tgtEl>
+                                          <p:spTgt spid="4"/>
+                                        </p:tgtEl>
+                                        <p:attrNameLst>
+                                          <p:attrName>ppt_x</p:attrName>
+                                        </p:attrNameLst>
+                                      </p:cBhvr>
+                                      <p:tavLst>
+                                        <p:tav tm="0">
+                                          <p:val>
+                                            <p:strVal val="#ppt_x"/>
+                                          </p:val>
+                                        </p:tav>
+                                        <p:tav tm="100000">
+                                          <p:val>
+                                            <p:strVal val="#ppt_x"/>
+                                          </p:val>
+                                        </p:tav>
+                                      </p:tavLst>
+                                    </p:anim>
+                                    <p:anim calcmode="lin" valueType="num">
+                                      <p:cBhvr>
+                                        <p:cTn id="17" dur="1000" fill="hold"/>
+                                        <p:tgtEl>
+                                          <p:spTgt spid="4"/>
+                                        </p:tgtEl>
+                                        <p:attrNameLst>
+                                          <p:attrName>ppt_y</p:attrName>
+                                        </p:attrNameLst>
+                                      </p:cBhvr>
+                                      <p:tavLst>
+                                        <p:tav tm="0">
+                                          <p:val>
+                                            <p:strVal val="#ppt_y+.1"/>
+                                          </p:val>
+                                        </p:tav>
+                                        <p:tav tm="100000">
+                                          <p:val>
+                                            <p:strVal val="#ppt_y"/>
+                                          </p:val>
+                                        </p:tav>
+                                      </p:tavLst>
+                                    </p:anim>
+                                  </p:childTnLst>
+                                </p:cTn>
+                              </p:par>
+                            </p:childTnLst>
+                          </p:cTn>
+                        </p:par>
+                      </p:childTnLst>
+                    </p:cTn>
+                  </p:par>
+                  <p:par>
+                    <p:cTn id="18" fill="hold">
+                      <p:stCondLst>
+                        <p:cond delay="indefinite"/>
+                      </p:stCondLst>
+                      <p:childTnLst>
+                        <p:par>
+                          <p:cTn id="19" fill="hold">
+                            <p:stCondLst>
+                              <p:cond delay="0"/>
+                            </p:stCondLst>
+                            <p:childTnLst>
+                              <p:par>
+                                <p:cTn id="20" presetID="10" presetClass="entr" presetSubtype="0" fill="hold" nodeType="clickEffect">
+                                  <p:stCondLst>
+                                    <p:cond delay="0"/>
+                                  </p:stCondLst>
+                                  <p:childTnLst>
+                                    <p:set>
+                                      <p:cBhvr>
+                                        <p:cTn id="21" dur="1" fill="hold">
+                                          <p:stCondLst>
+                                            <p:cond delay="0"/>
+                                          </p:stCondLst>
+                                        </p:cTn>
+                                        <p:tgtEl>
+                                          <p:spTgt spid="7"/>
+                                        </p:tgtEl>
+                                        <p:attrNameLst>
+                                          <p:attrName>style.visibility</p:attrName>
+                                        </p:attrNameLst>
+                                      </p:cBhvr>
+                                      <p:to>
+                                        <p:strVal val="visible"/>
+                                      </p:to>
+                                    </p:set>
+                                    <p:animEffect transition="in" filter="fade">
+                                      <p:cBhvr>
+                                        <p:cTn id="22" dur="500"/>
+                                        <p:tgtEl>
+                                          <p:spTgt spid="7"/>
+                                        </p:tgtEl>
+                                      </p:cBhvr>
+                                    </p:animEffect>
+                                  </p:childTnLst>
+                                </p:cTn>
+                              </p:par>
+                            </p:childTnLst>
+                          </p:cTn>
+                        </p:par>
+                      </p:childTnLst>
+                    </p:cTn>
+                  </p:par>
+                </p:childTnLst>
+              </p:cTn>
+              <p:prevCondLst>
+                <p:cond evt="onPrev" delay="0">
+                  <p:tgtEl>
+                    <p:sldTgt/>
+                  </p:tgtEl>
+                </p:cond>
+              </p:prevCondLst>
+              <p:nextCondLst>
+                <p:cond evt="onNext" delay="0">
+                  <p:tgtEl>
+                    <p:sldTgt/>
+                  </p:tgtEl>
+                </p:cond>
+              </p:nextCondLst>
+            </p:seq>
+          </p:childTnLst>
+        </p:cTn>
+      </p:par>
+    </p:tnLst>
+    <p:bldLst>
+      <p:bldP spid="2" grpId="0"/>
+      <p:bldP spid="4" grpId="0"/>
+    </p:bldLst>
+  </p:timing>
+</p:sld>
+</file>
+
+<file path=ppt/slides/slide11.xml><?xml version="1.0" encoding="utf-8"?>
+<p:sld xmlns:a="http://schemas.openxmlformats.org/drawingml/2006/main" xmlns:r="http://schemas.openxmlformats.org/officeDocument/2006/relationships" xmlns:p="http://schemas.openxmlformats.org/presentationml/2006/main">
+  <p:cSld>
+    <p:spTree>
+      <p:nvGrpSpPr>
+        <p:cNvPr id="1" name=""/>
+        <p:cNvGrpSpPr/>
+        <p:nvPr/>
+      </p:nvGrpSpPr>
+      <p:grpSpPr>
+        <a:xfrm>
+          <a:off x="0" y="0"/>
+          <a:ext cx="0" cy="0"/>
+          <a:chOff x="0" y="0"/>
+          <a:chExt cx="0" cy="0"/>
+        </a:xfrm>
+      </p:grpSpPr>
+      <p:sp>
+        <p:nvSpPr>
+          <p:cNvPr id="2" name="矩形 1"/>
+          <p:cNvSpPr/>
+          <p:nvPr/>
+        </p:nvSpPr>
+        <p:spPr>
+          <a:xfrm>
+            <a:off x="868680" y="864215"/>
+            <a:ext cx="7223760" cy="523220"/>
+          </a:xfrm>
+          <a:prstGeom prst="rect">
+            <a:avLst/>
+          </a:prstGeom>
+        </p:spPr>
+        <p:txBody>
+          <a:bodyPr wrap="square">
+            <a:spAutoFit/>
+          </a:bodyPr>
+          <a:lstStyle/>
+          <a:p>
+            <a:r>
+              <a:rPr lang="zh-CN" altLang="en-US" sz="2800" dirty="0">
                 <a:latin typeface="Noto Sans S Chinese Light" panose="020B0300000000000000" pitchFamily="34" charset="-122"/>
                 <a:ea typeface="Noto Sans S Chinese Light" panose="020B0300000000000000" pitchFamily="34" charset="-122"/>
               </a:rPr>
-              <a:t>机场</a:t>
-            </a:r>
-            <a:endParaRPr lang="zh-CN" altLang="en-US" sz="5400" dirty="0">
-              <a:latin typeface="Noto Sans S Chinese Light" panose="020B0300000000000000" pitchFamily="34" charset="-122"/>
-              <a:ea typeface="Noto Sans S Chinese Light" panose="020B0300000000000000" pitchFamily="34" charset="-122"/>
+              <a:t>地面</a:t>
+            </a:r>
+            <a:r>
+              <a:rPr lang="zh-CN" altLang="en-US" sz="2800" dirty="0" smtClean="0">
+                <a:latin typeface="Noto Sans S Chinese Light" panose="020B0300000000000000" pitchFamily="34" charset="-122"/>
+                <a:ea typeface="Noto Sans S Chinese Light" panose="020B0300000000000000" pitchFamily="34" charset="-122"/>
+              </a:rPr>
+              <a:t>保障</a:t>
+            </a:r>
+            <a:r>
+              <a:rPr lang="zh-CN" altLang="en-US" sz="2800" dirty="0">
+                <a:latin typeface="Noto Sans S Chinese Light" panose="020B0300000000000000" pitchFamily="34" charset="-122"/>
+                <a:ea typeface="Noto Sans S Chinese Light" panose="020B0300000000000000" pitchFamily="34" charset="-122"/>
+              </a:rPr>
+              <a:t>设备</a:t>
+            </a:r>
+            <a:r>
+              <a:rPr lang="zh-CN" altLang="en-US" sz="2800" dirty="0" smtClean="0">
+                <a:latin typeface="Noto Sans S Chinese Light" panose="020B0300000000000000" pitchFamily="34" charset="-122"/>
+                <a:ea typeface="Noto Sans S Chinese Light" panose="020B0300000000000000" pitchFamily="34" charset="-122"/>
+              </a:rPr>
+              <a:t>      </a:t>
+            </a:r>
+            <a:r>
+              <a:rPr lang="en-US" altLang="zh-CN" sz="2800" dirty="0" smtClean="0">
+                <a:latin typeface="Microsoft JhengHei UI Light" panose="020B0304030504040204" pitchFamily="34" charset="-120"/>
+                <a:ea typeface="Microsoft JhengHei UI Light" panose="020B0304030504040204" pitchFamily="34" charset="-120"/>
+                <a:cs typeface="Arial Unicode MS" panose="020B0604020202020204" pitchFamily="34" charset="-122"/>
+              </a:rPr>
+              <a:t>Ground </a:t>
+            </a:r>
+            <a:r>
+              <a:rPr lang="en-US" altLang="zh-CN" sz="2800" dirty="0">
+                <a:latin typeface="Microsoft JhengHei UI Light" panose="020B0304030504040204" pitchFamily="34" charset="-120"/>
+                <a:ea typeface="Microsoft JhengHei UI Light" panose="020B0304030504040204" pitchFamily="34" charset="-120"/>
+                <a:cs typeface="Arial Unicode MS" panose="020B0604020202020204" pitchFamily="34" charset="-122"/>
+              </a:rPr>
+              <a:t>airport </a:t>
+            </a:r>
+            <a:r>
+              <a:rPr lang="en-US" altLang="zh-CN" sz="2800" dirty="0" smtClean="0">
+                <a:latin typeface="Microsoft JhengHei UI Light" panose="020B0304030504040204" pitchFamily="34" charset="-120"/>
+                <a:ea typeface="Microsoft JhengHei UI Light" panose="020B0304030504040204" pitchFamily="34" charset="-120"/>
+                <a:cs typeface="Arial Unicode MS" panose="020B0604020202020204" pitchFamily="34" charset="-122"/>
+              </a:rPr>
+              <a:t>equipment</a:t>
+            </a:r>
+            <a:endParaRPr lang="zh-CN" altLang="en-US" sz="2800" dirty="0">
+              <a:latin typeface="Microsoft JhengHei UI Light" panose="020B0304030504040204" pitchFamily="34" charset="-120"/>
+              <a:ea typeface="Microsoft JhengHei UI Light" panose="020B0304030504040204" pitchFamily="34" charset="-120"/>
+              <a:cs typeface="Arial Unicode MS" panose="020B0604020202020204" pitchFamily="34" charset="-122"/>
             </a:endParaRPr>
           </a:p>
         </p:txBody>
@@ -4052,8 +6843,8 @@
         </p:nvSpPr>
         <p:spPr>
           <a:xfrm>
-            <a:off x="3764280" y="3810000"/>
-            <a:ext cx="4343400" cy="1015663"/>
+            <a:off x="2329180" y="2407995"/>
+            <a:ext cx="2151380" cy="523220"/>
           </a:xfrm>
           <a:prstGeom prst="rect">
             <a:avLst/>
@@ -4066,32 +6857,337 @@
           </a:bodyPr>
           <a:lstStyle/>
           <a:p>
-            <a:pPr algn="ctr"/>
-            <a:r>
-              <a:rPr lang="en-US" altLang="zh-CN" sz="6000" dirty="0">
+            <a:r>
+              <a:rPr lang="zh-CN" altLang="en-US" sz="2800" dirty="0" smtClean="0">
+                <a:latin typeface="Noto Sans S Chinese Light" panose="020B0300000000000000" pitchFamily="34" charset="-122"/>
+                <a:ea typeface="Noto Sans S Chinese Light" panose="020B0300000000000000" pitchFamily="34" charset="-122"/>
+                <a:cs typeface="Arial Unicode MS" panose="020B0604020202020204" pitchFamily="34" charset="-122"/>
+              </a:rPr>
+              <a:t>冷气车</a:t>
+            </a:r>
+            <a:endParaRPr lang="zh-CN" altLang="en-US" sz="2800" dirty="0">
+              <a:latin typeface="Noto Sans S Chinese Light" panose="020B0300000000000000" pitchFamily="34" charset="-122"/>
+              <a:ea typeface="Noto Sans S Chinese Light" panose="020B0300000000000000" pitchFamily="34" charset="-122"/>
+              <a:cs typeface="Arial Unicode MS" panose="020B0604020202020204" pitchFamily="34" charset="-122"/>
+            </a:endParaRPr>
+          </a:p>
+        </p:txBody>
+      </p:sp>
+      <p:sp>
+        <p:nvSpPr>
+          <p:cNvPr id="4" name="文本框 3"/>
+          <p:cNvSpPr txBox="1"/>
+          <p:nvPr/>
+        </p:nvSpPr>
+        <p:spPr>
+          <a:xfrm>
+            <a:off x="2329180" y="3450670"/>
+            <a:ext cx="2151380" cy="523220"/>
+          </a:xfrm>
+          <a:prstGeom prst="rect">
+            <a:avLst/>
+          </a:prstGeom>
+          <a:noFill/>
+        </p:spPr>
+        <p:txBody>
+          <a:bodyPr wrap="square" rtlCol="0">
+            <a:spAutoFit/>
+          </a:bodyPr>
+          <a:lstStyle/>
+          <a:p>
+            <a:r>
+              <a:rPr lang="zh-CN" altLang="en-US" sz="2800" dirty="0">
+                <a:latin typeface="Noto Sans S Chinese Light" panose="020B0300000000000000" pitchFamily="34" charset="-122"/>
+                <a:ea typeface="Noto Sans S Chinese Light" panose="020B0300000000000000" pitchFamily="34" charset="-122"/>
+                <a:cs typeface="Arial Unicode MS" panose="020B0604020202020204" pitchFamily="34" charset="-122"/>
+              </a:rPr>
+              <a:t>氧</a:t>
+            </a:r>
+            <a:r>
+              <a:rPr lang="zh-CN" altLang="en-US" sz="2800" dirty="0" smtClean="0">
+                <a:latin typeface="Noto Sans S Chinese Light" panose="020B0300000000000000" pitchFamily="34" charset="-122"/>
+                <a:ea typeface="Noto Sans S Chinese Light" panose="020B0300000000000000" pitchFamily="34" charset="-122"/>
+                <a:cs typeface="Arial Unicode MS" panose="020B0604020202020204" pitchFamily="34" charset="-122"/>
+              </a:rPr>
+              <a:t>气车</a:t>
+            </a:r>
+            <a:endParaRPr lang="zh-CN" altLang="en-US" sz="2800" dirty="0">
+              <a:latin typeface="Noto Sans S Chinese Light" panose="020B0300000000000000" pitchFamily="34" charset="-122"/>
+              <a:ea typeface="Noto Sans S Chinese Light" panose="020B0300000000000000" pitchFamily="34" charset="-122"/>
+              <a:cs typeface="Arial Unicode MS" panose="020B0604020202020204" pitchFamily="34" charset="-122"/>
+            </a:endParaRPr>
+          </a:p>
+        </p:txBody>
+      </p:sp>
+      <p:sp>
+        <p:nvSpPr>
+          <p:cNvPr id="5" name="文本框 4"/>
+          <p:cNvSpPr txBox="1"/>
+          <p:nvPr/>
+        </p:nvSpPr>
+        <p:spPr>
+          <a:xfrm>
+            <a:off x="5300980" y="2407995"/>
+            <a:ext cx="4848860" cy="523220"/>
+          </a:xfrm>
+          <a:prstGeom prst="rect">
+            <a:avLst/>
+          </a:prstGeom>
+          <a:noFill/>
+        </p:spPr>
+        <p:txBody>
+          <a:bodyPr wrap="square" rtlCol="0">
+            <a:spAutoFit/>
+          </a:bodyPr>
+          <a:lstStyle/>
+          <a:p>
+            <a:r>
+              <a:rPr lang="en-US" altLang="zh-CN" sz="2800" dirty="0">
                 <a:latin typeface="Microsoft JhengHei UI Light" panose="020B0304030504040204" pitchFamily="34" charset="-120"/>
                 <a:ea typeface="Microsoft JhengHei UI Light" panose="020B0304030504040204" pitchFamily="34" charset="-120"/>
+                <a:cs typeface="Arial Unicode MS" panose="020B0604020202020204" pitchFamily="34" charset="-122"/>
               </a:rPr>
-              <a:t>A</a:t>
-            </a:r>
-            <a:r>
-              <a:rPr lang="en-US" altLang="zh-CN" sz="6000" dirty="0" smtClean="0">
+              <a:t>Aerial nitrogen vehicle</a:t>
+            </a:r>
+            <a:endParaRPr lang="zh-CN" altLang="en-US" sz="2800" dirty="0">
+              <a:latin typeface="Microsoft JhengHei UI Light" panose="020B0304030504040204" pitchFamily="34" charset="-120"/>
+              <a:ea typeface="Microsoft JhengHei UI Light" panose="020B0304030504040204" pitchFamily="34" charset="-120"/>
+              <a:cs typeface="Arial Unicode MS" panose="020B0604020202020204" pitchFamily="34" charset="-122"/>
+            </a:endParaRPr>
+          </a:p>
+        </p:txBody>
+      </p:sp>
+      <p:sp>
+        <p:nvSpPr>
+          <p:cNvPr id="6" name="文本框 5"/>
+          <p:cNvSpPr txBox="1"/>
+          <p:nvPr/>
+        </p:nvSpPr>
+        <p:spPr>
+          <a:xfrm>
+            <a:off x="5300980" y="3450670"/>
+            <a:ext cx="4848860" cy="523220"/>
+          </a:xfrm>
+          <a:prstGeom prst="rect">
+            <a:avLst/>
+          </a:prstGeom>
+          <a:noFill/>
+        </p:spPr>
+        <p:txBody>
+          <a:bodyPr wrap="square" rtlCol="0">
+            <a:spAutoFit/>
+          </a:bodyPr>
+          <a:lstStyle/>
+          <a:p>
+            <a:r>
+              <a:rPr lang="en-US" altLang="zh-CN" sz="2800" dirty="0">
                 <a:latin typeface="Microsoft JhengHei UI Light" panose="020B0304030504040204" pitchFamily="34" charset="-120"/>
                 <a:ea typeface="Microsoft JhengHei UI Light" panose="020B0304030504040204" pitchFamily="34" charset="-120"/>
+                <a:cs typeface="Arial Unicode MS" panose="020B0604020202020204" pitchFamily="34" charset="-122"/>
               </a:rPr>
-              <a:t>irport</a:t>
-            </a:r>
-            <a:endParaRPr lang="zh-CN" altLang="en-US" sz="6000" dirty="0">
+              <a:t>Aerial oxygen supply vehicle</a:t>
+            </a:r>
+            <a:endParaRPr lang="zh-CN" altLang="en-US" sz="2800" dirty="0">
               <a:latin typeface="Microsoft JhengHei UI Light" panose="020B0304030504040204" pitchFamily="34" charset="-120"/>
               <a:ea typeface="Microsoft JhengHei UI Light" panose="020B0304030504040204" pitchFamily="34" charset="-120"/>
+              <a:cs typeface="Arial Unicode MS" panose="020B0604020202020204" pitchFamily="34" charset="-122"/>
             </a:endParaRPr>
           </a:p>
         </p:txBody>
       </p:sp>
+      <p:sp>
+        <p:nvSpPr>
+          <p:cNvPr id="7" name="文本框 6"/>
+          <p:cNvSpPr txBox="1"/>
+          <p:nvPr/>
+        </p:nvSpPr>
+        <p:spPr>
+          <a:xfrm>
+            <a:off x="2329180" y="4493345"/>
+            <a:ext cx="2151380" cy="523220"/>
+          </a:xfrm>
+          <a:prstGeom prst="rect">
+            <a:avLst/>
+          </a:prstGeom>
+          <a:noFill/>
+        </p:spPr>
+        <p:txBody>
+          <a:bodyPr wrap="square" rtlCol="0">
+            <a:spAutoFit/>
+          </a:bodyPr>
+          <a:lstStyle/>
+          <a:p>
+            <a:r>
+              <a:rPr lang="zh-CN" altLang="en-US" sz="2800" dirty="0">
+                <a:latin typeface="Noto Sans S Chinese Light" panose="020B0300000000000000" pitchFamily="34" charset="-122"/>
+                <a:ea typeface="Noto Sans S Chinese Light" panose="020B0300000000000000" pitchFamily="34" charset="-122"/>
+                <a:cs typeface="Arial Unicode MS" panose="020B0604020202020204" pitchFamily="34" charset="-122"/>
+              </a:rPr>
+              <a:t>加油</a:t>
+            </a:r>
+            <a:r>
+              <a:rPr lang="zh-CN" altLang="en-US" sz="2800" dirty="0" smtClean="0">
+                <a:latin typeface="Noto Sans S Chinese Light" panose="020B0300000000000000" pitchFamily="34" charset="-122"/>
+                <a:ea typeface="Noto Sans S Chinese Light" panose="020B0300000000000000" pitchFamily="34" charset="-122"/>
+                <a:cs typeface="Arial Unicode MS" panose="020B0604020202020204" pitchFamily="34" charset="-122"/>
+              </a:rPr>
+              <a:t>车</a:t>
+            </a:r>
+            <a:endParaRPr lang="zh-CN" altLang="en-US" sz="2800" dirty="0">
+              <a:latin typeface="Noto Sans S Chinese Light" panose="020B0300000000000000" pitchFamily="34" charset="-122"/>
+              <a:ea typeface="Noto Sans S Chinese Light" panose="020B0300000000000000" pitchFamily="34" charset="-122"/>
+              <a:cs typeface="Arial Unicode MS" panose="020B0604020202020204" pitchFamily="34" charset="-122"/>
+            </a:endParaRPr>
+          </a:p>
+        </p:txBody>
+      </p:sp>
+      <p:sp>
+        <p:nvSpPr>
+          <p:cNvPr id="8" name="文本框 7"/>
+          <p:cNvSpPr txBox="1"/>
+          <p:nvPr/>
+        </p:nvSpPr>
+        <p:spPr>
+          <a:xfrm>
+            <a:off x="5300980" y="4493345"/>
+            <a:ext cx="5869940" cy="523220"/>
+          </a:xfrm>
+          <a:prstGeom prst="rect">
+            <a:avLst/>
+          </a:prstGeom>
+          <a:noFill/>
+        </p:spPr>
+        <p:txBody>
+          <a:bodyPr wrap="square" rtlCol="0">
+            <a:spAutoFit/>
+          </a:bodyPr>
+          <a:lstStyle/>
+          <a:p>
+            <a:r>
+              <a:rPr lang="fr-FR" altLang="zh-CN" sz="2800" dirty="0">
+                <a:latin typeface="Microsoft JhengHei UI Light" panose="020B0304030504040204" pitchFamily="34" charset="-120"/>
+                <a:ea typeface="Microsoft JhengHei UI Light" panose="020B0304030504040204" pitchFamily="34" charset="-120"/>
+                <a:cs typeface="Arial Unicode MS" panose="020B0604020202020204" pitchFamily="34" charset="-122"/>
+              </a:rPr>
+              <a:t>Aviation Jet Fuel Refuelling Vehicle </a:t>
+            </a:r>
+            <a:endParaRPr lang="zh-CN" altLang="en-US" sz="2800" dirty="0">
+              <a:latin typeface="Microsoft JhengHei UI Light" panose="020B0304030504040204" pitchFamily="34" charset="-120"/>
+              <a:ea typeface="Microsoft JhengHei UI Light" panose="020B0304030504040204" pitchFamily="34" charset="-120"/>
+              <a:cs typeface="Arial Unicode MS" panose="020B0604020202020204" pitchFamily="34" charset="-122"/>
+            </a:endParaRPr>
+          </a:p>
+        </p:txBody>
+      </p:sp>
+      <p:cxnSp>
+        <p:nvCxnSpPr>
+          <p:cNvPr id="12" name="直接连接符 11"/>
+          <p:cNvCxnSpPr/>
+          <p:nvPr/>
+        </p:nvCxnSpPr>
+        <p:spPr>
+          <a:xfrm flipV="1">
+            <a:off x="5352742" y="5063863"/>
+            <a:ext cx="5703351" cy="15765"/>
+          </a:xfrm>
+          <a:prstGeom prst="line">
+            <a:avLst/>
+          </a:prstGeom>
+          <a:ln w="38100">
+            <a:solidFill>
+              <a:srgbClr val="FF0000"/>
+            </a:solidFill>
+          </a:ln>
+        </p:spPr>
+        <p:style>
+          <a:lnRef idx="1">
+            <a:schemeClr val="accent1"/>
+          </a:lnRef>
+          <a:fillRef idx="0">
+            <a:schemeClr val="accent1"/>
+          </a:fillRef>
+          <a:effectRef idx="0">
+            <a:schemeClr val="accent1"/>
+          </a:effectRef>
+          <a:fontRef idx="minor">
+            <a:schemeClr val="tx1"/>
+          </a:fontRef>
+        </p:style>
+      </p:cxnSp>
+      <p:cxnSp>
+        <p:nvCxnSpPr>
+          <p:cNvPr id="14" name="直接连接符 13"/>
+          <p:cNvCxnSpPr/>
+          <p:nvPr/>
+        </p:nvCxnSpPr>
+        <p:spPr>
+          <a:xfrm flipV="1">
+            <a:off x="5352741" y="3992545"/>
+            <a:ext cx="4658362" cy="12877"/>
+          </a:xfrm>
+          <a:prstGeom prst="line">
+            <a:avLst/>
+          </a:prstGeom>
+          <a:ln w="38100">
+            <a:solidFill>
+              <a:srgbClr val="FF0000"/>
+            </a:solidFill>
+          </a:ln>
+        </p:spPr>
+        <p:style>
+          <a:lnRef idx="1">
+            <a:schemeClr val="accent1"/>
+          </a:lnRef>
+          <a:fillRef idx="0">
+            <a:schemeClr val="accent1"/>
+          </a:fillRef>
+          <a:effectRef idx="0">
+            <a:schemeClr val="accent1"/>
+          </a:effectRef>
+          <a:fontRef idx="minor">
+            <a:schemeClr val="tx1"/>
+          </a:fontRef>
+        </p:style>
+      </p:cxnSp>
+      <p:cxnSp>
+        <p:nvCxnSpPr>
+          <p:cNvPr id="15" name="直接连接符 14"/>
+          <p:cNvCxnSpPr/>
+          <p:nvPr/>
+        </p:nvCxnSpPr>
+        <p:spPr>
+          <a:xfrm flipV="1">
+            <a:off x="5352742" y="2931215"/>
+            <a:ext cx="3617837" cy="8388"/>
+          </a:xfrm>
+          <a:prstGeom prst="line">
+            <a:avLst/>
+          </a:prstGeom>
+          <a:ln w="38100">
+            <a:solidFill>
+              <a:srgbClr val="FF0000"/>
+            </a:solidFill>
+          </a:ln>
+        </p:spPr>
+        <p:style>
+          <a:lnRef idx="1">
+            <a:schemeClr val="accent1"/>
+          </a:lnRef>
+          <a:fillRef idx="0">
+            <a:schemeClr val="accent1"/>
+          </a:fillRef>
+          <a:effectRef idx="0">
+            <a:schemeClr val="accent1"/>
+          </a:effectRef>
+          <a:fontRef idx="minor">
+            <a:schemeClr val="tx1"/>
+          </a:fontRef>
+        </p:style>
+      </p:cxnSp>
     </p:spTree>
     <p:extLst>
       <p:ext uri="{BB962C8B-B14F-4D97-AF65-F5344CB8AC3E}">
-        <p14:creationId xmlns:p14="http://schemas.microsoft.com/office/powerpoint/2010/main" val="1943761507"/>
+        <p14:creationId xmlns:p14="http://schemas.microsoft.com/office/powerpoint/2010/main" val="3978297007"/>
       </p:ext>
     </p:extLst>
   </p:cSld>
@@ -4101,14 +7197,595 @@
   <p:timing>
     <p:tnLst>
       <p:par>
-        <p:cTn id="1" dur="indefinite" restart="never" nodeType="tmRoot"/>
+        <p:cTn id="1" dur="indefinite" restart="never" nodeType="tmRoot">
+          <p:childTnLst>
+            <p:seq concurrent="1" nextAc="seek">
+              <p:cTn id="2" dur="indefinite" nodeType="mainSeq">
+                <p:childTnLst>
+                  <p:par>
+                    <p:cTn id="3" fill="hold">
+                      <p:stCondLst>
+                        <p:cond delay="indefinite"/>
+                        <p:cond evt="onBegin" delay="0">
+                          <p:tn val="2"/>
+                        </p:cond>
+                      </p:stCondLst>
+                      <p:childTnLst>
+                        <p:par>
+                          <p:cTn id="4" fill="hold">
+                            <p:stCondLst>
+                              <p:cond delay="0"/>
+                            </p:stCondLst>
+                            <p:childTnLst>
+                              <p:par>
+                                <p:cTn id="5" presetID="1" presetClass="entr" presetSubtype="0" fill="hold" grpId="0" nodeType="afterEffect">
+                                  <p:stCondLst>
+                                    <p:cond delay="0"/>
+                                  </p:stCondLst>
+                                  <p:childTnLst>
+                                    <p:set>
+                                      <p:cBhvr>
+                                        <p:cTn id="6" dur="1" fill="hold">
+                                          <p:stCondLst>
+                                            <p:cond delay="0"/>
+                                          </p:stCondLst>
+                                        </p:cTn>
+                                        <p:tgtEl>
+                                          <p:spTgt spid="2"/>
+                                        </p:tgtEl>
+                                        <p:attrNameLst>
+                                          <p:attrName>style.visibility</p:attrName>
+                                        </p:attrNameLst>
+                                      </p:cBhvr>
+                                      <p:to>
+                                        <p:strVal val="visible"/>
+                                      </p:to>
+                                    </p:set>
+                                  </p:childTnLst>
+                                </p:cTn>
+                              </p:par>
+                              <p:par>
+                                <p:cTn id="7" presetID="1" presetClass="entr" presetSubtype="0" fill="hold" grpId="0" nodeType="withEffect">
+                                  <p:stCondLst>
+                                    <p:cond delay="0"/>
+                                  </p:stCondLst>
+                                  <p:childTnLst>
+                                    <p:set>
+                                      <p:cBhvr>
+                                        <p:cTn id="8" dur="1" fill="hold">
+                                          <p:stCondLst>
+                                            <p:cond delay="0"/>
+                                          </p:stCondLst>
+                                        </p:cTn>
+                                        <p:tgtEl>
+                                          <p:spTgt spid="3"/>
+                                        </p:tgtEl>
+                                        <p:attrNameLst>
+                                          <p:attrName>style.visibility</p:attrName>
+                                        </p:attrNameLst>
+                                      </p:cBhvr>
+                                      <p:to>
+                                        <p:strVal val="visible"/>
+                                      </p:to>
+                                    </p:set>
+                                  </p:childTnLst>
+                                </p:cTn>
+                              </p:par>
+                              <p:par>
+                                <p:cTn id="9" presetID="1" presetClass="entr" presetSubtype="0" fill="hold" grpId="0" nodeType="withEffect">
+                                  <p:stCondLst>
+                                    <p:cond delay="0"/>
+                                  </p:stCondLst>
+                                  <p:childTnLst>
+                                    <p:set>
+                                      <p:cBhvr>
+                                        <p:cTn id="10" dur="1" fill="hold">
+                                          <p:stCondLst>
+                                            <p:cond delay="0"/>
+                                          </p:stCondLst>
+                                        </p:cTn>
+                                        <p:tgtEl>
+                                          <p:spTgt spid="4"/>
+                                        </p:tgtEl>
+                                        <p:attrNameLst>
+                                          <p:attrName>style.visibility</p:attrName>
+                                        </p:attrNameLst>
+                                      </p:cBhvr>
+                                      <p:to>
+                                        <p:strVal val="visible"/>
+                                      </p:to>
+                                    </p:set>
+                                  </p:childTnLst>
+                                </p:cTn>
+                              </p:par>
+                              <p:par>
+                                <p:cTn id="11" presetID="1" presetClass="entr" presetSubtype="0" fill="hold" grpId="0" nodeType="withEffect">
+                                  <p:stCondLst>
+                                    <p:cond delay="0"/>
+                                  </p:stCondLst>
+                                  <p:childTnLst>
+                                    <p:set>
+                                      <p:cBhvr>
+                                        <p:cTn id="12" dur="1" fill="hold">
+                                          <p:stCondLst>
+                                            <p:cond delay="0"/>
+                                          </p:stCondLst>
+                                        </p:cTn>
+                                        <p:tgtEl>
+                                          <p:spTgt spid="7"/>
+                                        </p:tgtEl>
+                                        <p:attrNameLst>
+                                          <p:attrName>style.visibility</p:attrName>
+                                        </p:attrNameLst>
+                                      </p:cBhvr>
+                                      <p:to>
+                                        <p:strVal val="visible"/>
+                                      </p:to>
+                                    </p:set>
+                                  </p:childTnLst>
+                                </p:cTn>
+                              </p:par>
+                            </p:childTnLst>
+                          </p:cTn>
+                        </p:par>
+                      </p:childTnLst>
+                    </p:cTn>
+                  </p:par>
+                  <p:par>
+                    <p:cTn id="13" fill="hold">
+                      <p:stCondLst>
+                        <p:cond delay="indefinite"/>
+                      </p:stCondLst>
+                      <p:childTnLst>
+                        <p:par>
+                          <p:cTn id="14" fill="hold">
+                            <p:stCondLst>
+                              <p:cond delay="0"/>
+                            </p:stCondLst>
+                            <p:childTnLst>
+                              <p:par>
+                                <p:cTn id="15" presetID="42" presetClass="entr" presetSubtype="0" fill="hold" grpId="0" nodeType="clickEffect">
+                                  <p:stCondLst>
+                                    <p:cond delay="0"/>
+                                  </p:stCondLst>
+                                  <p:childTnLst>
+                                    <p:set>
+                                      <p:cBhvr>
+                                        <p:cTn id="16" dur="1" fill="hold">
+                                          <p:stCondLst>
+                                            <p:cond delay="0"/>
+                                          </p:stCondLst>
+                                        </p:cTn>
+                                        <p:tgtEl>
+                                          <p:spTgt spid="5"/>
+                                        </p:tgtEl>
+                                        <p:attrNameLst>
+                                          <p:attrName>style.visibility</p:attrName>
+                                        </p:attrNameLst>
+                                      </p:cBhvr>
+                                      <p:to>
+                                        <p:strVal val="visible"/>
+                                      </p:to>
+                                    </p:set>
+                                    <p:animEffect transition="in" filter="fade">
+                                      <p:cBhvr>
+                                        <p:cTn id="17" dur="1000"/>
+                                        <p:tgtEl>
+                                          <p:spTgt spid="5"/>
+                                        </p:tgtEl>
+                                      </p:cBhvr>
+                                    </p:animEffect>
+                                    <p:anim calcmode="lin" valueType="num">
+                                      <p:cBhvr>
+                                        <p:cTn id="18" dur="1000" fill="hold"/>
+                                        <p:tgtEl>
+                                          <p:spTgt spid="5"/>
+                                        </p:tgtEl>
+                                        <p:attrNameLst>
+                                          <p:attrName>ppt_x</p:attrName>
+                                        </p:attrNameLst>
+                                      </p:cBhvr>
+                                      <p:tavLst>
+                                        <p:tav tm="0">
+                                          <p:val>
+                                            <p:strVal val="#ppt_x"/>
+                                          </p:val>
+                                        </p:tav>
+                                        <p:tav tm="100000">
+                                          <p:val>
+                                            <p:strVal val="#ppt_x"/>
+                                          </p:val>
+                                        </p:tav>
+                                      </p:tavLst>
+                                    </p:anim>
+                                    <p:anim calcmode="lin" valueType="num">
+                                      <p:cBhvr>
+                                        <p:cTn id="19" dur="1000" fill="hold"/>
+                                        <p:tgtEl>
+                                          <p:spTgt spid="5"/>
+                                        </p:tgtEl>
+                                        <p:attrNameLst>
+                                          <p:attrName>ppt_y</p:attrName>
+                                        </p:attrNameLst>
+                                      </p:cBhvr>
+                                      <p:tavLst>
+                                        <p:tav tm="0">
+                                          <p:val>
+                                            <p:strVal val="#ppt_y+.1"/>
+                                          </p:val>
+                                        </p:tav>
+                                        <p:tav tm="100000">
+                                          <p:val>
+                                            <p:strVal val="#ppt_y"/>
+                                          </p:val>
+                                        </p:tav>
+                                      </p:tavLst>
+                                    </p:anim>
+                                  </p:childTnLst>
+                                </p:cTn>
+                              </p:par>
+                            </p:childTnLst>
+                          </p:cTn>
+                        </p:par>
+                      </p:childTnLst>
+                    </p:cTn>
+                  </p:par>
+                  <p:par>
+                    <p:cTn id="20" fill="hold">
+                      <p:stCondLst>
+                        <p:cond delay="indefinite"/>
+                      </p:stCondLst>
+                      <p:childTnLst>
+                        <p:par>
+                          <p:cTn id="21" fill="hold">
+                            <p:stCondLst>
+                              <p:cond delay="0"/>
+                            </p:stCondLst>
+                            <p:childTnLst>
+                              <p:par>
+                                <p:cTn id="22" presetID="42" presetClass="entr" presetSubtype="0" fill="hold" grpId="0" nodeType="clickEffect">
+                                  <p:stCondLst>
+                                    <p:cond delay="0"/>
+                                  </p:stCondLst>
+                                  <p:childTnLst>
+                                    <p:set>
+                                      <p:cBhvr>
+                                        <p:cTn id="23" dur="1" fill="hold">
+                                          <p:stCondLst>
+                                            <p:cond delay="0"/>
+                                          </p:stCondLst>
+                                        </p:cTn>
+                                        <p:tgtEl>
+                                          <p:spTgt spid="6"/>
+                                        </p:tgtEl>
+                                        <p:attrNameLst>
+                                          <p:attrName>style.visibility</p:attrName>
+                                        </p:attrNameLst>
+                                      </p:cBhvr>
+                                      <p:to>
+                                        <p:strVal val="visible"/>
+                                      </p:to>
+                                    </p:set>
+                                    <p:animEffect transition="in" filter="fade">
+                                      <p:cBhvr>
+                                        <p:cTn id="24" dur="1000"/>
+                                        <p:tgtEl>
+                                          <p:spTgt spid="6"/>
+                                        </p:tgtEl>
+                                      </p:cBhvr>
+                                    </p:animEffect>
+                                    <p:anim calcmode="lin" valueType="num">
+                                      <p:cBhvr>
+                                        <p:cTn id="25" dur="1000" fill="hold"/>
+                                        <p:tgtEl>
+                                          <p:spTgt spid="6"/>
+                                        </p:tgtEl>
+                                        <p:attrNameLst>
+                                          <p:attrName>ppt_x</p:attrName>
+                                        </p:attrNameLst>
+                                      </p:cBhvr>
+                                      <p:tavLst>
+                                        <p:tav tm="0">
+                                          <p:val>
+                                            <p:strVal val="#ppt_x"/>
+                                          </p:val>
+                                        </p:tav>
+                                        <p:tav tm="100000">
+                                          <p:val>
+                                            <p:strVal val="#ppt_x"/>
+                                          </p:val>
+                                        </p:tav>
+                                      </p:tavLst>
+                                    </p:anim>
+                                    <p:anim calcmode="lin" valueType="num">
+                                      <p:cBhvr>
+                                        <p:cTn id="26" dur="1000" fill="hold"/>
+                                        <p:tgtEl>
+                                          <p:spTgt spid="6"/>
+                                        </p:tgtEl>
+                                        <p:attrNameLst>
+                                          <p:attrName>ppt_y</p:attrName>
+                                        </p:attrNameLst>
+                                      </p:cBhvr>
+                                      <p:tavLst>
+                                        <p:tav tm="0">
+                                          <p:val>
+                                            <p:strVal val="#ppt_y+.1"/>
+                                          </p:val>
+                                        </p:tav>
+                                        <p:tav tm="100000">
+                                          <p:val>
+                                            <p:strVal val="#ppt_y"/>
+                                          </p:val>
+                                        </p:tav>
+                                      </p:tavLst>
+                                    </p:anim>
+                                  </p:childTnLst>
+                                </p:cTn>
+                              </p:par>
+                            </p:childTnLst>
+                          </p:cTn>
+                        </p:par>
+                      </p:childTnLst>
+                    </p:cTn>
+                  </p:par>
+                  <p:par>
+                    <p:cTn id="27" fill="hold">
+                      <p:stCondLst>
+                        <p:cond delay="indefinite"/>
+                      </p:stCondLst>
+                      <p:childTnLst>
+                        <p:par>
+                          <p:cTn id="28" fill="hold">
+                            <p:stCondLst>
+                              <p:cond delay="0"/>
+                            </p:stCondLst>
+                            <p:childTnLst>
+                              <p:par>
+                                <p:cTn id="29" presetID="42" presetClass="entr" presetSubtype="0" fill="hold" grpId="0" nodeType="clickEffect">
+                                  <p:stCondLst>
+                                    <p:cond delay="0"/>
+                                  </p:stCondLst>
+                                  <p:childTnLst>
+                                    <p:set>
+                                      <p:cBhvr>
+                                        <p:cTn id="30" dur="1" fill="hold">
+                                          <p:stCondLst>
+                                            <p:cond delay="0"/>
+                                          </p:stCondLst>
+                                        </p:cTn>
+                                        <p:tgtEl>
+                                          <p:spTgt spid="8"/>
+                                        </p:tgtEl>
+                                        <p:attrNameLst>
+                                          <p:attrName>style.visibility</p:attrName>
+                                        </p:attrNameLst>
+                                      </p:cBhvr>
+                                      <p:to>
+                                        <p:strVal val="visible"/>
+                                      </p:to>
+                                    </p:set>
+                                    <p:animEffect transition="in" filter="fade">
+                                      <p:cBhvr>
+                                        <p:cTn id="31" dur="1000"/>
+                                        <p:tgtEl>
+                                          <p:spTgt spid="8"/>
+                                        </p:tgtEl>
+                                      </p:cBhvr>
+                                    </p:animEffect>
+                                    <p:anim calcmode="lin" valueType="num">
+                                      <p:cBhvr>
+                                        <p:cTn id="32" dur="1000" fill="hold"/>
+                                        <p:tgtEl>
+                                          <p:spTgt spid="8"/>
+                                        </p:tgtEl>
+                                        <p:attrNameLst>
+                                          <p:attrName>ppt_x</p:attrName>
+                                        </p:attrNameLst>
+                                      </p:cBhvr>
+                                      <p:tavLst>
+                                        <p:tav tm="0">
+                                          <p:val>
+                                            <p:strVal val="#ppt_x"/>
+                                          </p:val>
+                                        </p:tav>
+                                        <p:tav tm="100000">
+                                          <p:val>
+                                            <p:strVal val="#ppt_x"/>
+                                          </p:val>
+                                        </p:tav>
+                                      </p:tavLst>
+                                    </p:anim>
+                                    <p:anim calcmode="lin" valueType="num">
+                                      <p:cBhvr>
+                                        <p:cTn id="33" dur="1000" fill="hold"/>
+                                        <p:tgtEl>
+                                          <p:spTgt spid="8"/>
+                                        </p:tgtEl>
+                                        <p:attrNameLst>
+                                          <p:attrName>ppt_y</p:attrName>
+                                        </p:attrNameLst>
+                                      </p:cBhvr>
+                                      <p:tavLst>
+                                        <p:tav tm="0">
+                                          <p:val>
+                                            <p:strVal val="#ppt_y+.1"/>
+                                          </p:val>
+                                        </p:tav>
+                                        <p:tav tm="100000">
+                                          <p:val>
+                                            <p:strVal val="#ppt_y"/>
+                                          </p:val>
+                                        </p:tav>
+                                      </p:tavLst>
+                                    </p:anim>
+                                  </p:childTnLst>
+                                </p:cTn>
+                              </p:par>
+                            </p:childTnLst>
+                          </p:cTn>
+                        </p:par>
+                      </p:childTnLst>
+                    </p:cTn>
+                  </p:par>
+                  <p:par>
+                    <p:cTn id="34" fill="hold">
+                      <p:stCondLst>
+                        <p:cond delay="indefinite"/>
+                      </p:stCondLst>
+                      <p:childTnLst>
+                        <p:par>
+                          <p:cTn id="35" fill="hold">
+                            <p:stCondLst>
+                              <p:cond delay="0"/>
+                            </p:stCondLst>
+                            <p:childTnLst>
+                              <p:par>
+                                <p:cTn id="36" presetID="10" presetClass="entr" presetSubtype="0" fill="hold" nodeType="clickEffect">
+                                  <p:stCondLst>
+                                    <p:cond delay="0"/>
+                                  </p:stCondLst>
+                                  <p:childTnLst>
+                                    <p:set>
+                                      <p:cBhvr>
+                                        <p:cTn id="37" dur="1" fill="hold">
+                                          <p:stCondLst>
+                                            <p:cond delay="0"/>
+                                          </p:stCondLst>
+                                        </p:cTn>
+                                        <p:tgtEl>
+                                          <p:spTgt spid="12"/>
+                                        </p:tgtEl>
+                                        <p:attrNameLst>
+                                          <p:attrName>style.visibility</p:attrName>
+                                        </p:attrNameLst>
+                                      </p:cBhvr>
+                                      <p:to>
+                                        <p:strVal val="visible"/>
+                                      </p:to>
+                                    </p:set>
+                                    <p:animEffect transition="in" filter="fade">
+                                      <p:cBhvr>
+                                        <p:cTn id="38" dur="500"/>
+                                        <p:tgtEl>
+                                          <p:spTgt spid="12"/>
+                                        </p:tgtEl>
+                                      </p:cBhvr>
+                                    </p:animEffect>
+                                  </p:childTnLst>
+                                </p:cTn>
+                              </p:par>
+                              <p:par>
+                                <p:cTn id="39" presetID="10" presetClass="entr" presetSubtype="0" fill="hold" nodeType="withEffect">
+                                  <p:stCondLst>
+                                    <p:cond delay="0"/>
+                                  </p:stCondLst>
+                                  <p:childTnLst>
+                                    <p:set>
+                                      <p:cBhvr>
+                                        <p:cTn id="40" dur="1" fill="hold">
+                                          <p:stCondLst>
+                                            <p:cond delay="0"/>
+                                          </p:stCondLst>
+                                        </p:cTn>
+                                        <p:tgtEl>
+                                          <p:spTgt spid="14"/>
+                                        </p:tgtEl>
+                                        <p:attrNameLst>
+                                          <p:attrName>style.visibility</p:attrName>
+                                        </p:attrNameLst>
+                                      </p:cBhvr>
+                                      <p:to>
+                                        <p:strVal val="visible"/>
+                                      </p:to>
+                                    </p:set>
+                                    <p:animEffect transition="in" filter="fade">
+                                      <p:cBhvr>
+                                        <p:cTn id="41" dur="500"/>
+                                        <p:tgtEl>
+                                          <p:spTgt spid="14"/>
+                                        </p:tgtEl>
+                                      </p:cBhvr>
+                                    </p:animEffect>
+                                  </p:childTnLst>
+                                </p:cTn>
+                              </p:par>
+                              <p:par>
+                                <p:cTn id="42" presetID="10" presetClass="entr" presetSubtype="0" fill="hold" nodeType="withEffect">
+                                  <p:stCondLst>
+                                    <p:cond delay="0"/>
+                                  </p:stCondLst>
+                                  <p:childTnLst>
+                                    <p:set>
+                                      <p:cBhvr>
+                                        <p:cTn id="43" dur="1" fill="hold">
+                                          <p:stCondLst>
+                                            <p:cond delay="0"/>
+                                          </p:stCondLst>
+                                        </p:cTn>
+                                        <p:tgtEl>
+                                          <p:spTgt spid="15"/>
+                                        </p:tgtEl>
+                                        <p:attrNameLst>
+                                          <p:attrName>style.visibility</p:attrName>
+                                        </p:attrNameLst>
+                                      </p:cBhvr>
+                                      <p:to>
+                                        <p:strVal val="visible"/>
+                                      </p:to>
+                                    </p:set>
+                                    <p:animEffect transition="in" filter="fade">
+                                      <p:cBhvr>
+                                        <p:cTn id="44" dur="500"/>
+                                        <p:tgtEl>
+                                          <p:spTgt spid="15"/>
+                                        </p:tgtEl>
+                                      </p:cBhvr>
+                                    </p:animEffect>
+                                  </p:childTnLst>
+                                </p:cTn>
+                              </p:par>
+                            </p:childTnLst>
+                          </p:cTn>
+                        </p:par>
+                      </p:childTnLst>
+                    </p:cTn>
+                  </p:par>
+                </p:childTnLst>
+              </p:cTn>
+              <p:prevCondLst>
+                <p:cond evt="onPrev" delay="0">
+                  <p:tgtEl>
+                    <p:sldTgt/>
+                  </p:tgtEl>
+                </p:cond>
+              </p:prevCondLst>
+              <p:nextCondLst>
+                <p:cond evt="onNext" delay="0">
+                  <p:tgtEl>
+                    <p:sldTgt/>
+                  </p:tgtEl>
+                </p:cond>
+              </p:nextCondLst>
+            </p:seq>
+          </p:childTnLst>
+        </p:cTn>
       </p:par>
     </p:tnLst>
+    <p:bldLst>
+      <p:bldP spid="2" grpId="0"/>
+      <p:bldP spid="3" grpId="0"/>
+      <p:bldP spid="4" grpId="0"/>
+      <p:bldP spid="5" grpId="0"/>
+      <p:bldP spid="6" grpId="0"/>
+      <p:bldP spid="7" grpId="0"/>
+      <p:bldP spid="8" grpId="0"/>
+    </p:bldLst>
   </p:timing>
 </p:sld>
 </file>
 
-<file path=ppt/slides/slide10.xml><?xml version="1.0" encoding="utf-8"?>
+<file path=ppt/slides/slide12.xml><?xml version="1.0" encoding="utf-8"?>
 <p:sld xmlns:a="http://schemas.openxmlformats.org/drawingml/2006/main" xmlns:r="http://schemas.openxmlformats.org/officeDocument/2006/relationships" xmlns:p="http://schemas.openxmlformats.org/presentationml/2006/main">
   <p:cSld>
     <p:spTree>
@@ -4505,7 +8182,7 @@
 </p:sld>
 </file>
 
-<file path=ppt/slides/slide11.xml><?xml version="1.0" encoding="utf-8"?>
+<file path=ppt/slides/slide13.xml><?xml version="1.0" encoding="utf-8"?>
 <p:sld xmlns:a="http://schemas.openxmlformats.org/drawingml/2006/main" xmlns:r="http://schemas.openxmlformats.org/officeDocument/2006/relationships" xmlns:p="http://schemas.openxmlformats.org/presentationml/2006/main">
   <p:cSld>
     <p:spTree>
@@ -4529,11 +8206,7 @@
             <a:graphicFrameLocks noGrp="1"/>
           </p:cNvGraphicFramePr>
           <p:nvPr>
-            <p:extLst>
-              <p:ext uri="{D42A27DB-BD31-4B8C-83A1-F6EECF244321}">
-                <p14:modId xmlns:p14="http://schemas.microsoft.com/office/powerpoint/2010/main" val="4184197432"/>
-              </p:ext>
-            </p:extLst>
+            <p:extLst/>
           </p:nvPr>
         </p:nvGraphicFramePr>
         <p:xfrm>
@@ -5047,14 +8720,14 @@
           <p:nvPr>
             <p:extLst>
               <p:ext uri="{D42A27DB-BD31-4B8C-83A1-F6EECF244321}">
-                <p14:modId xmlns:p14="http://schemas.microsoft.com/office/powerpoint/2010/main" val="3696794354"/>
+                <p14:modId xmlns:p14="http://schemas.microsoft.com/office/powerpoint/2010/main" val="2884022627"/>
               </p:ext>
             </p:extLst>
           </p:nvPr>
         </p:nvGraphicFramePr>
         <p:xfrm>
           <a:off x="5945095" y="917786"/>
-          <a:ext cx="4629375" cy="5148000"/>
+          <a:ext cx="5484905" cy="5148000"/>
         </p:xfrm>
         <a:graphic>
           <a:graphicData uri="http://schemas.openxmlformats.org/drawingml/2006/table">
@@ -5063,8 +8736,8 @@
                 <a:tableStyleId>{2D5ABB26-0587-4C30-8999-92F81FD0307C}</a:tableStyleId>
               </a:tblPr>
               <a:tblGrid>
-                <a:gridCol w="1749375"/>
-                <a:gridCol w="2880000"/>
+                <a:gridCol w="2072668"/>
+                <a:gridCol w="3412237"/>
               </a:tblGrid>
               <a:tr h="468000">
                 <a:tc>
@@ -5275,14 +8948,21 @@
                           <a:latin typeface="Microsoft JhengHei UI Light" panose="020B0304030504040204" pitchFamily="34" charset="-120"/>
                           <a:ea typeface="Microsoft JhengHei UI Light" panose="020B0304030504040204" pitchFamily="34" charset="-120"/>
                         </a:rPr>
-                        <a:t>Tow</a:t>
+                        <a:t>Towing</a:t>
                       </a:r>
                       <a:r>
                         <a:rPr lang="en-US" altLang="zh-CN" baseline="0" dirty="0" smtClean="0">
                           <a:latin typeface="Microsoft JhengHei UI Light" panose="020B0304030504040204" pitchFamily="34" charset="-120"/>
                           <a:ea typeface="Microsoft JhengHei UI Light" panose="020B0304030504040204" pitchFamily="34" charset="-120"/>
                         </a:rPr>
-                        <a:t> tractor</a:t>
+                        <a:t> </a:t>
+                      </a:r>
+                      <a:r>
+                        <a:rPr lang="en-US" altLang="zh-CN" baseline="0" dirty="0" smtClean="0">
+                          <a:latin typeface="Microsoft JhengHei UI Light" panose="020B0304030504040204" pitchFamily="34" charset="-120"/>
+                          <a:ea typeface="Microsoft JhengHei UI Light" panose="020B0304030504040204" pitchFamily="34" charset="-120"/>
+                        </a:rPr>
+                        <a:t>tractor</a:t>
                       </a:r>
                       <a:endParaRPr lang="zh-CN" altLang="en-US" dirty="0">
                         <a:latin typeface="Microsoft JhengHei UI Light" panose="020B0304030504040204" pitchFamily="34" charset="-120"/>
@@ -5588,7 +9268,14 @@
                           <a:latin typeface="Microsoft JhengHei UI Light" panose="020B0304030504040204" pitchFamily="34" charset="-120"/>
                           <a:ea typeface="Microsoft JhengHei UI Light" panose="020B0304030504040204" pitchFamily="34" charset="-120"/>
                         </a:rPr>
-                        <a:t> air conditioner</a:t>
+                        <a:t> air </a:t>
+                      </a:r>
+                      <a:r>
+                        <a:rPr lang="en-US" altLang="zh-CN" baseline="0" dirty="0" smtClean="0">
+                          <a:latin typeface="Microsoft JhengHei UI Light" panose="020B0304030504040204" pitchFamily="34" charset="-120"/>
+                          <a:ea typeface="Microsoft JhengHei UI Light" panose="020B0304030504040204" pitchFamily="34" charset="-120"/>
+                        </a:rPr>
+                        <a:t>conditioner vehicle</a:t>
                       </a:r>
                       <a:endParaRPr lang="zh-CN" altLang="en-US" dirty="0">
                         <a:latin typeface="Microsoft JhengHei UI Light" panose="020B0304030504040204" pitchFamily="34" charset="-120"/>
@@ -5638,7 +9325,7 @@
     </p:spTree>
     <p:extLst>
       <p:ext uri="{BB962C8B-B14F-4D97-AF65-F5344CB8AC3E}">
-        <p14:creationId xmlns:p14="http://schemas.microsoft.com/office/powerpoint/2010/main" val="472547928"/>
+        <p14:creationId xmlns:p14="http://schemas.microsoft.com/office/powerpoint/2010/main" val="2548575219"/>
       </p:ext>
     </p:extLst>
   </p:cSld>
@@ -5655,7 +9342,1163 @@
 </p:sld>
 </file>
 
-<file path=ppt/slides/slide12.xml><?xml version="1.0" encoding="utf-8"?>
+<file path=ppt/slides/slide14.xml><?xml version="1.0" encoding="utf-8"?>
+<p:sld xmlns:a="http://schemas.openxmlformats.org/drawingml/2006/main" xmlns:r="http://schemas.openxmlformats.org/officeDocument/2006/relationships" xmlns:p="http://schemas.openxmlformats.org/presentationml/2006/main">
+  <p:cSld>
+    <p:spTree>
+      <p:nvGrpSpPr>
+        <p:cNvPr id="1" name=""/>
+        <p:cNvGrpSpPr/>
+        <p:nvPr/>
+      </p:nvGrpSpPr>
+      <p:grpSpPr>
+        <a:xfrm>
+          <a:off x="0" y="0"/>
+          <a:ext cx="0" cy="0"/>
+          <a:chOff x="0" y="0"/>
+          <a:chExt cx="0" cy="0"/>
+        </a:xfrm>
+      </p:grpSpPr>
+      <p:graphicFrame>
+        <p:nvGraphicFramePr>
+          <p:cNvPr id="2" name="表格 1"/>
+          <p:cNvGraphicFramePr>
+            <a:graphicFrameLocks noGrp="1"/>
+          </p:cNvGraphicFramePr>
+          <p:nvPr>
+            <p:extLst/>
+          </p:nvPr>
+        </p:nvGraphicFramePr>
+        <p:xfrm>
+          <a:off x="1315720" y="917786"/>
+          <a:ext cx="4629375" cy="5148000"/>
+        </p:xfrm>
+        <a:graphic>
+          <a:graphicData uri="http://schemas.openxmlformats.org/drawingml/2006/table">
+            <a:tbl>
+              <a:tblPr firstRow="1" bandRow="1">
+                <a:tableStyleId>{2D5ABB26-0587-4C30-8999-92F81FD0307C}</a:tableStyleId>
+              </a:tblPr>
+              <a:tblGrid>
+                <a:gridCol w="1749375"/>
+                <a:gridCol w="2880000"/>
+              </a:tblGrid>
+              <a:tr h="468000">
+                <a:tc>
+                  <a:txBody>
+                    <a:bodyPr/>
+                    <a:lstStyle/>
+                    <a:p>
+                      <a:pPr algn="r"/>
+                      <a:r>
+                        <a:rPr lang="zh-CN" altLang="en-US" dirty="0" smtClean="0">
+                          <a:latin typeface="Noto Sans S Chinese Light" panose="020B0300000000000000" pitchFamily="34" charset="-122"/>
+                          <a:ea typeface="Noto Sans S Chinese Light" panose="020B0300000000000000" pitchFamily="34" charset="-122"/>
+                        </a:rPr>
+                        <a:t>机场</a:t>
+                      </a:r>
+                      <a:endParaRPr lang="zh-CN" altLang="en-US" b="0" dirty="0">
+                        <a:latin typeface="Noto Sans S Chinese Light" panose="020B0300000000000000" pitchFamily="34" charset="-122"/>
+                        <a:ea typeface="Noto Sans S Chinese Light" panose="020B0300000000000000" pitchFamily="34" charset="-122"/>
+                      </a:endParaRPr>
+                    </a:p>
+                  </a:txBody>
+                  <a:tcPr/>
+                </a:tc>
+                <a:tc>
+                  <a:txBody>
+                    <a:bodyPr/>
+                    <a:lstStyle/>
+                    <a:p>
+                      <a:pPr algn="l"/>
+                      <a:r>
+                        <a:rPr lang="en-US" altLang="zh-CN" b="0" dirty="0" smtClean="0">
+                          <a:latin typeface="Microsoft JhengHei UI Light" panose="020B0304030504040204" pitchFamily="34" charset="-120"/>
+                          <a:ea typeface="Microsoft JhengHei UI Light" panose="020B0304030504040204" pitchFamily="34" charset="-120"/>
+                        </a:rPr>
+                        <a:t>airport</a:t>
+                      </a:r>
+                      <a:endParaRPr lang="zh-CN" altLang="en-US" b="0" dirty="0">
+                        <a:latin typeface="Microsoft JhengHei UI Light" panose="020B0304030504040204" pitchFamily="34" charset="-120"/>
+                        <a:ea typeface="Microsoft JhengHei UI Light" panose="020B0304030504040204" pitchFamily="34" charset="-120"/>
+                      </a:endParaRPr>
+                    </a:p>
+                  </a:txBody>
+                  <a:tcPr/>
+                </a:tc>
+              </a:tr>
+              <a:tr h="468000">
+                <a:tc>
+                  <a:txBody>
+                    <a:bodyPr/>
+                    <a:lstStyle/>
+                    <a:p>
+                      <a:pPr algn="r"/>
+                      <a:r>
+                        <a:rPr lang="zh-CN" altLang="en-US" dirty="0" smtClean="0">
+                          <a:latin typeface="Noto Sans S Chinese Light" panose="020B0300000000000000" pitchFamily="34" charset="-122"/>
+                          <a:ea typeface="Noto Sans S Chinese Light" panose="020B0300000000000000" pitchFamily="34" charset="-122"/>
+                        </a:rPr>
+                        <a:t>民航机场</a:t>
+                      </a:r>
+                      <a:endParaRPr lang="zh-CN" altLang="en-US" dirty="0">
+                        <a:latin typeface="Noto Sans S Chinese Light" panose="020B0300000000000000" pitchFamily="34" charset="-122"/>
+                        <a:ea typeface="Noto Sans S Chinese Light" panose="020B0300000000000000" pitchFamily="34" charset="-122"/>
+                      </a:endParaRPr>
+                    </a:p>
+                  </a:txBody>
+                  <a:tcPr/>
+                </a:tc>
+                <a:tc>
+                  <a:txBody>
+                    <a:bodyPr/>
+                    <a:lstStyle/>
+                    <a:p>
+                      <a:pPr algn="l"/>
+                      <a:r>
+                        <a:rPr lang="en-US" altLang="zh-CN" dirty="0" smtClean="0">
+                          <a:latin typeface="Microsoft JhengHei UI Light" panose="020B0304030504040204" pitchFamily="34" charset="-120"/>
+                          <a:ea typeface="Microsoft JhengHei UI Light" panose="020B0304030504040204" pitchFamily="34" charset="-120"/>
+                        </a:rPr>
+                        <a:t>Civil airport</a:t>
+                      </a:r>
+                      <a:endParaRPr lang="zh-CN" altLang="en-US" dirty="0">
+                        <a:latin typeface="Microsoft JhengHei UI Light" panose="020B0304030504040204" pitchFamily="34" charset="-120"/>
+                        <a:ea typeface="Microsoft JhengHei UI Light" panose="020B0304030504040204" pitchFamily="34" charset="-120"/>
+                      </a:endParaRPr>
+                    </a:p>
+                  </a:txBody>
+                  <a:tcPr/>
+                </a:tc>
+              </a:tr>
+              <a:tr h="468000">
+                <a:tc>
+                  <a:txBody>
+                    <a:bodyPr/>
+                    <a:lstStyle/>
+                    <a:p>
+                      <a:pPr algn="r"/>
+                      <a:r>
+                        <a:rPr lang="zh-CN" altLang="en-US" dirty="0" smtClean="0">
+                          <a:latin typeface="Noto Sans S Chinese Light" panose="020B0300000000000000" pitchFamily="34" charset="-122"/>
+                          <a:ea typeface="Noto Sans S Chinese Light" panose="020B0300000000000000" pitchFamily="34" charset="-122"/>
+                        </a:rPr>
+                        <a:t>国际机场</a:t>
+                      </a:r>
+                      <a:endParaRPr lang="zh-CN" altLang="en-US" dirty="0">
+                        <a:latin typeface="Noto Sans S Chinese Light" panose="020B0300000000000000" pitchFamily="34" charset="-122"/>
+                        <a:ea typeface="Noto Sans S Chinese Light" panose="020B0300000000000000" pitchFamily="34" charset="-122"/>
+                      </a:endParaRPr>
+                    </a:p>
+                  </a:txBody>
+                  <a:tcPr/>
+                </a:tc>
+                <a:tc>
+                  <a:txBody>
+                    <a:bodyPr/>
+                    <a:lstStyle/>
+                    <a:p>
+                      <a:pPr algn="l"/>
+                      <a:r>
+                        <a:rPr lang="en-US" altLang="zh-CN" dirty="0" smtClean="0">
+                          <a:latin typeface="Microsoft JhengHei UI Light" panose="020B0304030504040204" pitchFamily="34" charset="-120"/>
+                          <a:ea typeface="Microsoft JhengHei UI Light" panose="020B0304030504040204" pitchFamily="34" charset="-120"/>
+                        </a:rPr>
+                        <a:t>International airport</a:t>
+                      </a:r>
+                      <a:endParaRPr lang="zh-CN" altLang="en-US" dirty="0">
+                        <a:latin typeface="Microsoft JhengHei UI Light" panose="020B0304030504040204" pitchFamily="34" charset="-120"/>
+                        <a:ea typeface="Microsoft JhengHei UI Light" panose="020B0304030504040204" pitchFamily="34" charset="-120"/>
+                      </a:endParaRPr>
+                    </a:p>
+                  </a:txBody>
+                  <a:tcPr/>
+                </a:tc>
+              </a:tr>
+              <a:tr h="468000">
+                <a:tc>
+                  <a:txBody>
+                    <a:bodyPr/>
+                    <a:lstStyle/>
+                    <a:p>
+                      <a:pPr algn="r"/>
+                      <a:r>
+                        <a:rPr lang="zh-CN" altLang="en-US" dirty="0" smtClean="0">
+                          <a:latin typeface="Noto Sans S Chinese Light" panose="020B0300000000000000" pitchFamily="34" charset="-122"/>
+                          <a:ea typeface="Noto Sans S Chinese Light" panose="020B0300000000000000" pitchFamily="34" charset="-122"/>
+                        </a:rPr>
+                        <a:t>军用机场</a:t>
+                      </a:r>
+                      <a:endParaRPr lang="zh-CN" altLang="en-US" dirty="0">
+                        <a:latin typeface="Noto Sans S Chinese Light" panose="020B0300000000000000" pitchFamily="34" charset="-122"/>
+                        <a:ea typeface="Noto Sans S Chinese Light" panose="020B0300000000000000" pitchFamily="34" charset="-122"/>
+                      </a:endParaRPr>
+                    </a:p>
+                  </a:txBody>
+                  <a:tcPr/>
+                </a:tc>
+                <a:tc>
+                  <a:txBody>
+                    <a:bodyPr/>
+                    <a:lstStyle/>
+                    <a:p>
+                      <a:pPr algn="l"/>
+                      <a:r>
+                        <a:rPr lang="en-US" altLang="zh-CN" dirty="0" smtClean="0">
+                          <a:latin typeface="Microsoft JhengHei UI Light" panose="020B0304030504040204" pitchFamily="34" charset="-120"/>
+                          <a:ea typeface="Microsoft JhengHei UI Light" panose="020B0304030504040204" pitchFamily="34" charset="-120"/>
+                        </a:rPr>
+                        <a:t>Military airport</a:t>
+                      </a:r>
+                      <a:endParaRPr lang="zh-CN" altLang="en-US" dirty="0">
+                        <a:latin typeface="Microsoft JhengHei UI Light" panose="020B0304030504040204" pitchFamily="34" charset="-120"/>
+                        <a:ea typeface="Microsoft JhengHei UI Light" panose="020B0304030504040204" pitchFamily="34" charset="-120"/>
+                      </a:endParaRPr>
+                    </a:p>
+                  </a:txBody>
+                  <a:tcPr/>
+                </a:tc>
+              </a:tr>
+              <a:tr h="468000">
+                <a:tc>
+                  <a:txBody>
+                    <a:bodyPr/>
+                    <a:lstStyle/>
+                    <a:p>
+                      <a:pPr algn="r"/>
+                      <a:r>
+                        <a:rPr lang="zh-CN" altLang="en-US" dirty="0" smtClean="0">
+                          <a:latin typeface="Noto Sans S Chinese Light" panose="020B0300000000000000" pitchFamily="34" charset="-122"/>
+                          <a:ea typeface="Noto Sans S Chinese Light" panose="020B0300000000000000" pitchFamily="34" charset="-122"/>
+                        </a:rPr>
+                        <a:t>跑道</a:t>
+                      </a:r>
+                      <a:endParaRPr lang="zh-CN" altLang="en-US" dirty="0">
+                        <a:latin typeface="Noto Sans S Chinese Light" panose="020B0300000000000000" pitchFamily="34" charset="-122"/>
+                        <a:ea typeface="Noto Sans S Chinese Light" panose="020B0300000000000000" pitchFamily="34" charset="-122"/>
+                      </a:endParaRPr>
+                    </a:p>
+                  </a:txBody>
+                  <a:tcPr/>
+                </a:tc>
+                <a:tc>
+                  <a:txBody>
+                    <a:bodyPr/>
+                    <a:lstStyle/>
+                    <a:p>
+                      <a:pPr algn="l"/>
+                      <a:r>
+                        <a:rPr lang="en-US" altLang="zh-CN" dirty="0" smtClean="0">
+                          <a:latin typeface="Microsoft JhengHei UI Light" panose="020B0304030504040204" pitchFamily="34" charset="-120"/>
+                          <a:ea typeface="Microsoft JhengHei UI Light" panose="020B0304030504040204" pitchFamily="34" charset="-120"/>
+                        </a:rPr>
+                        <a:t>airfield</a:t>
+                      </a:r>
+                      <a:endParaRPr lang="zh-CN" altLang="en-US" dirty="0">
+                        <a:latin typeface="Microsoft JhengHei UI Light" panose="020B0304030504040204" pitchFamily="34" charset="-120"/>
+                        <a:ea typeface="Microsoft JhengHei UI Light" panose="020B0304030504040204" pitchFamily="34" charset="-120"/>
+                      </a:endParaRPr>
+                    </a:p>
+                  </a:txBody>
+                  <a:tcPr/>
+                </a:tc>
+              </a:tr>
+              <a:tr h="468000">
+                <a:tc>
+                  <a:txBody>
+                    <a:bodyPr/>
+                    <a:lstStyle/>
+                    <a:p>
+                      <a:pPr algn="r"/>
+                      <a:r>
+                        <a:rPr lang="zh-CN" altLang="en-US" dirty="0" smtClean="0">
+                          <a:latin typeface="Noto Sans S Chinese Light" panose="020B0300000000000000" pitchFamily="34" charset="-122"/>
+                          <a:ea typeface="Noto Sans S Chinese Light" panose="020B0300000000000000" pitchFamily="34" charset="-122"/>
+                        </a:rPr>
+                        <a:t>主跑道</a:t>
+                      </a:r>
+                      <a:endParaRPr lang="zh-CN" altLang="en-US" dirty="0">
+                        <a:latin typeface="Noto Sans S Chinese Light" panose="020B0300000000000000" pitchFamily="34" charset="-122"/>
+                        <a:ea typeface="Noto Sans S Chinese Light" panose="020B0300000000000000" pitchFamily="34" charset="-122"/>
+                      </a:endParaRPr>
+                    </a:p>
+                  </a:txBody>
+                  <a:tcPr/>
+                </a:tc>
+                <a:tc>
+                  <a:txBody>
+                    <a:bodyPr/>
+                    <a:lstStyle/>
+                    <a:p>
+                      <a:pPr algn="l"/>
+                      <a:r>
+                        <a:rPr lang="en-US" altLang="zh-CN" dirty="0" smtClean="0">
+                          <a:latin typeface="Microsoft JhengHei UI Light" panose="020B0304030504040204" pitchFamily="34" charset="-120"/>
+                          <a:ea typeface="Microsoft JhengHei UI Light" panose="020B0304030504040204" pitchFamily="34" charset="-120"/>
+                        </a:rPr>
+                        <a:t>runway</a:t>
+                      </a:r>
+                      <a:endParaRPr lang="zh-CN" altLang="en-US" dirty="0">
+                        <a:latin typeface="Microsoft JhengHei UI Light" panose="020B0304030504040204" pitchFamily="34" charset="-120"/>
+                        <a:ea typeface="Microsoft JhengHei UI Light" panose="020B0304030504040204" pitchFamily="34" charset="-120"/>
+                      </a:endParaRPr>
+                    </a:p>
+                  </a:txBody>
+                  <a:tcPr/>
+                </a:tc>
+              </a:tr>
+              <a:tr h="468000">
+                <a:tc>
+                  <a:txBody>
+                    <a:bodyPr/>
+                    <a:lstStyle/>
+                    <a:p>
+                      <a:pPr algn="r"/>
+                      <a:r>
+                        <a:rPr lang="zh-CN" altLang="en-US" dirty="0" smtClean="0">
+                          <a:latin typeface="Noto Sans S Chinese Light" panose="020B0300000000000000" pitchFamily="34" charset="-122"/>
+                          <a:ea typeface="Noto Sans S Chinese Light" panose="020B0300000000000000" pitchFamily="34" charset="-122"/>
+                        </a:rPr>
+                        <a:t>滑行道</a:t>
+                      </a:r>
+                      <a:endParaRPr lang="zh-CN" altLang="en-US" dirty="0">
+                        <a:latin typeface="Noto Sans S Chinese Light" panose="020B0300000000000000" pitchFamily="34" charset="-122"/>
+                        <a:ea typeface="Noto Sans S Chinese Light" panose="020B0300000000000000" pitchFamily="34" charset="-122"/>
+                      </a:endParaRPr>
+                    </a:p>
+                  </a:txBody>
+                  <a:tcPr/>
+                </a:tc>
+                <a:tc>
+                  <a:txBody>
+                    <a:bodyPr/>
+                    <a:lstStyle/>
+                    <a:p>
+                      <a:pPr algn="l"/>
+                      <a:r>
+                        <a:rPr lang="en-US" altLang="zh-CN" dirty="0" smtClean="0">
+                          <a:latin typeface="Microsoft JhengHei UI Light" panose="020B0304030504040204" pitchFamily="34" charset="-120"/>
+                          <a:ea typeface="Microsoft JhengHei UI Light" panose="020B0304030504040204" pitchFamily="34" charset="-120"/>
+                        </a:rPr>
+                        <a:t>taxiway</a:t>
+                      </a:r>
+                      <a:endParaRPr lang="zh-CN" altLang="en-US" dirty="0">
+                        <a:latin typeface="Microsoft JhengHei UI Light" panose="020B0304030504040204" pitchFamily="34" charset="-120"/>
+                        <a:ea typeface="Microsoft JhengHei UI Light" panose="020B0304030504040204" pitchFamily="34" charset="-120"/>
+                      </a:endParaRPr>
+                    </a:p>
+                  </a:txBody>
+                  <a:tcPr/>
+                </a:tc>
+              </a:tr>
+              <a:tr h="468000">
+                <a:tc>
+                  <a:txBody>
+                    <a:bodyPr/>
+                    <a:lstStyle/>
+                    <a:p>
+                      <a:pPr algn="r"/>
+                      <a:r>
+                        <a:rPr lang="zh-CN" altLang="en-US" dirty="0" smtClean="0">
+                          <a:latin typeface="Noto Sans S Chinese Light" panose="020B0300000000000000" pitchFamily="34" charset="-122"/>
+                          <a:ea typeface="Noto Sans S Chinese Light" panose="020B0300000000000000" pitchFamily="34" charset="-122"/>
+                        </a:rPr>
+                        <a:t>联络道</a:t>
+                      </a:r>
+                      <a:endParaRPr lang="zh-CN" altLang="en-US" dirty="0">
+                        <a:latin typeface="Noto Sans S Chinese Light" panose="020B0300000000000000" pitchFamily="34" charset="-122"/>
+                        <a:ea typeface="Noto Sans S Chinese Light" panose="020B0300000000000000" pitchFamily="34" charset="-122"/>
+                      </a:endParaRPr>
+                    </a:p>
+                  </a:txBody>
+                  <a:tcPr/>
+                </a:tc>
+                <a:tc>
+                  <a:txBody>
+                    <a:bodyPr/>
+                    <a:lstStyle/>
+                    <a:p>
+                      <a:pPr algn="l"/>
+                      <a:r>
+                        <a:rPr lang="en-US" altLang="zh-CN" dirty="0" smtClean="0">
+                          <a:latin typeface="Microsoft JhengHei UI Light" panose="020B0304030504040204" pitchFamily="34" charset="-120"/>
+                          <a:ea typeface="Microsoft JhengHei UI Light" panose="020B0304030504040204" pitchFamily="34" charset="-120"/>
+                        </a:rPr>
+                        <a:t>By-pass taxiway</a:t>
+                      </a:r>
+                      <a:endParaRPr lang="zh-CN" altLang="en-US" dirty="0">
+                        <a:latin typeface="Microsoft JhengHei UI Light" panose="020B0304030504040204" pitchFamily="34" charset="-120"/>
+                        <a:ea typeface="Microsoft JhengHei UI Light" panose="020B0304030504040204" pitchFamily="34" charset="-120"/>
+                      </a:endParaRPr>
+                    </a:p>
+                  </a:txBody>
+                  <a:tcPr/>
+                </a:tc>
+              </a:tr>
+              <a:tr h="468000">
+                <a:tc>
+                  <a:txBody>
+                    <a:bodyPr/>
+                    <a:lstStyle/>
+                    <a:p>
+                      <a:pPr algn="r"/>
+                      <a:r>
+                        <a:rPr lang="zh-CN" altLang="en-US" dirty="0" smtClean="0">
+                          <a:latin typeface="Noto Sans S Chinese Light" panose="020B0300000000000000" pitchFamily="34" charset="-122"/>
+                          <a:ea typeface="Noto Sans S Chinese Light" panose="020B0300000000000000" pitchFamily="34" charset="-122"/>
+                        </a:rPr>
+                        <a:t>塔台</a:t>
+                      </a:r>
+                      <a:endParaRPr lang="zh-CN" altLang="en-US" dirty="0">
+                        <a:latin typeface="Noto Sans S Chinese Light" panose="020B0300000000000000" pitchFamily="34" charset="-122"/>
+                        <a:ea typeface="Noto Sans S Chinese Light" panose="020B0300000000000000" pitchFamily="34" charset="-122"/>
+                      </a:endParaRPr>
+                    </a:p>
+                  </a:txBody>
+                  <a:tcPr/>
+                </a:tc>
+                <a:tc>
+                  <a:txBody>
+                    <a:bodyPr/>
+                    <a:lstStyle/>
+                    <a:p>
+                      <a:pPr algn="l"/>
+                      <a:r>
+                        <a:rPr lang="en-US" altLang="zh-CN" dirty="0" smtClean="0">
+                          <a:latin typeface="Microsoft JhengHei UI Light" panose="020B0304030504040204" pitchFamily="34" charset="-120"/>
+                          <a:ea typeface="Microsoft JhengHei UI Light" panose="020B0304030504040204" pitchFamily="34" charset="-120"/>
+                        </a:rPr>
+                        <a:t>Control tower</a:t>
+                      </a:r>
+                      <a:endParaRPr lang="zh-CN" altLang="en-US" dirty="0">
+                        <a:latin typeface="Microsoft JhengHei UI Light" panose="020B0304030504040204" pitchFamily="34" charset="-120"/>
+                        <a:ea typeface="Microsoft JhengHei UI Light" panose="020B0304030504040204" pitchFamily="34" charset="-120"/>
+                      </a:endParaRPr>
+                    </a:p>
+                  </a:txBody>
+                  <a:tcPr/>
+                </a:tc>
+              </a:tr>
+              <a:tr h="468000">
+                <a:tc>
+                  <a:txBody>
+                    <a:bodyPr/>
+                    <a:lstStyle/>
+                    <a:p>
+                      <a:pPr algn="r"/>
+                      <a:r>
+                        <a:rPr lang="zh-CN" altLang="en-US" dirty="0" smtClean="0">
+                          <a:latin typeface="Noto Sans S Chinese Light" panose="020B0300000000000000" pitchFamily="34" charset="-122"/>
+                          <a:ea typeface="Noto Sans S Chinese Light" panose="020B0300000000000000" pitchFamily="34" charset="-122"/>
+                        </a:rPr>
+                        <a:t>停机坪</a:t>
+                      </a:r>
+                      <a:endParaRPr lang="zh-CN" altLang="en-US" dirty="0">
+                        <a:latin typeface="Noto Sans S Chinese Light" panose="020B0300000000000000" pitchFamily="34" charset="-122"/>
+                        <a:ea typeface="Noto Sans S Chinese Light" panose="020B0300000000000000" pitchFamily="34" charset="-122"/>
+                      </a:endParaRPr>
+                    </a:p>
+                  </a:txBody>
+                  <a:tcPr/>
+                </a:tc>
+                <a:tc>
+                  <a:txBody>
+                    <a:bodyPr/>
+                    <a:lstStyle/>
+                    <a:p>
+                      <a:pPr algn="l"/>
+                      <a:r>
+                        <a:rPr lang="en-US" altLang="zh-CN" dirty="0" smtClean="0">
+                          <a:latin typeface="Microsoft JhengHei UI Light" panose="020B0304030504040204" pitchFamily="34" charset="-120"/>
+                          <a:ea typeface="Microsoft JhengHei UI Light" panose="020B0304030504040204" pitchFamily="34" charset="-120"/>
+                        </a:rPr>
+                        <a:t>apron</a:t>
+                      </a:r>
+                      <a:endParaRPr lang="zh-CN" altLang="en-US" dirty="0">
+                        <a:latin typeface="Microsoft JhengHei UI Light" panose="020B0304030504040204" pitchFamily="34" charset="-120"/>
+                        <a:ea typeface="Microsoft JhengHei UI Light" panose="020B0304030504040204" pitchFamily="34" charset="-120"/>
+                      </a:endParaRPr>
+                    </a:p>
+                  </a:txBody>
+                  <a:tcPr/>
+                </a:tc>
+              </a:tr>
+              <a:tr h="468000">
+                <a:tc>
+                  <a:txBody>
+                    <a:bodyPr/>
+                    <a:lstStyle/>
+                    <a:p>
+                      <a:pPr algn="r"/>
+                      <a:r>
+                        <a:rPr lang="zh-CN" altLang="en-US" dirty="0" smtClean="0">
+                          <a:latin typeface="Noto Sans S Chinese Light" panose="020B0300000000000000" pitchFamily="34" charset="-122"/>
+                          <a:ea typeface="Noto Sans S Chinese Light" panose="020B0300000000000000" pitchFamily="34" charset="-122"/>
+                        </a:rPr>
+                        <a:t>机库</a:t>
+                      </a:r>
+                      <a:endParaRPr lang="zh-CN" altLang="en-US" dirty="0">
+                        <a:latin typeface="Noto Sans S Chinese Light" panose="020B0300000000000000" pitchFamily="34" charset="-122"/>
+                        <a:ea typeface="Noto Sans S Chinese Light" panose="020B0300000000000000" pitchFamily="34" charset="-122"/>
+                      </a:endParaRPr>
+                    </a:p>
+                  </a:txBody>
+                  <a:tcPr/>
+                </a:tc>
+                <a:tc>
+                  <a:txBody>
+                    <a:bodyPr/>
+                    <a:lstStyle/>
+                    <a:p>
+                      <a:pPr algn="l"/>
+                      <a:r>
+                        <a:rPr lang="en-US" altLang="zh-CN" dirty="0" smtClean="0">
+                          <a:latin typeface="Microsoft JhengHei UI Light" panose="020B0304030504040204" pitchFamily="34" charset="-120"/>
+                          <a:ea typeface="Microsoft JhengHei UI Light" panose="020B0304030504040204" pitchFamily="34" charset="-120"/>
+                        </a:rPr>
+                        <a:t>hanger</a:t>
+                      </a:r>
+                      <a:endParaRPr lang="zh-CN" altLang="en-US" dirty="0">
+                        <a:latin typeface="Microsoft JhengHei UI Light" panose="020B0304030504040204" pitchFamily="34" charset="-120"/>
+                        <a:ea typeface="Microsoft JhengHei UI Light" panose="020B0304030504040204" pitchFamily="34" charset="-120"/>
+                      </a:endParaRPr>
+                    </a:p>
+                  </a:txBody>
+                  <a:tcPr/>
+                </a:tc>
+              </a:tr>
+            </a:tbl>
+          </a:graphicData>
+        </a:graphic>
+      </p:graphicFrame>
+      <p:graphicFrame>
+        <p:nvGraphicFramePr>
+          <p:cNvPr id="3" name="表格 2"/>
+          <p:cNvGraphicFramePr>
+            <a:graphicFrameLocks noGrp="1"/>
+          </p:cNvGraphicFramePr>
+          <p:nvPr>
+            <p:extLst/>
+          </p:nvPr>
+        </p:nvGraphicFramePr>
+        <p:xfrm>
+          <a:off x="5945095" y="917786"/>
+          <a:ext cx="5484905" cy="5148000"/>
+        </p:xfrm>
+        <a:graphic>
+          <a:graphicData uri="http://schemas.openxmlformats.org/drawingml/2006/table">
+            <a:tbl>
+              <a:tblPr firstRow="1" bandRow="1">
+                <a:tableStyleId>{2D5ABB26-0587-4C30-8999-92F81FD0307C}</a:tableStyleId>
+              </a:tblPr>
+              <a:tblGrid>
+                <a:gridCol w="2072668"/>
+                <a:gridCol w="3412237"/>
+              </a:tblGrid>
+              <a:tr h="468000">
+                <a:tc>
+                  <a:txBody>
+                    <a:bodyPr/>
+                    <a:lstStyle/>
+                    <a:p>
+                      <a:pPr algn="r"/>
+                      <a:r>
+                        <a:rPr lang="zh-CN" altLang="en-US" b="0" dirty="0" smtClean="0">
+                          <a:latin typeface="Noto Sans S Chinese Light" panose="020B0300000000000000" pitchFamily="34" charset="-122"/>
+                          <a:ea typeface="Noto Sans S Chinese Light" panose="020B0300000000000000" pitchFamily="34" charset="-122"/>
+                        </a:rPr>
+                        <a:t>维修厂</a:t>
+                      </a:r>
+                      <a:endParaRPr lang="zh-CN" altLang="en-US" b="0" dirty="0">
+                        <a:latin typeface="Noto Sans S Chinese Light" panose="020B0300000000000000" pitchFamily="34" charset="-122"/>
+                        <a:ea typeface="Noto Sans S Chinese Light" panose="020B0300000000000000" pitchFamily="34" charset="-122"/>
+                      </a:endParaRPr>
+                    </a:p>
+                  </a:txBody>
+                  <a:tcPr/>
+                </a:tc>
+                <a:tc>
+                  <a:txBody>
+                    <a:bodyPr/>
+                    <a:lstStyle/>
+                    <a:p>
+                      <a:pPr algn="l"/>
+                      <a:r>
+                        <a:rPr lang="en-US" altLang="zh-CN" b="0" dirty="0" smtClean="0">
+                          <a:latin typeface="Microsoft JhengHei UI Light" panose="020B0304030504040204" pitchFamily="34" charset="-120"/>
+                          <a:ea typeface="Microsoft JhengHei UI Light" panose="020B0304030504040204" pitchFamily="34" charset="-120"/>
+                        </a:rPr>
+                        <a:t>Maintenance area</a:t>
+                      </a:r>
+                      <a:endParaRPr lang="zh-CN" altLang="en-US" b="0" dirty="0">
+                        <a:latin typeface="Microsoft JhengHei UI Light" panose="020B0304030504040204" pitchFamily="34" charset="-120"/>
+                        <a:ea typeface="Microsoft JhengHei UI Light" panose="020B0304030504040204" pitchFamily="34" charset="-120"/>
+                      </a:endParaRPr>
+                    </a:p>
+                  </a:txBody>
+                  <a:tcPr/>
+                </a:tc>
+              </a:tr>
+              <a:tr h="468000">
+                <a:tc>
+                  <a:txBody>
+                    <a:bodyPr/>
+                    <a:lstStyle/>
+                    <a:p>
+                      <a:pPr algn="r"/>
+                      <a:r>
+                        <a:rPr lang="zh-CN" altLang="en-US" dirty="0" smtClean="0">
+                          <a:latin typeface="Noto Sans S Chinese Light" panose="020B0300000000000000" pitchFamily="34" charset="-122"/>
+                          <a:ea typeface="Noto Sans S Chinese Light" panose="020B0300000000000000" pitchFamily="34" charset="-122"/>
+                        </a:rPr>
+                        <a:t>油库</a:t>
+                      </a:r>
+                      <a:endParaRPr lang="zh-CN" altLang="en-US" dirty="0">
+                        <a:latin typeface="Noto Sans S Chinese Light" panose="020B0300000000000000" pitchFamily="34" charset="-122"/>
+                        <a:ea typeface="Noto Sans S Chinese Light" panose="020B0300000000000000" pitchFamily="34" charset="-122"/>
+                      </a:endParaRPr>
+                    </a:p>
+                  </a:txBody>
+                  <a:tcPr/>
+                </a:tc>
+                <a:tc>
+                  <a:txBody>
+                    <a:bodyPr/>
+                    <a:lstStyle/>
+                    <a:p>
+                      <a:pPr algn="l"/>
+                      <a:r>
+                        <a:rPr lang="en-US" altLang="zh-CN" dirty="0" smtClean="0">
+                          <a:latin typeface="Microsoft JhengHei UI Light" panose="020B0304030504040204" pitchFamily="34" charset="-120"/>
+                          <a:ea typeface="Microsoft JhengHei UI Light" panose="020B0304030504040204" pitchFamily="34" charset="-120"/>
+                        </a:rPr>
+                        <a:t>Fuel farm</a:t>
+                      </a:r>
+                      <a:endParaRPr lang="zh-CN" altLang="en-US" dirty="0">
+                        <a:latin typeface="Microsoft JhengHei UI Light" panose="020B0304030504040204" pitchFamily="34" charset="-120"/>
+                        <a:ea typeface="Microsoft JhengHei UI Light" panose="020B0304030504040204" pitchFamily="34" charset="-120"/>
+                      </a:endParaRPr>
+                    </a:p>
+                  </a:txBody>
+                  <a:tcPr/>
+                </a:tc>
+              </a:tr>
+              <a:tr h="468000">
+                <a:tc>
+                  <a:txBody>
+                    <a:bodyPr/>
+                    <a:lstStyle/>
+                    <a:p>
+                      <a:pPr algn="r"/>
+                      <a:r>
+                        <a:rPr lang="zh-CN" altLang="en-US" dirty="0" smtClean="0">
+                          <a:latin typeface="Noto Sans S Chinese Light" panose="020B0300000000000000" pitchFamily="34" charset="-122"/>
+                          <a:ea typeface="Noto Sans S Chinese Light" panose="020B0300000000000000" pitchFamily="34" charset="-122"/>
+                        </a:rPr>
+                        <a:t>地面保障设备</a:t>
+                      </a:r>
+                      <a:endParaRPr lang="zh-CN" altLang="en-US" dirty="0">
+                        <a:latin typeface="Noto Sans S Chinese Light" panose="020B0300000000000000" pitchFamily="34" charset="-122"/>
+                        <a:ea typeface="Noto Sans S Chinese Light" panose="020B0300000000000000" pitchFamily="34" charset="-122"/>
+                      </a:endParaRPr>
+                    </a:p>
+                  </a:txBody>
+                  <a:tcPr/>
+                </a:tc>
+                <a:tc>
+                  <a:txBody>
+                    <a:bodyPr/>
+                    <a:lstStyle/>
+                    <a:p>
+                      <a:pPr algn="l"/>
+                      <a:r>
+                        <a:rPr lang="en-US" altLang="zh-CN" dirty="0" smtClean="0">
+                          <a:latin typeface="Microsoft JhengHei UI Light" panose="020B0304030504040204" pitchFamily="34" charset="-120"/>
+                          <a:ea typeface="Microsoft JhengHei UI Light" panose="020B0304030504040204" pitchFamily="34" charset="-120"/>
+                        </a:rPr>
+                        <a:t>Ground equipment</a:t>
+                      </a:r>
+                      <a:endParaRPr lang="zh-CN" altLang="en-US" dirty="0">
+                        <a:latin typeface="Microsoft JhengHei UI Light" panose="020B0304030504040204" pitchFamily="34" charset="-120"/>
+                        <a:ea typeface="Microsoft JhengHei UI Light" panose="020B0304030504040204" pitchFamily="34" charset="-120"/>
+                      </a:endParaRPr>
+                    </a:p>
+                  </a:txBody>
+                  <a:tcPr/>
+                </a:tc>
+              </a:tr>
+              <a:tr h="468000">
+                <a:tc>
+                  <a:txBody>
+                    <a:bodyPr/>
+                    <a:lstStyle/>
+                    <a:p>
+                      <a:pPr algn="r"/>
+                      <a:r>
+                        <a:rPr lang="zh-CN" altLang="en-US" dirty="0" smtClean="0">
+                          <a:latin typeface="Noto Sans S Chinese Light" panose="020B0300000000000000" pitchFamily="34" charset="-122"/>
+                          <a:ea typeface="Noto Sans S Chinese Light" panose="020B0300000000000000" pitchFamily="34" charset="-122"/>
+                        </a:rPr>
+                        <a:t>牵引杆</a:t>
+                      </a:r>
+                      <a:endParaRPr lang="zh-CN" altLang="en-US" dirty="0">
+                        <a:latin typeface="Noto Sans S Chinese Light" panose="020B0300000000000000" pitchFamily="34" charset="-122"/>
+                        <a:ea typeface="Noto Sans S Chinese Light" panose="020B0300000000000000" pitchFamily="34" charset="-122"/>
+                      </a:endParaRPr>
+                    </a:p>
+                  </a:txBody>
+                  <a:tcPr/>
+                </a:tc>
+                <a:tc>
+                  <a:txBody>
+                    <a:bodyPr/>
+                    <a:lstStyle/>
+                    <a:p>
+                      <a:pPr algn="l"/>
+                      <a:r>
+                        <a:rPr lang="en-US" altLang="zh-CN" dirty="0" smtClean="0">
+                          <a:latin typeface="Microsoft JhengHei UI Light" panose="020B0304030504040204" pitchFamily="34" charset="-120"/>
+                          <a:ea typeface="Microsoft JhengHei UI Light" panose="020B0304030504040204" pitchFamily="34" charset="-120"/>
+                        </a:rPr>
+                        <a:t>Tow bar</a:t>
+                      </a:r>
+                      <a:endParaRPr lang="zh-CN" altLang="en-US" dirty="0">
+                        <a:latin typeface="Microsoft JhengHei UI Light" panose="020B0304030504040204" pitchFamily="34" charset="-120"/>
+                        <a:ea typeface="Microsoft JhengHei UI Light" panose="020B0304030504040204" pitchFamily="34" charset="-120"/>
+                      </a:endParaRPr>
+                    </a:p>
+                  </a:txBody>
+                  <a:tcPr/>
+                </a:tc>
+              </a:tr>
+              <a:tr h="468000">
+                <a:tc>
+                  <a:txBody>
+                    <a:bodyPr/>
+                    <a:lstStyle/>
+                    <a:p>
+                      <a:pPr algn="r"/>
+                      <a:r>
+                        <a:rPr lang="zh-CN" altLang="en-US" dirty="0" smtClean="0">
+                          <a:latin typeface="Noto Sans S Chinese Light" panose="020B0300000000000000" pitchFamily="34" charset="-122"/>
+                          <a:ea typeface="Noto Sans S Chinese Light" panose="020B0300000000000000" pitchFamily="34" charset="-122"/>
+                        </a:rPr>
+                        <a:t>牵引车</a:t>
+                      </a:r>
+                      <a:endParaRPr lang="zh-CN" altLang="en-US" dirty="0">
+                        <a:latin typeface="Noto Sans S Chinese Light" panose="020B0300000000000000" pitchFamily="34" charset="-122"/>
+                        <a:ea typeface="Noto Sans S Chinese Light" panose="020B0300000000000000" pitchFamily="34" charset="-122"/>
+                      </a:endParaRPr>
+                    </a:p>
+                  </a:txBody>
+                  <a:tcPr/>
+                </a:tc>
+                <a:tc>
+                  <a:txBody>
+                    <a:bodyPr/>
+                    <a:lstStyle/>
+                    <a:p>
+                      <a:pPr algn="l"/>
+                      <a:r>
+                        <a:rPr lang="en-US" altLang="zh-CN" dirty="0" smtClean="0">
+                          <a:latin typeface="Microsoft JhengHei UI Light" panose="020B0304030504040204" pitchFamily="34" charset="-120"/>
+                          <a:ea typeface="Microsoft JhengHei UI Light" panose="020B0304030504040204" pitchFamily="34" charset="-120"/>
+                        </a:rPr>
+                        <a:t>Towing</a:t>
+                      </a:r>
+                      <a:r>
+                        <a:rPr lang="en-US" altLang="zh-CN" baseline="0" dirty="0" smtClean="0">
+                          <a:latin typeface="Microsoft JhengHei UI Light" panose="020B0304030504040204" pitchFamily="34" charset="-120"/>
+                          <a:ea typeface="Microsoft JhengHei UI Light" panose="020B0304030504040204" pitchFamily="34" charset="-120"/>
+                        </a:rPr>
+                        <a:t> </a:t>
+                      </a:r>
+                      <a:r>
+                        <a:rPr lang="en-US" altLang="zh-CN" baseline="0" dirty="0" smtClean="0">
+                          <a:latin typeface="Microsoft JhengHei UI Light" panose="020B0304030504040204" pitchFamily="34" charset="-120"/>
+                          <a:ea typeface="Microsoft JhengHei UI Light" panose="020B0304030504040204" pitchFamily="34" charset="-120"/>
+                        </a:rPr>
+                        <a:t>tractor</a:t>
+                      </a:r>
+                      <a:endParaRPr lang="zh-CN" altLang="en-US" dirty="0">
+                        <a:latin typeface="Microsoft JhengHei UI Light" panose="020B0304030504040204" pitchFamily="34" charset="-120"/>
+                        <a:ea typeface="Microsoft JhengHei UI Light" panose="020B0304030504040204" pitchFamily="34" charset="-120"/>
+                      </a:endParaRPr>
+                    </a:p>
+                  </a:txBody>
+                  <a:tcPr/>
+                </a:tc>
+              </a:tr>
+              <a:tr h="468000">
+                <a:tc>
+                  <a:txBody>
+                    <a:bodyPr/>
+                    <a:lstStyle/>
+                    <a:p>
+                      <a:pPr algn="r"/>
+                      <a:r>
+                        <a:rPr lang="zh-CN" altLang="en-US" dirty="0" smtClean="0">
+                          <a:latin typeface="Noto Sans S Chinese Light" panose="020B0300000000000000" pitchFamily="34" charset="-122"/>
+                          <a:ea typeface="Noto Sans S Chinese Light" panose="020B0300000000000000" pitchFamily="34" charset="-122"/>
+                        </a:rPr>
+                        <a:t>无杆牵引车</a:t>
+                      </a:r>
+                      <a:endParaRPr lang="zh-CN" altLang="en-US" dirty="0">
+                        <a:latin typeface="Noto Sans S Chinese Light" panose="020B0300000000000000" pitchFamily="34" charset="-122"/>
+                        <a:ea typeface="Noto Sans S Chinese Light" panose="020B0300000000000000" pitchFamily="34" charset="-122"/>
+                      </a:endParaRPr>
+                    </a:p>
+                  </a:txBody>
+                  <a:tcPr/>
+                </a:tc>
+                <a:tc>
+                  <a:txBody>
+                    <a:bodyPr/>
+                    <a:lstStyle/>
+                    <a:p>
+                      <a:pPr algn="l"/>
+                      <a:r>
+                        <a:rPr lang="en-US" altLang="zh-CN" dirty="0" err="1" smtClean="0">
+                          <a:latin typeface="Microsoft JhengHei UI Light" panose="020B0304030504040204" pitchFamily="34" charset="-120"/>
+                          <a:ea typeface="Microsoft JhengHei UI Light" panose="020B0304030504040204" pitchFamily="34" charset="-120"/>
+                        </a:rPr>
+                        <a:t>Toebarless</a:t>
+                      </a:r>
+                      <a:r>
+                        <a:rPr lang="en-US" altLang="zh-CN" baseline="0" dirty="0" smtClean="0">
+                          <a:latin typeface="Microsoft JhengHei UI Light" panose="020B0304030504040204" pitchFamily="34" charset="-120"/>
+                          <a:ea typeface="Microsoft JhengHei UI Light" panose="020B0304030504040204" pitchFamily="34" charset="-120"/>
+                        </a:rPr>
+                        <a:t> tractor</a:t>
+                      </a:r>
+                      <a:endParaRPr lang="zh-CN" altLang="en-US" dirty="0">
+                        <a:latin typeface="Microsoft JhengHei UI Light" panose="020B0304030504040204" pitchFamily="34" charset="-120"/>
+                        <a:ea typeface="Microsoft JhengHei UI Light" panose="020B0304030504040204" pitchFamily="34" charset="-120"/>
+                      </a:endParaRPr>
+                    </a:p>
+                  </a:txBody>
+                  <a:tcPr/>
+                </a:tc>
+              </a:tr>
+              <a:tr h="468000">
+                <a:tc>
+                  <a:txBody>
+                    <a:bodyPr/>
+                    <a:lstStyle/>
+                    <a:p>
+                      <a:pPr algn="r"/>
+                      <a:r>
+                        <a:rPr lang="zh-CN" altLang="en-US" dirty="0" smtClean="0">
+                          <a:latin typeface="Noto Sans S Chinese Light" panose="020B0300000000000000" pitchFamily="34" charset="-122"/>
+                          <a:ea typeface="Noto Sans S Chinese Light" panose="020B0300000000000000" pitchFamily="34" charset="-122"/>
+                        </a:rPr>
+                        <a:t>电源车</a:t>
+                      </a:r>
+                      <a:endParaRPr lang="zh-CN" altLang="en-US" dirty="0">
+                        <a:latin typeface="Noto Sans S Chinese Light" panose="020B0300000000000000" pitchFamily="34" charset="-122"/>
+                        <a:ea typeface="Noto Sans S Chinese Light" panose="020B0300000000000000" pitchFamily="34" charset="-122"/>
+                      </a:endParaRPr>
+                    </a:p>
+                  </a:txBody>
+                  <a:tcPr/>
+                </a:tc>
+                <a:tc>
+                  <a:txBody>
+                    <a:bodyPr/>
+                    <a:lstStyle/>
+                    <a:p>
+                      <a:pPr algn="l"/>
+                      <a:r>
+                        <a:rPr lang="en-US" altLang="zh-CN" dirty="0" smtClean="0">
+                          <a:latin typeface="Microsoft JhengHei UI Light" panose="020B0304030504040204" pitchFamily="34" charset="-120"/>
+                          <a:ea typeface="Microsoft JhengHei UI Light" panose="020B0304030504040204" pitchFamily="34" charset="-120"/>
+                        </a:rPr>
+                        <a:t>Electrical</a:t>
+                      </a:r>
+                      <a:r>
+                        <a:rPr lang="en-US" altLang="zh-CN" baseline="0" dirty="0" smtClean="0">
+                          <a:latin typeface="Microsoft JhengHei UI Light" panose="020B0304030504040204" pitchFamily="34" charset="-120"/>
+                          <a:ea typeface="Microsoft JhengHei UI Light" panose="020B0304030504040204" pitchFamily="34" charset="-120"/>
+                        </a:rPr>
+                        <a:t> power unit</a:t>
+                      </a:r>
+                      <a:endParaRPr lang="zh-CN" altLang="en-US" dirty="0">
+                        <a:latin typeface="Microsoft JhengHei UI Light" panose="020B0304030504040204" pitchFamily="34" charset="-120"/>
+                        <a:ea typeface="Microsoft JhengHei UI Light" panose="020B0304030504040204" pitchFamily="34" charset="-120"/>
+                      </a:endParaRPr>
+                    </a:p>
+                  </a:txBody>
+                  <a:tcPr/>
+                </a:tc>
+              </a:tr>
+              <a:tr h="468000">
+                <a:tc>
+                  <a:txBody>
+                    <a:bodyPr/>
+                    <a:lstStyle/>
+                    <a:p>
+                      <a:pPr algn="r"/>
+                      <a:r>
+                        <a:rPr lang="zh-CN" altLang="en-US" dirty="0" smtClean="0">
+                          <a:latin typeface="Noto Sans S Chinese Light" panose="020B0300000000000000" pitchFamily="34" charset="-122"/>
+                          <a:ea typeface="Noto Sans S Chinese Light" panose="020B0300000000000000" pitchFamily="34" charset="-122"/>
+                        </a:rPr>
+                        <a:t>冷汽车</a:t>
+                      </a:r>
+                      <a:endParaRPr lang="zh-CN" altLang="en-US" dirty="0">
+                        <a:latin typeface="Noto Sans S Chinese Light" panose="020B0300000000000000" pitchFamily="34" charset="-122"/>
+                        <a:ea typeface="Noto Sans S Chinese Light" panose="020B0300000000000000" pitchFamily="34" charset="-122"/>
+                      </a:endParaRPr>
+                    </a:p>
+                  </a:txBody>
+                  <a:tcPr/>
+                </a:tc>
+                <a:tc>
+                  <a:txBody>
+                    <a:bodyPr/>
+                    <a:lstStyle/>
+                    <a:p>
+                      <a:pPr algn="l"/>
+                      <a:r>
+                        <a:rPr lang="en-US" altLang="zh-CN" dirty="0" smtClean="0">
+                          <a:latin typeface="Microsoft JhengHei UI Light" panose="020B0304030504040204" pitchFamily="34" charset="-120"/>
+                          <a:ea typeface="Microsoft JhengHei UI Light" panose="020B0304030504040204" pitchFamily="34" charset="-120"/>
+                        </a:rPr>
+                        <a:t>Aerial</a:t>
+                      </a:r>
+                      <a:r>
+                        <a:rPr lang="en-US" altLang="zh-CN" baseline="0" dirty="0" smtClean="0">
+                          <a:latin typeface="Microsoft JhengHei UI Light" panose="020B0304030504040204" pitchFamily="34" charset="-120"/>
+                          <a:ea typeface="Microsoft JhengHei UI Light" panose="020B0304030504040204" pitchFamily="34" charset="-120"/>
+                        </a:rPr>
+                        <a:t> nitrogen vehicle</a:t>
+                      </a:r>
+                      <a:endParaRPr lang="zh-CN" altLang="en-US" dirty="0">
+                        <a:latin typeface="Microsoft JhengHei UI Light" panose="020B0304030504040204" pitchFamily="34" charset="-120"/>
+                        <a:ea typeface="Microsoft JhengHei UI Light" panose="020B0304030504040204" pitchFamily="34" charset="-120"/>
+                      </a:endParaRPr>
+                    </a:p>
+                  </a:txBody>
+                  <a:tcPr/>
+                </a:tc>
+              </a:tr>
+              <a:tr h="468000">
+                <a:tc>
+                  <a:txBody>
+                    <a:bodyPr/>
+                    <a:lstStyle/>
+                    <a:p>
+                      <a:pPr algn="r"/>
+                      <a:r>
+                        <a:rPr lang="zh-CN" altLang="en-US" dirty="0" smtClean="0">
+                          <a:latin typeface="Noto Sans S Chinese Light" panose="020B0300000000000000" pitchFamily="34" charset="-122"/>
+                          <a:ea typeface="Noto Sans S Chinese Light" panose="020B0300000000000000" pitchFamily="34" charset="-122"/>
+                        </a:rPr>
+                        <a:t>氧气车</a:t>
+                      </a:r>
+                      <a:endParaRPr lang="zh-CN" altLang="en-US" dirty="0">
+                        <a:latin typeface="Noto Sans S Chinese Light" panose="020B0300000000000000" pitchFamily="34" charset="-122"/>
+                        <a:ea typeface="Noto Sans S Chinese Light" panose="020B0300000000000000" pitchFamily="34" charset="-122"/>
+                      </a:endParaRPr>
+                    </a:p>
+                  </a:txBody>
+                  <a:tcPr/>
+                </a:tc>
+                <a:tc>
+                  <a:txBody>
+                    <a:bodyPr/>
+                    <a:lstStyle/>
+                    <a:p>
+                      <a:pPr algn="l"/>
+                      <a:r>
+                        <a:rPr lang="en-US" altLang="zh-CN" dirty="0" smtClean="0">
+                          <a:latin typeface="Microsoft JhengHei UI Light" panose="020B0304030504040204" pitchFamily="34" charset="-120"/>
+                          <a:ea typeface="Microsoft JhengHei UI Light" panose="020B0304030504040204" pitchFamily="34" charset="-120"/>
+                        </a:rPr>
+                        <a:t>Aerial</a:t>
+                      </a:r>
+                      <a:r>
+                        <a:rPr lang="en-US" altLang="zh-CN" baseline="0" dirty="0" smtClean="0">
+                          <a:latin typeface="Microsoft JhengHei UI Light" panose="020B0304030504040204" pitchFamily="34" charset="-120"/>
+                          <a:ea typeface="Microsoft JhengHei UI Light" panose="020B0304030504040204" pitchFamily="34" charset="-120"/>
+                        </a:rPr>
+                        <a:t> oxygen vehicle</a:t>
+                      </a:r>
+                      <a:endParaRPr lang="zh-CN" altLang="en-US" dirty="0">
+                        <a:latin typeface="Microsoft JhengHei UI Light" panose="020B0304030504040204" pitchFamily="34" charset="-120"/>
+                        <a:ea typeface="Microsoft JhengHei UI Light" panose="020B0304030504040204" pitchFamily="34" charset="-120"/>
+                      </a:endParaRPr>
+                    </a:p>
+                  </a:txBody>
+                  <a:tcPr/>
+                </a:tc>
+              </a:tr>
+              <a:tr h="468000">
+                <a:tc>
+                  <a:txBody>
+                    <a:bodyPr/>
+                    <a:lstStyle/>
+                    <a:p>
+                      <a:pPr algn="r"/>
+                      <a:r>
+                        <a:rPr lang="zh-CN" altLang="en-US" dirty="0" smtClean="0">
+                          <a:latin typeface="Noto Sans S Chinese Light" panose="020B0300000000000000" pitchFamily="34" charset="-122"/>
+                          <a:ea typeface="Noto Sans S Chinese Light" panose="020B0300000000000000" pitchFamily="34" charset="-122"/>
+                        </a:rPr>
+                        <a:t>加油车</a:t>
+                      </a:r>
+                      <a:endParaRPr lang="zh-CN" altLang="en-US" dirty="0">
+                        <a:latin typeface="Noto Sans S Chinese Light" panose="020B0300000000000000" pitchFamily="34" charset="-122"/>
+                        <a:ea typeface="Noto Sans S Chinese Light" panose="020B0300000000000000" pitchFamily="34" charset="-122"/>
+                      </a:endParaRPr>
+                    </a:p>
+                  </a:txBody>
+                  <a:tcPr/>
+                </a:tc>
+                <a:tc>
+                  <a:txBody>
+                    <a:bodyPr/>
+                    <a:lstStyle/>
+                    <a:p>
+                      <a:pPr algn="l"/>
+                      <a:r>
+                        <a:rPr lang="en-US" altLang="zh-CN" dirty="0" smtClean="0">
+                          <a:latin typeface="Microsoft JhengHei UI Light" panose="020B0304030504040204" pitchFamily="34" charset="-120"/>
+                          <a:ea typeface="Microsoft JhengHei UI Light" panose="020B0304030504040204" pitchFamily="34" charset="-120"/>
+                        </a:rPr>
+                        <a:t>Fuel</a:t>
+                      </a:r>
+                      <a:r>
+                        <a:rPr lang="en-US" altLang="zh-CN" baseline="0" dirty="0" smtClean="0">
+                          <a:latin typeface="Microsoft JhengHei UI Light" panose="020B0304030504040204" pitchFamily="34" charset="-120"/>
+                          <a:ea typeface="Microsoft JhengHei UI Light" panose="020B0304030504040204" pitchFamily="34" charset="-120"/>
+                        </a:rPr>
+                        <a:t> refueling vehicle</a:t>
+                      </a:r>
+                      <a:endParaRPr lang="zh-CN" altLang="en-US" dirty="0">
+                        <a:latin typeface="Microsoft JhengHei UI Light" panose="020B0304030504040204" pitchFamily="34" charset="-120"/>
+                        <a:ea typeface="Microsoft JhengHei UI Light" panose="020B0304030504040204" pitchFamily="34" charset="-120"/>
+                      </a:endParaRPr>
+                    </a:p>
+                  </a:txBody>
+                  <a:tcPr/>
+                </a:tc>
+              </a:tr>
+              <a:tr h="468000">
+                <a:tc>
+                  <a:txBody>
+                    <a:bodyPr/>
+                    <a:lstStyle/>
+                    <a:p>
+                      <a:pPr algn="r"/>
+                      <a:r>
+                        <a:rPr lang="zh-CN" altLang="en-US" dirty="0" smtClean="0">
+                          <a:latin typeface="Noto Sans S Chinese Light" panose="020B0300000000000000" pitchFamily="34" charset="-122"/>
+                          <a:ea typeface="Noto Sans S Chinese Light" panose="020B0300000000000000" pitchFamily="34" charset="-122"/>
+                        </a:rPr>
+                        <a:t>空调车</a:t>
+                      </a:r>
+                      <a:endParaRPr lang="zh-CN" altLang="en-US" dirty="0">
+                        <a:latin typeface="Noto Sans S Chinese Light" panose="020B0300000000000000" pitchFamily="34" charset="-122"/>
+                        <a:ea typeface="Noto Sans S Chinese Light" panose="020B0300000000000000" pitchFamily="34" charset="-122"/>
+                      </a:endParaRPr>
+                    </a:p>
+                  </a:txBody>
+                  <a:tcPr/>
+                </a:tc>
+                <a:tc>
+                  <a:txBody>
+                    <a:bodyPr/>
+                    <a:lstStyle/>
+                    <a:p>
+                      <a:pPr algn="l"/>
+                      <a:r>
+                        <a:rPr lang="en-US" altLang="zh-CN" dirty="0" smtClean="0">
+                          <a:latin typeface="Microsoft JhengHei UI Light" panose="020B0304030504040204" pitchFamily="34" charset="-120"/>
+                          <a:ea typeface="Microsoft JhengHei UI Light" panose="020B0304030504040204" pitchFamily="34" charset="-120"/>
+                        </a:rPr>
+                        <a:t>Ground</a:t>
+                      </a:r>
+                      <a:r>
+                        <a:rPr lang="en-US" altLang="zh-CN" baseline="0" dirty="0" smtClean="0">
+                          <a:latin typeface="Microsoft JhengHei UI Light" panose="020B0304030504040204" pitchFamily="34" charset="-120"/>
+                          <a:ea typeface="Microsoft JhengHei UI Light" panose="020B0304030504040204" pitchFamily="34" charset="-120"/>
+                        </a:rPr>
+                        <a:t> air </a:t>
+                      </a:r>
+                      <a:r>
+                        <a:rPr lang="en-US" altLang="zh-CN" baseline="0" dirty="0" smtClean="0">
+                          <a:latin typeface="Microsoft JhengHei UI Light" panose="020B0304030504040204" pitchFamily="34" charset="-120"/>
+                          <a:ea typeface="Microsoft JhengHei UI Light" panose="020B0304030504040204" pitchFamily="34" charset="-120"/>
+                        </a:rPr>
+                        <a:t>conditioner vehicle</a:t>
+                      </a:r>
+                      <a:endParaRPr lang="zh-CN" altLang="en-US" dirty="0">
+                        <a:latin typeface="Microsoft JhengHei UI Light" panose="020B0304030504040204" pitchFamily="34" charset="-120"/>
+                        <a:ea typeface="Microsoft JhengHei UI Light" panose="020B0304030504040204" pitchFamily="34" charset="-120"/>
+                      </a:endParaRPr>
+                    </a:p>
+                  </a:txBody>
+                  <a:tcPr/>
+                </a:tc>
+              </a:tr>
+            </a:tbl>
+          </a:graphicData>
+        </a:graphic>
+      </p:graphicFrame>
+      <p:sp>
+        <p:nvSpPr>
+          <p:cNvPr id="4" name="文本框 3"/>
+          <p:cNvSpPr txBox="1"/>
+          <p:nvPr/>
+        </p:nvSpPr>
+        <p:spPr>
+          <a:xfrm>
+            <a:off x="853440" y="409806"/>
+            <a:ext cx="1798320" cy="523220"/>
+          </a:xfrm>
+          <a:prstGeom prst="rect">
+            <a:avLst/>
+          </a:prstGeom>
+          <a:noFill/>
+        </p:spPr>
+        <p:txBody>
+          <a:bodyPr wrap="square" rtlCol="0">
+            <a:spAutoFit/>
+          </a:bodyPr>
+          <a:lstStyle/>
+          <a:p>
+            <a:r>
+              <a:rPr lang="zh-CN" altLang="en-US" sz="2800" dirty="0">
+                <a:latin typeface="Noto Sans S Chinese Light" panose="020B0300000000000000" pitchFamily="34" charset="-122"/>
+                <a:ea typeface="Noto Sans S Chinese Light" panose="020B0300000000000000" pitchFamily="34" charset="-122"/>
+              </a:rPr>
+              <a:t>总结</a:t>
+            </a:r>
+          </a:p>
+        </p:txBody>
+      </p:sp>
+    </p:spTree>
+    <p:extLst>
+      <p:ext uri="{BB962C8B-B14F-4D97-AF65-F5344CB8AC3E}">
+        <p14:creationId xmlns:p14="http://schemas.microsoft.com/office/powerpoint/2010/main" val="926136541"/>
+      </p:ext>
+    </p:extLst>
+  </p:cSld>
+  <p:clrMapOvr>
+    <a:masterClrMapping/>
+  </p:clrMapOvr>
+  <p:timing>
+    <p:tnLst>
+      <p:par>
+        <p:cTn id="1" dur="indefinite" restart="never" nodeType="tmRoot"/>
+      </p:par>
+    </p:tnLst>
+  </p:timing>
+</p:sld>
+</file>
+
+<file path=ppt/slides/slide15.xml><?xml version="1.0" encoding="utf-8"?>
 <p:sld xmlns:a="http://schemas.openxmlformats.org/drawingml/2006/main" xmlns:r="http://schemas.openxmlformats.org/officeDocument/2006/relationships" xmlns:p="http://schemas.openxmlformats.org/presentationml/2006/main">
   <p:cSld>
     <p:spTree>
@@ -5845,7 +10688,7 @@
 </p:sld>
 </file>
 
-<file path=ppt/slides/slide13.xml><?xml version="1.0" encoding="utf-8"?>
+<file path=ppt/slides/slide16.xml><?xml version="1.0" encoding="utf-8"?>
 <p:sld xmlns:a="http://schemas.openxmlformats.org/drawingml/2006/main" xmlns:r="http://schemas.openxmlformats.org/officeDocument/2006/relationships" xmlns:p="http://schemas.openxmlformats.org/presentationml/2006/main">
   <p:cSld>
     <p:spTree>
@@ -5945,6 +10788,604 @@
         </p:nvSpPr>
         <p:spPr>
           <a:xfrm>
+            <a:off x="3764280" y="1493520"/>
+            <a:ext cx="4343400" cy="923330"/>
+          </a:xfrm>
+          <a:prstGeom prst="rect">
+            <a:avLst/>
+          </a:prstGeom>
+          <a:noFill/>
+        </p:spPr>
+        <p:txBody>
+          <a:bodyPr wrap="square" rtlCol="0">
+            <a:spAutoFit/>
+          </a:bodyPr>
+          <a:lstStyle/>
+          <a:p>
+            <a:pPr algn="ctr"/>
+            <a:r>
+              <a:rPr lang="zh-CN" altLang="en-US" sz="5400" dirty="0" smtClean="0">
+                <a:latin typeface="Noto Sans S Chinese Light" panose="020B0300000000000000" pitchFamily="34" charset="-122"/>
+                <a:ea typeface="Noto Sans S Chinese Light" panose="020B0300000000000000" pitchFamily="34" charset="-122"/>
+              </a:rPr>
+              <a:t>机     场</a:t>
+            </a:r>
+            <a:endParaRPr lang="zh-CN" altLang="en-US" sz="5400" dirty="0">
+              <a:latin typeface="Noto Sans S Chinese Light" panose="020B0300000000000000" pitchFamily="34" charset="-122"/>
+              <a:ea typeface="Noto Sans S Chinese Light" panose="020B0300000000000000" pitchFamily="34" charset="-122"/>
+            </a:endParaRPr>
+          </a:p>
+        </p:txBody>
+      </p:sp>
+      <p:sp>
+        <p:nvSpPr>
+          <p:cNvPr id="3" name="文本框 2"/>
+          <p:cNvSpPr txBox="1"/>
+          <p:nvPr/>
+        </p:nvSpPr>
+        <p:spPr>
+          <a:xfrm>
+            <a:off x="3764280" y="3810000"/>
+            <a:ext cx="4343400" cy="1015663"/>
+          </a:xfrm>
+          <a:prstGeom prst="rect">
+            <a:avLst/>
+          </a:prstGeom>
+          <a:noFill/>
+        </p:spPr>
+        <p:txBody>
+          <a:bodyPr wrap="square" rtlCol="0">
+            <a:spAutoFit/>
+          </a:bodyPr>
+          <a:lstStyle/>
+          <a:p>
+            <a:pPr algn="ctr"/>
+            <a:r>
+              <a:rPr lang="en-US" altLang="zh-CN" sz="6000" dirty="0">
+                <a:latin typeface="Microsoft JhengHei UI Light" panose="020B0304030504040204" pitchFamily="34" charset="-120"/>
+                <a:ea typeface="Microsoft JhengHei UI Light" panose="020B0304030504040204" pitchFamily="34" charset="-120"/>
+              </a:rPr>
+              <a:t>A</a:t>
+            </a:r>
+            <a:r>
+              <a:rPr lang="en-US" altLang="zh-CN" sz="6000" dirty="0" smtClean="0">
+                <a:latin typeface="Microsoft JhengHei UI Light" panose="020B0304030504040204" pitchFamily="34" charset="-120"/>
+                <a:ea typeface="Microsoft JhengHei UI Light" panose="020B0304030504040204" pitchFamily="34" charset="-120"/>
+              </a:rPr>
+              <a:t>irport</a:t>
+            </a:r>
+            <a:endParaRPr lang="zh-CN" altLang="en-US" sz="6000" dirty="0">
+              <a:latin typeface="Microsoft JhengHei UI Light" panose="020B0304030504040204" pitchFamily="34" charset="-120"/>
+              <a:ea typeface="Microsoft JhengHei UI Light" panose="020B0304030504040204" pitchFamily="34" charset="-120"/>
+            </a:endParaRPr>
+          </a:p>
+        </p:txBody>
+      </p:sp>
+      <p:sp>
+        <p:nvSpPr>
+          <p:cNvPr id="2" name="圆角矩形 1"/>
+          <p:cNvSpPr/>
+          <p:nvPr/>
+        </p:nvSpPr>
+        <p:spPr>
+          <a:xfrm>
+            <a:off x="7802880" y="2182833"/>
+            <a:ext cx="3703320" cy="1911310"/>
+          </a:xfrm>
+          <a:prstGeom prst="roundRect">
+            <a:avLst/>
+          </a:prstGeom>
+          <a:solidFill>
+            <a:schemeClr val="tx1">
+              <a:lumMod val="95000"/>
+              <a:lumOff val="5000"/>
+            </a:schemeClr>
+          </a:solidFill>
+        </p:spPr>
+        <p:style>
+          <a:lnRef idx="2">
+            <a:schemeClr val="dk1">
+              <a:shade val="50000"/>
+            </a:schemeClr>
+          </a:lnRef>
+          <a:fillRef idx="1">
+            <a:schemeClr val="dk1"/>
+          </a:fillRef>
+          <a:effectRef idx="0">
+            <a:schemeClr val="dk1"/>
+          </a:effectRef>
+          <a:fontRef idx="minor">
+            <a:schemeClr val="lt1"/>
+          </a:fontRef>
+        </p:style>
+        <p:txBody>
+          <a:bodyPr rtlCol="0" anchor="ctr"/>
+          <a:lstStyle/>
+          <a:p>
+            <a:pPr>
+              <a:lnSpc>
+                <a:spcPct val="150000"/>
+              </a:lnSpc>
+            </a:pPr>
+            <a:r>
+              <a:rPr lang="zh-CN" altLang="en-US" sz="2800" dirty="0" smtClean="0">
+                <a:ln>
+                  <a:solidFill>
+                    <a:schemeClr val="bg1"/>
+                  </a:solidFill>
+                </a:ln>
+                <a:solidFill>
+                  <a:schemeClr val="bg1"/>
+                </a:solidFill>
+                <a:latin typeface="Noto Sans S Chinese Light" panose="020B0300000000000000" pitchFamily="34" charset="-122"/>
+                <a:ea typeface="Noto Sans S Chinese Light" panose="020B0300000000000000" pitchFamily="34" charset="-122"/>
+              </a:rPr>
+              <a:t>音标</a:t>
+            </a:r>
+            <a:r>
+              <a:rPr lang="zh-CN" altLang="en-US" sz="2800" dirty="0" smtClean="0">
+                <a:ln>
+                  <a:solidFill>
+                    <a:schemeClr val="bg1"/>
+                  </a:solidFill>
+                </a:ln>
+                <a:solidFill>
+                  <a:schemeClr val="bg1"/>
+                </a:solidFill>
+                <a:latin typeface="Microsoft JhengHei UI Light" panose="020B0304030504040204" pitchFamily="34" charset="-120"/>
+                <a:ea typeface="Microsoft JhengHei UI Light" panose="020B0304030504040204" pitchFamily="34" charset="-120"/>
+              </a:rPr>
+              <a:t> </a:t>
+            </a:r>
+            <a:r>
+              <a:rPr lang="en-US" altLang="zh-CN" sz="2800" dirty="0" smtClean="0">
+                <a:ln>
+                  <a:solidFill>
+                    <a:schemeClr val="bg1"/>
+                  </a:solidFill>
+                </a:ln>
+                <a:solidFill>
+                  <a:schemeClr val="bg1"/>
+                </a:solidFill>
+                <a:latin typeface="Microsoft JhengHei UI Light" panose="020B0304030504040204" pitchFamily="34" charset="-120"/>
+                <a:ea typeface="Microsoft JhengHei UI Light" panose="020B0304030504040204" pitchFamily="34" charset="-120"/>
+              </a:rPr>
+              <a:t>[</a:t>
+            </a:r>
+            <a:r>
+              <a:rPr lang="en-US" altLang="zh-CN" sz="2800" dirty="0">
+                <a:ln>
+                  <a:solidFill>
+                    <a:schemeClr val="bg1"/>
+                  </a:solidFill>
+                </a:ln>
+                <a:solidFill>
+                  <a:schemeClr val="bg1"/>
+                </a:solidFill>
+                <a:latin typeface="Microsoft JhengHei UI Light" panose="020B0304030504040204" pitchFamily="34" charset="-120"/>
+                <a:ea typeface="Microsoft JhengHei UI Light" panose="020B0304030504040204" pitchFamily="34" charset="-120"/>
+              </a:rPr>
+              <a:t>'</a:t>
+            </a:r>
+            <a:r>
+              <a:rPr lang="en-US" altLang="zh-CN" sz="2800" dirty="0" err="1">
+                <a:ln>
+                  <a:solidFill>
+                    <a:schemeClr val="bg1"/>
+                  </a:solidFill>
+                </a:ln>
+                <a:solidFill>
+                  <a:schemeClr val="bg1"/>
+                </a:solidFill>
+                <a:latin typeface="Microsoft JhengHei UI Light" panose="020B0304030504040204" pitchFamily="34" charset="-120"/>
+                <a:ea typeface="Microsoft JhengHei UI Light" panose="020B0304030504040204" pitchFamily="34" charset="-120"/>
+              </a:rPr>
+              <a:t>ɛrpɔrt</a:t>
+            </a:r>
+            <a:r>
+              <a:rPr lang="en-US" altLang="zh-CN" sz="2800" dirty="0" smtClean="0">
+                <a:ln>
+                  <a:solidFill>
+                    <a:schemeClr val="bg1"/>
+                  </a:solidFill>
+                </a:ln>
+                <a:solidFill>
+                  <a:schemeClr val="bg1"/>
+                </a:solidFill>
+                <a:latin typeface="Microsoft JhengHei UI Light" panose="020B0304030504040204" pitchFamily="34" charset="-120"/>
+                <a:ea typeface="Microsoft JhengHei UI Light" panose="020B0304030504040204" pitchFamily="34" charset="-120"/>
+              </a:rPr>
+              <a:t>]</a:t>
+            </a:r>
+          </a:p>
+          <a:p>
+            <a:pPr>
+              <a:lnSpc>
+                <a:spcPct val="150000"/>
+              </a:lnSpc>
+            </a:pPr>
+            <a:r>
+              <a:rPr lang="en-US" altLang="zh-CN" sz="2800" dirty="0" smtClean="0">
+                <a:ln>
+                  <a:solidFill>
+                    <a:schemeClr val="bg1"/>
+                  </a:solidFill>
+                </a:ln>
+                <a:solidFill>
+                  <a:schemeClr val="bg1"/>
+                </a:solidFill>
+                <a:latin typeface="Microsoft JhengHei UI Light" panose="020B0304030504040204" pitchFamily="34" charset="-120"/>
+                <a:ea typeface="Microsoft JhengHei UI Light" panose="020B0304030504040204" pitchFamily="34" charset="-120"/>
+              </a:rPr>
+              <a:t>n. </a:t>
+            </a:r>
+            <a:r>
+              <a:rPr lang="zh-CN" altLang="en-US" sz="2800" dirty="0" smtClean="0">
+                <a:ln>
+                  <a:solidFill>
+                    <a:schemeClr val="bg1"/>
+                  </a:solidFill>
+                </a:ln>
+                <a:solidFill>
+                  <a:schemeClr val="bg1"/>
+                </a:solidFill>
+                <a:latin typeface="Noto Sans S Chinese Thin" panose="020B0200000000000000" pitchFamily="34" charset="-122"/>
+                <a:ea typeface="Noto Sans S Chinese Thin" panose="020B0200000000000000" pitchFamily="34" charset="-122"/>
+              </a:rPr>
+              <a:t>机场  航空站</a:t>
+            </a:r>
+            <a:endParaRPr lang="zh-CN" altLang="en-US" sz="2800" dirty="0">
+              <a:ln>
+                <a:solidFill>
+                  <a:schemeClr val="bg1"/>
+                </a:solidFill>
+              </a:ln>
+              <a:solidFill>
+                <a:schemeClr val="bg1"/>
+              </a:solidFill>
+              <a:latin typeface="Noto Sans S Chinese Thin" panose="020B0200000000000000" pitchFamily="34" charset="-122"/>
+              <a:ea typeface="Noto Sans S Chinese Thin" panose="020B0200000000000000" pitchFamily="34" charset="-122"/>
+            </a:endParaRPr>
+          </a:p>
+        </p:txBody>
+      </p:sp>
+      <p:cxnSp>
+        <p:nvCxnSpPr>
+          <p:cNvPr id="6" name="直接连接符 5"/>
+          <p:cNvCxnSpPr/>
+          <p:nvPr/>
+        </p:nvCxnSpPr>
+        <p:spPr>
+          <a:xfrm>
+            <a:off x="4663440" y="4825663"/>
+            <a:ext cx="2529840" cy="0"/>
+          </a:xfrm>
+          <a:prstGeom prst="line">
+            <a:avLst/>
+          </a:prstGeom>
+          <a:ln w="31750">
+            <a:solidFill>
+              <a:srgbClr val="FF0000"/>
+            </a:solidFill>
+          </a:ln>
+        </p:spPr>
+        <p:style>
+          <a:lnRef idx="1">
+            <a:schemeClr val="accent1"/>
+          </a:lnRef>
+          <a:fillRef idx="0">
+            <a:schemeClr val="accent1"/>
+          </a:fillRef>
+          <a:effectRef idx="0">
+            <a:schemeClr val="accent1"/>
+          </a:effectRef>
+          <a:fontRef idx="minor">
+            <a:schemeClr val="tx1"/>
+          </a:fontRef>
+        </p:style>
+      </p:cxnSp>
+      <p:pic>
+        <p:nvPicPr>
+          <p:cNvPr id="7" name="airport">
+            <a:hlinkClick r:id="" action="ppaction://media"/>
+          </p:cNvPr>
+          <p:cNvPicPr>
+            <a:picLocks noChangeAspect="1"/>
+          </p:cNvPicPr>
+          <p:nvPr>
+            <a:audioFile r:link="rId2"/>
+            <p:extLst>
+              <p:ext uri="{DAA4B4D4-6D71-4841-9C94-3DE7FCFB9230}">
+                <p14:media xmlns:p14="http://schemas.microsoft.com/office/powerpoint/2010/main" r:embed="rId1"/>
+              </p:ext>
+            </p:extLst>
+          </p:nvPr>
+        </p:nvPicPr>
+        <p:blipFill>
+          <a:blip r:embed="rId5"/>
+          <a:stretch>
+            <a:fillRect/>
+          </a:stretch>
+        </p:blipFill>
+        <p:spPr>
+          <a:xfrm>
+            <a:off x="10378440" y="2528888"/>
+            <a:ext cx="609600" cy="609600"/>
+          </a:xfrm>
+          <a:prstGeom prst="rect">
+            <a:avLst/>
+          </a:prstGeom>
+        </p:spPr>
+      </p:pic>
+    </p:spTree>
+    <p:extLst>
+      <p:ext uri="{BB962C8B-B14F-4D97-AF65-F5344CB8AC3E}">
+        <p14:creationId xmlns:p14="http://schemas.microsoft.com/office/powerpoint/2010/main" val="1943761507"/>
+      </p:ext>
+    </p:extLst>
+  </p:cSld>
+  <p:clrMapOvr>
+    <a:masterClrMapping/>
+  </p:clrMapOvr>
+  <p:timing>
+    <p:tnLst>
+      <p:par>
+        <p:cTn id="1" dur="indefinite" restart="never" nodeType="tmRoot">
+          <p:childTnLst>
+            <p:seq concurrent="1" nextAc="seek">
+              <p:cTn id="2" dur="indefinite" nodeType="mainSeq">
+                <p:childTnLst>
+                  <p:par>
+                    <p:cTn id="3" fill="hold">
+                      <p:stCondLst>
+                        <p:cond delay="indefinite"/>
+                      </p:stCondLst>
+                      <p:childTnLst>
+                        <p:par>
+                          <p:cTn id="4" fill="hold">
+                            <p:stCondLst>
+                              <p:cond delay="0"/>
+                            </p:stCondLst>
+                            <p:childTnLst>
+                              <p:par>
+                                <p:cTn id="5" presetID="1" presetClass="entr" presetSubtype="0" fill="hold" grpId="0" nodeType="clickEffect">
+                                  <p:stCondLst>
+                                    <p:cond delay="0"/>
+                                  </p:stCondLst>
+                                  <p:childTnLst>
+                                    <p:set>
+                                      <p:cBhvr>
+                                        <p:cTn id="6" dur="1" fill="hold">
+                                          <p:stCondLst>
+                                            <p:cond delay="0"/>
+                                          </p:stCondLst>
+                                        </p:cTn>
+                                        <p:tgtEl>
+                                          <p:spTgt spid="2"/>
+                                        </p:tgtEl>
+                                        <p:attrNameLst>
+                                          <p:attrName>style.visibility</p:attrName>
+                                        </p:attrNameLst>
+                                      </p:cBhvr>
+                                      <p:to>
+                                        <p:strVal val="visible"/>
+                                      </p:to>
+                                    </p:set>
+                                  </p:childTnLst>
+                                </p:cTn>
+                              </p:par>
+                              <p:par>
+                                <p:cTn id="7" presetID="10" presetClass="entr" presetSubtype="0" fill="hold" nodeType="withEffect">
+                                  <p:stCondLst>
+                                    <p:cond delay="0"/>
+                                  </p:stCondLst>
+                                  <p:childTnLst>
+                                    <p:set>
+                                      <p:cBhvr>
+                                        <p:cTn id="8" dur="1" fill="hold">
+                                          <p:stCondLst>
+                                            <p:cond delay="0"/>
+                                          </p:stCondLst>
+                                        </p:cTn>
+                                        <p:tgtEl>
+                                          <p:spTgt spid="7"/>
+                                        </p:tgtEl>
+                                        <p:attrNameLst>
+                                          <p:attrName>style.visibility</p:attrName>
+                                        </p:attrNameLst>
+                                      </p:cBhvr>
+                                      <p:to>
+                                        <p:strVal val="visible"/>
+                                      </p:to>
+                                    </p:set>
+                                    <p:animEffect transition="in" filter="fade">
+                                      <p:cBhvr>
+                                        <p:cTn id="9" dur="500"/>
+                                        <p:tgtEl>
+                                          <p:spTgt spid="7"/>
+                                        </p:tgtEl>
+                                      </p:cBhvr>
+                                    </p:animEffect>
+                                  </p:childTnLst>
+                                </p:cTn>
+                              </p:par>
+                            </p:childTnLst>
+                          </p:cTn>
+                        </p:par>
+                      </p:childTnLst>
+                    </p:cTn>
+                  </p:par>
+                  <p:par>
+                    <p:cTn id="10" fill="hold">
+                      <p:stCondLst>
+                        <p:cond delay="indefinite"/>
+                      </p:stCondLst>
+                      <p:childTnLst>
+                        <p:par>
+                          <p:cTn id="11" fill="hold">
+                            <p:stCondLst>
+                              <p:cond delay="0"/>
+                            </p:stCondLst>
+                            <p:childTnLst>
+                              <p:par>
+                                <p:cTn id="12" presetID="42" presetClass="entr" presetSubtype="0" fill="hold" nodeType="clickEffect">
+                                  <p:stCondLst>
+                                    <p:cond delay="0"/>
+                                  </p:stCondLst>
+                                  <p:childTnLst>
+                                    <p:set>
+                                      <p:cBhvr>
+                                        <p:cTn id="13" dur="1" fill="hold">
+                                          <p:stCondLst>
+                                            <p:cond delay="0"/>
+                                          </p:stCondLst>
+                                        </p:cTn>
+                                        <p:tgtEl>
+                                          <p:spTgt spid="6"/>
+                                        </p:tgtEl>
+                                        <p:attrNameLst>
+                                          <p:attrName>style.visibility</p:attrName>
+                                        </p:attrNameLst>
+                                      </p:cBhvr>
+                                      <p:to>
+                                        <p:strVal val="visible"/>
+                                      </p:to>
+                                    </p:set>
+                                    <p:animEffect transition="in" filter="fade">
+                                      <p:cBhvr>
+                                        <p:cTn id="14" dur="1000"/>
+                                        <p:tgtEl>
+                                          <p:spTgt spid="6"/>
+                                        </p:tgtEl>
+                                      </p:cBhvr>
+                                    </p:animEffect>
+                                    <p:anim calcmode="lin" valueType="num">
+                                      <p:cBhvr>
+                                        <p:cTn id="15" dur="1000" fill="hold"/>
+                                        <p:tgtEl>
+                                          <p:spTgt spid="6"/>
+                                        </p:tgtEl>
+                                        <p:attrNameLst>
+                                          <p:attrName>ppt_x</p:attrName>
+                                        </p:attrNameLst>
+                                      </p:cBhvr>
+                                      <p:tavLst>
+                                        <p:tav tm="0">
+                                          <p:val>
+                                            <p:strVal val="#ppt_x"/>
+                                          </p:val>
+                                        </p:tav>
+                                        <p:tav tm="100000">
+                                          <p:val>
+                                            <p:strVal val="#ppt_x"/>
+                                          </p:val>
+                                        </p:tav>
+                                      </p:tavLst>
+                                    </p:anim>
+                                    <p:anim calcmode="lin" valueType="num">
+                                      <p:cBhvr>
+                                        <p:cTn id="16" dur="1000" fill="hold"/>
+                                        <p:tgtEl>
+                                          <p:spTgt spid="6"/>
+                                        </p:tgtEl>
+                                        <p:attrNameLst>
+                                          <p:attrName>ppt_y</p:attrName>
+                                        </p:attrNameLst>
+                                      </p:cBhvr>
+                                      <p:tavLst>
+                                        <p:tav tm="0">
+                                          <p:val>
+                                            <p:strVal val="#ppt_y+.1"/>
+                                          </p:val>
+                                        </p:tav>
+                                        <p:tav tm="100000">
+                                          <p:val>
+                                            <p:strVal val="#ppt_y"/>
+                                          </p:val>
+                                        </p:tav>
+                                      </p:tavLst>
+                                    </p:anim>
+                                  </p:childTnLst>
+                                </p:cTn>
+                              </p:par>
+                            </p:childTnLst>
+                          </p:cTn>
+                        </p:par>
+                      </p:childTnLst>
+                    </p:cTn>
+                  </p:par>
+                </p:childTnLst>
+              </p:cTn>
+              <p:prevCondLst>
+                <p:cond evt="onPrev" delay="0">
+                  <p:tgtEl>
+                    <p:sldTgt/>
+                  </p:tgtEl>
+                </p:cond>
+              </p:prevCondLst>
+              <p:nextCondLst>
+                <p:cond evt="onNext" delay="0">
+                  <p:tgtEl>
+                    <p:sldTgt/>
+                  </p:tgtEl>
+                </p:cond>
+              </p:nextCondLst>
+            </p:seq>
+            <p:audio>
+              <p:cMediaNode vol="80000">
+                <p:cTn id="17" fill="hold" display="0">
+                  <p:stCondLst>
+                    <p:cond delay="indefinite"/>
+                  </p:stCondLst>
+                  <p:endCondLst>
+                    <p:cond evt="onStopAudio" delay="0">
+                      <p:tgtEl>
+                        <p:sldTgt/>
+                      </p:tgtEl>
+                    </p:cond>
+                  </p:endCondLst>
+                </p:cTn>
+                <p:tgtEl>
+                  <p:spTgt spid="7"/>
+                </p:tgtEl>
+              </p:cMediaNode>
+            </p:audio>
+          </p:childTnLst>
+        </p:cTn>
+      </p:par>
+    </p:tnLst>
+    <p:bldLst>
+      <p:bldP spid="2" grpId="0" animBg="1"/>
+    </p:bldLst>
+  </p:timing>
+</p:sld>
+</file>
+
+<file path=ppt/slides/slide3.xml><?xml version="1.0" encoding="utf-8"?>
+<p:sld xmlns:a="http://schemas.openxmlformats.org/drawingml/2006/main" xmlns:r="http://schemas.openxmlformats.org/officeDocument/2006/relationships" xmlns:p="http://schemas.openxmlformats.org/presentationml/2006/main">
+  <p:cSld>
+    <p:spTree>
+      <p:nvGrpSpPr>
+        <p:cNvPr id="1" name=""/>
+        <p:cNvGrpSpPr/>
+        <p:nvPr/>
+      </p:nvGrpSpPr>
+      <p:grpSpPr>
+        <a:xfrm>
+          <a:off x="0" y="0"/>
+          <a:ext cx="0" cy="0"/>
+          <a:chOff x="0" y="0"/>
+          <a:chExt cx="0" cy="0"/>
+        </a:xfrm>
+      </p:grpSpPr>
+      <p:sp>
+        <p:nvSpPr>
+          <p:cNvPr id="4" name="文本框 3"/>
+          <p:cNvSpPr txBox="1"/>
+          <p:nvPr/>
+        </p:nvSpPr>
+        <p:spPr>
+          <a:xfrm>
             <a:off x="2042160" y="2072640"/>
             <a:ext cx="9197340" cy="2462213"/>
           </a:xfrm>
@@ -5971,21 +11412,7 @@
                 <a:latin typeface="Noto Sans S Chinese Light" panose="020B0300000000000000" pitchFamily="34" charset="-122"/>
                 <a:ea typeface="Noto Sans S Chinese Light" panose="020B0300000000000000" pitchFamily="34" charset="-122"/>
               </a:rPr>
-              <a:t>飞机场</a:t>
-            </a:r>
-            <a:r>
-              <a:rPr lang="zh-CN" altLang="en-US" sz="2800" dirty="0" smtClean="0">
-                <a:latin typeface="Noto Sans S Chinese Light" panose="020B0300000000000000" pitchFamily="34" charset="-122"/>
-                <a:ea typeface="Noto Sans S Chinese Light" panose="020B0300000000000000" pitchFamily="34" charset="-122"/>
-              </a:rPr>
-              <a:t>的基本要素：跑道、塔台、</a:t>
-            </a:r>
-            <a:r>
-              <a:rPr lang="zh-CN" altLang="en-US" sz="2800" dirty="0" smtClean="0">
-                <a:latin typeface="Noto Sans S Chinese Light" panose="020B0300000000000000" pitchFamily="34" charset="-122"/>
-                <a:ea typeface="Noto Sans S Chinese Light" panose="020B0300000000000000" pitchFamily="34" charset="-122"/>
-              </a:rPr>
-              <a:t>停机坪</a:t>
+              <a:t>飞机场的基本要素：跑道、塔台、停机坪</a:t>
             </a:r>
             <a:r>
               <a:rPr lang="zh-CN" altLang="en-US" sz="2800" dirty="0">
@@ -6601,7 +12028,212 @@
 </p:sld>
 </file>
 
-<file path=ppt/slides/slide3.xml><?xml version="1.0" encoding="utf-8"?>
+<file path=ppt/slides/slide4.xml><?xml version="1.0" encoding="utf-8"?>
+<p:sld xmlns:a="http://schemas.openxmlformats.org/drawingml/2006/main" xmlns:r="http://schemas.openxmlformats.org/officeDocument/2006/relationships" xmlns:p="http://schemas.openxmlformats.org/presentationml/2006/main">
+  <p:cSld>
+    <p:spTree>
+      <p:nvGrpSpPr>
+        <p:cNvPr id="1" name=""/>
+        <p:cNvGrpSpPr/>
+        <p:nvPr/>
+      </p:nvGrpSpPr>
+      <p:grpSpPr>
+        <a:xfrm>
+          <a:off x="0" y="0"/>
+          <a:ext cx="0" cy="0"/>
+          <a:chOff x="0" y="0"/>
+          <a:chExt cx="0" cy="0"/>
+        </a:xfrm>
+      </p:grpSpPr>
+      <p:sp>
+        <p:nvSpPr>
+          <p:cNvPr id="2" name="文本框 1"/>
+          <p:cNvSpPr txBox="1"/>
+          <p:nvPr/>
+        </p:nvSpPr>
+        <p:spPr>
+          <a:xfrm>
+            <a:off x="3147060" y="1299703"/>
+            <a:ext cx="5349240" cy="646331"/>
+          </a:xfrm>
+          <a:prstGeom prst="rect">
+            <a:avLst/>
+          </a:prstGeom>
+          <a:noFill/>
+        </p:spPr>
+        <p:txBody>
+          <a:bodyPr wrap="square" rtlCol="0">
+            <a:spAutoFit/>
+          </a:bodyPr>
+          <a:lstStyle/>
+          <a:p>
+            <a:r>
+              <a:rPr lang="zh-CN" altLang="en-US" sz="3600" dirty="0" smtClean="0">
+                <a:latin typeface="Noto Sans S Chinese Light" panose="020B0300000000000000" pitchFamily="34" charset="-122"/>
+                <a:ea typeface="Noto Sans S Chinese Light" panose="020B0300000000000000" pitchFamily="34" charset="-122"/>
+              </a:rPr>
+              <a:t>机     场 </a:t>
+            </a:r>
+            <a:r>
+              <a:rPr lang="zh-CN" altLang="en-US" sz="3600" dirty="0" smtClean="0"/>
+              <a:t>                 </a:t>
+            </a:r>
+            <a:r>
+              <a:rPr lang="en-US" altLang="zh-CN" sz="3600" dirty="0" smtClean="0">
+                <a:latin typeface="Microsoft JhengHei UI Light" panose="020B0304030504040204" pitchFamily="34" charset="-120"/>
+                <a:ea typeface="Microsoft JhengHei UI Light" panose="020B0304030504040204" pitchFamily="34" charset="-120"/>
+              </a:rPr>
+              <a:t>airport</a:t>
+            </a:r>
+          </a:p>
+        </p:txBody>
+      </p:sp>
+    </p:spTree>
+    <p:extLst>
+      <p:ext uri="{BB962C8B-B14F-4D97-AF65-F5344CB8AC3E}">
+        <p14:creationId xmlns:p14="http://schemas.microsoft.com/office/powerpoint/2010/main" val="2632849265"/>
+      </p:ext>
+    </p:extLst>
+  </p:cSld>
+  <p:clrMapOvr>
+    <a:masterClrMapping/>
+  </p:clrMapOvr>
+  <p:timing>
+    <p:tnLst>
+      <p:par>
+        <p:cTn id="1" dur="indefinite" restart="never" nodeType="tmRoot">
+          <p:childTnLst>
+            <p:seq concurrent="1" nextAc="seek">
+              <p:cTn id="2" dur="indefinite" nodeType="mainSeq">
+                <p:childTnLst>
+                  <p:par>
+                    <p:cTn id="3" fill="hold">
+                      <p:stCondLst>
+                        <p:cond delay="indefinite"/>
+                      </p:stCondLst>
+                      <p:childTnLst>
+                        <p:par>
+                          <p:cTn id="4" fill="hold">
+                            <p:stCondLst>
+                              <p:cond delay="0"/>
+                            </p:stCondLst>
+                            <p:childTnLst>
+                              <p:par>
+                                <p:cTn id="5" presetID="42" presetClass="entr" presetSubtype="0" fill="hold" grpId="0" nodeType="clickEffect">
+                                  <p:stCondLst>
+                                    <p:cond delay="0"/>
+                                  </p:stCondLst>
+                                  <p:childTnLst>
+                                    <p:set>
+                                      <p:cBhvr>
+                                        <p:cTn id="6" dur="1" fill="hold">
+                                          <p:stCondLst>
+                                            <p:cond delay="0"/>
+                                          </p:stCondLst>
+                                        </p:cTn>
+                                        <p:tgtEl>
+                                          <p:spTgt spid="2"/>
+                                        </p:tgtEl>
+                                        <p:attrNameLst>
+                                          <p:attrName>style.visibility</p:attrName>
+                                        </p:attrNameLst>
+                                      </p:cBhvr>
+                                      <p:to>
+                                        <p:strVal val="visible"/>
+                                      </p:to>
+                                    </p:set>
+                                    <p:animEffect transition="in" filter="fade">
+                                      <p:cBhvr>
+                                        <p:cTn id="7" dur="1000"/>
+                                        <p:tgtEl>
+                                          <p:spTgt spid="2"/>
+                                        </p:tgtEl>
+                                      </p:cBhvr>
+                                    </p:animEffect>
+                                    <p:anim calcmode="lin" valueType="num">
+                                      <p:cBhvr>
+                                        <p:cTn id="8" dur="1000" fill="hold"/>
+                                        <p:tgtEl>
+                                          <p:spTgt spid="2"/>
+                                        </p:tgtEl>
+                                        <p:attrNameLst>
+                                          <p:attrName>ppt_x</p:attrName>
+                                        </p:attrNameLst>
+                                      </p:cBhvr>
+                                      <p:tavLst>
+                                        <p:tav tm="0">
+                                          <p:val>
+                                            <p:strVal val="#ppt_x"/>
+                                          </p:val>
+                                        </p:tav>
+                                        <p:tav tm="100000">
+                                          <p:val>
+                                            <p:strVal val="#ppt_x"/>
+                                          </p:val>
+                                        </p:tav>
+                                      </p:tavLst>
+                                    </p:anim>
+                                    <p:anim calcmode="lin" valueType="num">
+                                      <p:cBhvr>
+                                        <p:cTn id="9" dur="1000" fill="hold"/>
+                                        <p:tgtEl>
+                                          <p:spTgt spid="2"/>
+                                        </p:tgtEl>
+                                        <p:attrNameLst>
+                                          <p:attrName>ppt_y</p:attrName>
+                                        </p:attrNameLst>
+                                      </p:cBhvr>
+                                      <p:tavLst>
+                                        <p:tav tm="0">
+                                          <p:val>
+                                            <p:strVal val="#ppt_y+.1"/>
+                                          </p:val>
+                                        </p:tav>
+                                        <p:tav tm="100000">
+                                          <p:val>
+                                            <p:strVal val="#ppt_y"/>
+                                          </p:val>
+                                        </p:tav>
+                                      </p:tavLst>
+                                    </p:anim>
+                                  </p:childTnLst>
+                                </p:cTn>
+                              </p:par>
+                            </p:childTnLst>
+                          </p:cTn>
+                        </p:par>
+                      </p:childTnLst>
+                    </p:cTn>
+                  </p:par>
+                </p:childTnLst>
+              </p:cTn>
+              <p:prevCondLst>
+                <p:cond evt="onPrev" delay="0">
+                  <p:tgtEl>
+                    <p:sldTgt/>
+                  </p:tgtEl>
+                </p:cond>
+              </p:prevCondLst>
+              <p:nextCondLst>
+                <p:cond evt="onNext" delay="0">
+                  <p:tgtEl>
+                    <p:sldTgt/>
+                  </p:tgtEl>
+                </p:cond>
+              </p:nextCondLst>
+            </p:seq>
+          </p:childTnLst>
+        </p:cTn>
+      </p:par>
+    </p:tnLst>
+    <p:bldLst>
+      <p:bldP spid="2" grpId="0"/>
+    </p:bldLst>
+  </p:timing>
+</p:sld>
+</file>
+
+<file path=ppt/slides/slide5.xml><?xml version="1.0" encoding="utf-8"?>
 <p:sld xmlns:a="http://schemas.openxmlformats.org/drawingml/2006/main" xmlns:r="http://schemas.openxmlformats.org/officeDocument/2006/relationships" xmlns:p="http://schemas.openxmlformats.org/presentationml/2006/main">
   <p:cSld>
     <p:spTree>
@@ -6971,7 +12603,7 @@
     </p:spTree>
     <p:extLst>
       <p:ext uri="{BB962C8B-B14F-4D97-AF65-F5344CB8AC3E}">
-        <p14:creationId xmlns:p14="http://schemas.microsoft.com/office/powerpoint/2010/main" val="2632849265"/>
+        <p14:creationId xmlns:p14="http://schemas.microsoft.com/office/powerpoint/2010/main" val="2814126486"/>
       </p:ext>
     </p:extLst>
   </p:cSld>
@@ -7795,7 +13427,7 @@
 </p:sld>
 </file>
 
-<file path=ppt/slides/slide4.xml><?xml version="1.0" encoding="utf-8"?>
+<file path=ppt/slides/slide6.xml><?xml version="1.0" encoding="utf-8"?>
 <p:sld xmlns:a="http://schemas.openxmlformats.org/drawingml/2006/main" xmlns:r="http://schemas.openxmlformats.org/officeDocument/2006/relationships" xmlns:p="http://schemas.openxmlformats.org/presentationml/2006/main">
   <p:cSld>
     <p:spTree>
@@ -8054,7 +13686,7 @@
                 <a:latin typeface="Noto Sans S Chinese Light" panose="020B0300000000000000" pitchFamily="34" charset="-122"/>
                 <a:ea typeface="Noto Sans S Chinese Light" panose="020B0300000000000000" pitchFamily="34" charset="-122"/>
               </a:rPr>
-              <a:t>Airfield taxiway</a:t>
+              <a:t>taxiway</a:t>
             </a:r>
             <a:endParaRPr lang="zh-CN" altLang="en-US" sz="2800" dirty="0">
               <a:latin typeface="Noto Sans S Chinese Light" panose="020B0300000000000000" pitchFamily="34" charset="-122"/>
@@ -8090,7 +13722,7 @@
                 <a:latin typeface="Noto Sans S Chinese Light" panose="020B0300000000000000" pitchFamily="34" charset="-122"/>
                 <a:ea typeface="Noto Sans S Chinese Light" panose="020B0300000000000000" pitchFamily="34" charset="-122"/>
               </a:rPr>
-              <a:t>Airfield runway</a:t>
+              <a:t>runway</a:t>
             </a:r>
             <a:endParaRPr lang="zh-CN" altLang="en-US" sz="2800" dirty="0">
               <a:latin typeface="Noto Sans S Chinese Light" panose="020B0300000000000000" pitchFamily="34" charset="-122"/>
@@ -10275,7 +15907,7 @@
 </p:sld>
 </file>
 
-<file path=ppt/slides/slide5.xml><?xml version="1.0" encoding="utf-8"?>
+<file path=ppt/slides/slide7.xml><?xml version="1.0" encoding="utf-8"?>
 <p:sld xmlns:a="http://schemas.openxmlformats.org/drawingml/2006/main" xmlns:r="http://schemas.openxmlformats.org/officeDocument/2006/relationships" xmlns:p="http://schemas.openxmlformats.org/presentationml/2006/main">
   <p:cSld>
     <p:spTree>
@@ -11623,7 +17255,7 @@
 </p:sld>
 </file>
 
-<file path=ppt/slides/slide6.xml><?xml version="1.0" encoding="utf-8"?>
+<file path=ppt/slides/slide8.xml><?xml version="1.0" encoding="utf-8"?>
 <p:sld xmlns:a="http://schemas.openxmlformats.org/drawingml/2006/main" xmlns:r="http://schemas.openxmlformats.org/officeDocument/2006/relationships" xmlns:p="http://schemas.openxmlformats.org/presentationml/2006/main">
   <p:cSld>
     <p:spTree>
@@ -11904,7 +17536,7 @@
 </p:sld>
 </file>
 
-<file path=ppt/slides/slide7.xml><?xml version="1.0" encoding="utf-8"?>
+<file path=ppt/slides/slide9.xml><?xml version="1.0" encoding="utf-8"?>
 <p:sld xmlns:a="http://schemas.openxmlformats.org/drawingml/2006/main" xmlns:r="http://schemas.openxmlformats.org/officeDocument/2006/relationships" xmlns:p="http://schemas.openxmlformats.org/presentationml/2006/main">
   <p:cSld>
     <p:spTree>
@@ -12744,1585 +18376,6 @@
       <p:bldP spid="5" grpId="0"/>
       <p:bldP spid="6" grpId="0"/>
       <p:bldP spid="7" grpId="0"/>
-    </p:bldLst>
-  </p:timing>
-</p:sld>
-</file>
-
-<file path=ppt/slides/slide8.xml><?xml version="1.0" encoding="utf-8"?>
-<p:sld xmlns:a="http://schemas.openxmlformats.org/drawingml/2006/main" xmlns:r="http://schemas.openxmlformats.org/officeDocument/2006/relationships" xmlns:p="http://schemas.openxmlformats.org/presentationml/2006/main">
-  <p:cSld>
-    <p:spTree>
-      <p:nvGrpSpPr>
-        <p:cNvPr id="1" name=""/>
-        <p:cNvGrpSpPr/>
-        <p:nvPr/>
-      </p:nvGrpSpPr>
-      <p:grpSpPr>
-        <a:xfrm>
-          <a:off x="0" y="0"/>
-          <a:ext cx="0" cy="0"/>
-          <a:chOff x="0" y="0"/>
-          <a:chExt cx="0" cy="0"/>
-        </a:xfrm>
-      </p:grpSpPr>
-      <p:sp>
-        <p:nvSpPr>
-          <p:cNvPr id="2" name="矩形 1"/>
-          <p:cNvSpPr/>
-          <p:nvPr/>
-        </p:nvSpPr>
-        <p:spPr>
-          <a:xfrm>
-            <a:off x="868680" y="864215"/>
-            <a:ext cx="7223760" cy="523220"/>
-          </a:xfrm>
-          <a:prstGeom prst="rect">
-            <a:avLst/>
-          </a:prstGeom>
-        </p:spPr>
-        <p:txBody>
-          <a:bodyPr wrap="square">
-            <a:spAutoFit/>
-          </a:bodyPr>
-          <a:lstStyle/>
-          <a:p>
-            <a:r>
-              <a:rPr lang="zh-CN" altLang="en-US" sz="2800" dirty="0">
-                <a:latin typeface="Noto Sans S Chinese Light" panose="020B0300000000000000" pitchFamily="34" charset="-122"/>
-                <a:ea typeface="Noto Sans S Chinese Light" panose="020B0300000000000000" pitchFamily="34" charset="-122"/>
-              </a:rPr>
-              <a:t>地面</a:t>
-            </a:r>
-            <a:r>
-              <a:rPr lang="zh-CN" altLang="en-US" sz="2800" dirty="0" smtClean="0">
-                <a:latin typeface="Noto Sans S Chinese Light" panose="020B0300000000000000" pitchFamily="34" charset="-122"/>
-                <a:ea typeface="Noto Sans S Chinese Light" panose="020B0300000000000000" pitchFamily="34" charset="-122"/>
-              </a:rPr>
-              <a:t>保障</a:t>
-            </a:r>
-            <a:r>
-              <a:rPr lang="zh-CN" altLang="en-US" sz="2800" dirty="0">
-                <a:latin typeface="Noto Sans S Chinese Light" panose="020B0300000000000000" pitchFamily="34" charset="-122"/>
-                <a:ea typeface="Noto Sans S Chinese Light" panose="020B0300000000000000" pitchFamily="34" charset="-122"/>
-              </a:rPr>
-              <a:t>设备</a:t>
-            </a:r>
-            <a:r>
-              <a:rPr lang="zh-CN" altLang="en-US" sz="2800" dirty="0" smtClean="0">
-                <a:latin typeface="Noto Sans S Chinese Light" panose="020B0300000000000000" pitchFamily="34" charset="-122"/>
-                <a:ea typeface="Noto Sans S Chinese Light" panose="020B0300000000000000" pitchFamily="34" charset="-122"/>
-              </a:rPr>
-              <a:t>      </a:t>
-            </a:r>
-            <a:r>
-              <a:rPr lang="en-US" altLang="zh-CN" sz="2800" dirty="0" smtClean="0">
-                <a:latin typeface="Microsoft JhengHei UI Light" panose="020B0304030504040204" pitchFamily="34" charset="-120"/>
-                <a:ea typeface="Microsoft JhengHei UI Light" panose="020B0304030504040204" pitchFamily="34" charset="-120"/>
-                <a:cs typeface="Arial Unicode MS" panose="020B0604020202020204" pitchFamily="34" charset="-122"/>
-              </a:rPr>
-              <a:t>Ground </a:t>
-            </a:r>
-            <a:r>
-              <a:rPr lang="en-US" altLang="zh-CN" sz="2800" dirty="0">
-                <a:latin typeface="Microsoft JhengHei UI Light" panose="020B0304030504040204" pitchFamily="34" charset="-120"/>
-                <a:ea typeface="Microsoft JhengHei UI Light" panose="020B0304030504040204" pitchFamily="34" charset="-120"/>
-                <a:cs typeface="Arial Unicode MS" panose="020B0604020202020204" pitchFamily="34" charset="-122"/>
-              </a:rPr>
-              <a:t>airport </a:t>
-            </a:r>
-            <a:r>
-              <a:rPr lang="en-US" altLang="zh-CN" sz="2800" dirty="0" smtClean="0">
-                <a:latin typeface="Microsoft JhengHei UI Light" panose="020B0304030504040204" pitchFamily="34" charset="-120"/>
-                <a:ea typeface="Microsoft JhengHei UI Light" panose="020B0304030504040204" pitchFamily="34" charset="-120"/>
-                <a:cs typeface="Arial Unicode MS" panose="020B0604020202020204" pitchFamily="34" charset="-122"/>
-              </a:rPr>
-              <a:t>equipment</a:t>
-            </a:r>
-            <a:endParaRPr lang="zh-CN" altLang="en-US" sz="2800" dirty="0">
-              <a:latin typeface="Microsoft JhengHei UI Light" panose="020B0304030504040204" pitchFamily="34" charset="-120"/>
-              <a:ea typeface="Microsoft JhengHei UI Light" panose="020B0304030504040204" pitchFamily="34" charset="-120"/>
-              <a:cs typeface="Arial Unicode MS" panose="020B0604020202020204" pitchFamily="34" charset="-122"/>
-            </a:endParaRPr>
-          </a:p>
-        </p:txBody>
-      </p:sp>
-      <p:pic>
-        <p:nvPicPr>
-          <p:cNvPr id="3" name="图片 2"/>
-          <p:cNvPicPr>
-            <a:picLocks noChangeAspect="1"/>
-          </p:cNvPicPr>
-          <p:nvPr/>
-        </p:nvPicPr>
-        <p:blipFill rotWithShape="1">
-          <a:blip r:embed="rId2">
-            <a:extLst>
-              <a:ext uri="{28A0092B-C50C-407E-A947-70E740481C1C}">
-                <a14:useLocalDpi xmlns:a14="http://schemas.microsoft.com/office/drawing/2010/main" val="0"/>
-              </a:ext>
-            </a:extLst>
-          </a:blip>
-          <a:srcRect l="255" t="6249" r="50871" b="60939"/>
-          <a:stretch/>
-        </p:blipFill>
-        <p:spPr>
-          <a:xfrm>
-            <a:off x="411480" y="1859280"/>
-            <a:ext cx="5624576" cy="2636520"/>
-          </a:xfrm>
-          <a:prstGeom prst="rect">
-            <a:avLst/>
-          </a:prstGeom>
-        </p:spPr>
-      </p:pic>
-      <p:sp>
-        <p:nvSpPr>
-          <p:cNvPr id="4" name="文本框 3"/>
-          <p:cNvSpPr txBox="1"/>
-          <p:nvPr/>
-        </p:nvSpPr>
-        <p:spPr>
-          <a:xfrm>
-            <a:off x="5681980" y="4751755"/>
-            <a:ext cx="2151380" cy="523220"/>
-          </a:xfrm>
-          <a:prstGeom prst="rect">
-            <a:avLst/>
-          </a:prstGeom>
-          <a:noFill/>
-        </p:spPr>
-        <p:txBody>
-          <a:bodyPr wrap="square" rtlCol="0">
-            <a:spAutoFit/>
-          </a:bodyPr>
-          <a:lstStyle/>
-          <a:p>
-            <a:r>
-              <a:rPr lang="zh-CN" altLang="en-US" sz="2800" dirty="0" smtClean="0">
-                <a:latin typeface="Noto Sans S Chinese Light" panose="020B0300000000000000" pitchFamily="34" charset="-122"/>
-                <a:ea typeface="Noto Sans S Chinese Light" panose="020B0300000000000000" pitchFamily="34" charset="-122"/>
-                <a:cs typeface="Arial Unicode MS" panose="020B0604020202020204" pitchFamily="34" charset="-122"/>
-              </a:rPr>
-              <a:t>电源车</a:t>
-            </a:r>
-            <a:endParaRPr lang="zh-CN" altLang="en-US" sz="2800" dirty="0">
-              <a:latin typeface="Noto Sans S Chinese Light" panose="020B0300000000000000" pitchFamily="34" charset="-122"/>
-              <a:ea typeface="Noto Sans S Chinese Light" panose="020B0300000000000000" pitchFamily="34" charset="-122"/>
-              <a:cs typeface="Arial Unicode MS" panose="020B0604020202020204" pitchFamily="34" charset="-122"/>
-            </a:endParaRPr>
-          </a:p>
-        </p:txBody>
-      </p:sp>
-      <p:pic>
-        <p:nvPicPr>
-          <p:cNvPr id="5" name="图片 4"/>
-          <p:cNvPicPr>
-            <a:picLocks noChangeAspect="1"/>
-          </p:cNvPicPr>
-          <p:nvPr/>
-        </p:nvPicPr>
-        <p:blipFill>
-          <a:blip r:embed="rId3">
-            <a:extLst>
-              <a:ext uri="{28A0092B-C50C-407E-A947-70E740481C1C}">
-                <a14:useLocalDpi xmlns:a14="http://schemas.microsoft.com/office/drawing/2010/main" val="0"/>
-              </a:ext>
-            </a:extLst>
-          </a:blip>
-          <a:stretch>
-            <a:fillRect/>
-          </a:stretch>
-        </p:blipFill>
-        <p:spPr>
-          <a:xfrm>
-            <a:off x="7284720" y="2360996"/>
-            <a:ext cx="3368040" cy="1633088"/>
-          </a:xfrm>
-          <a:prstGeom prst="rect">
-            <a:avLst/>
-          </a:prstGeom>
-        </p:spPr>
-      </p:pic>
-      <p:cxnSp>
-        <p:nvCxnSpPr>
-          <p:cNvPr id="7" name="直接连接符 6"/>
-          <p:cNvCxnSpPr/>
-          <p:nvPr/>
-        </p:nvCxnSpPr>
-        <p:spPr>
-          <a:xfrm>
-            <a:off x="2133600" y="4297680"/>
-            <a:ext cx="2621280" cy="0"/>
-          </a:xfrm>
-          <a:prstGeom prst="line">
-            <a:avLst/>
-          </a:prstGeom>
-          <a:ln w="38100">
-            <a:solidFill>
-              <a:srgbClr val="FF0000"/>
-            </a:solidFill>
-          </a:ln>
-        </p:spPr>
-        <p:style>
-          <a:lnRef idx="1">
-            <a:schemeClr val="accent1"/>
-          </a:lnRef>
-          <a:fillRef idx="0">
-            <a:schemeClr val="accent1"/>
-          </a:fillRef>
-          <a:effectRef idx="0">
-            <a:schemeClr val="accent1"/>
-          </a:effectRef>
-          <a:fontRef idx="minor">
-            <a:schemeClr val="tx1"/>
-          </a:fontRef>
-        </p:style>
-      </p:cxnSp>
-    </p:spTree>
-    <p:extLst>
-      <p:ext uri="{BB962C8B-B14F-4D97-AF65-F5344CB8AC3E}">
-        <p14:creationId xmlns:p14="http://schemas.microsoft.com/office/powerpoint/2010/main" val="3373372783"/>
-      </p:ext>
-    </p:extLst>
-  </p:cSld>
-  <p:clrMapOvr>
-    <a:masterClrMapping/>
-  </p:clrMapOvr>
-  <p:timing>
-    <p:tnLst>
-      <p:par>
-        <p:cTn id="1" dur="indefinite" restart="never" nodeType="tmRoot">
-          <p:childTnLst>
-            <p:seq concurrent="1" nextAc="seek">
-              <p:cTn id="2" dur="indefinite" nodeType="mainSeq">
-                <p:childTnLst>
-                  <p:par>
-                    <p:cTn id="3" fill="hold">
-                      <p:stCondLst>
-                        <p:cond delay="indefinite"/>
-                        <p:cond evt="onBegin" delay="0">
-                          <p:tn val="2"/>
-                        </p:cond>
-                      </p:stCondLst>
-                      <p:childTnLst>
-                        <p:par>
-                          <p:cTn id="4" fill="hold">
-                            <p:stCondLst>
-                              <p:cond delay="0"/>
-                            </p:stCondLst>
-                            <p:childTnLst>
-                              <p:par>
-                                <p:cTn id="5" presetID="1" presetClass="entr" presetSubtype="0" fill="hold" grpId="0" nodeType="afterEffect">
-                                  <p:stCondLst>
-                                    <p:cond delay="0"/>
-                                  </p:stCondLst>
-                                  <p:childTnLst>
-                                    <p:set>
-                                      <p:cBhvr>
-                                        <p:cTn id="6" dur="1" fill="hold">
-                                          <p:stCondLst>
-                                            <p:cond delay="0"/>
-                                          </p:stCondLst>
-                                        </p:cTn>
-                                        <p:tgtEl>
-                                          <p:spTgt spid="2"/>
-                                        </p:tgtEl>
-                                        <p:attrNameLst>
-                                          <p:attrName>style.visibility</p:attrName>
-                                        </p:attrNameLst>
-                                      </p:cBhvr>
-                                      <p:to>
-                                        <p:strVal val="visible"/>
-                                      </p:to>
-                                    </p:set>
-                                  </p:childTnLst>
-                                </p:cTn>
-                              </p:par>
-                              <p:par>
-                                <p:cTn id="7" presetID="1" presetClass="entr" presetSubtype="0" fill="hold" nodeType="withEffect">
-                                  <p:stCondLst>
-                                    <p:cond delay="0"/>
-                                  </p:stCondLst>
-                                  <p:childTnLst>
-                                    <p:set>
-                                      <p:cBhvr>
-                                        <p:cTn id="8" dur="1" fill="hold">
-                                          <p:stCondLst>
-                                            <p:cond delay="0"/>
-                                          </p:stCondLst>
-                                        </p:cTn>
-                                        <p:tgtEl>
-                                          <p:spTgt spid="3"/>
-                                        </p:tgtEl>
-                                        <p:attrNameLst>
-                                          <p:attrName>style.visibility</p:attrName>
-                                        </p:attrNameLst>
-                                      </p:cBhvr>
-                                      <p:to>
-                                        <p:strVal val="visible"/>
-                                      </p:to>
-                                    </p:set>
-                                  </p:childTnLst>
-                                </p:cTn>
-                              </p:par>
-                              <p:par>
-                                <p:cTn id="9" presetID="1" presetClass="entr" presetSubtype="0" fill="hold" nodeType="withEffect">
-                                  <p:stCondLst>
-                                    <p:cond delay="0"/>
-                                  </p:stCondLst>
-                                  <p:childTnLst>
-                                    <p:set>
-                                      <p:cBhvr>
-                                        <p:cTn id="10" dur="1" fill="hold">
-                                          <p:stCondLst>
-                                            <p:cond delay="0"/>
-                                          </p:stCondLst>
-                                        </p:cTn>
-                                        <p:tgtEl>
-                                          <p:spTgt spid="5"/>
-                                        </p:tgtEl>
-                                        <p:attrNameLst>
-                                          <p:attrName>style.visibility</p:attrName>
-                                        </p:attrNameLst>
-                                      </p:cBhvr>
-                                      <p:to>
-                                        <p:strVal val="visible"/>
-                                      </p:to>
-                                    </p:set>
-                                  </p:childTnLst>
-                                </p:cTn>
-                              </p:par>
-                            </p:childTnLst>
-                          </p:cTn>
-                        </p:par>
-                      </p:childTnLst>
-                    </p:cTn>
-                  </p:par>
-                  <p:par>
-                    <p:cTn id="11" fill="hold">
-                      <p:stCondLst>
-                        <p:cond delay="indefinite"/>
-                      </p:stCondLst>
-                      <p:childTnLst>
-                        <p:par>
-                          <p:cTn id="12" fill="hold">
-                            <p:stCondLst>
-                              <p:cond delay="0"/>
-                            </p:stCondLst>
-                            <p:childTnLst>
-                              <p:par>
-                                <p:cTn id="13" presetID="42" presetClass="entr" presetSubtype="0" fill="hold" grpId="0" nodeType="clickEffect">
-                                  <p:stCondLst>
-                                    <p:cond delay="0"/>
-                                  </p:stCondLst>
-                                  <p:childTnLst>
-                                    <p:set>
-                                      <p:cBhvr>
-                                        <p:cTn id="14" dur="1" fill="hold">
-                                          <p:stCondLst>
-                                            <p:cond delay="0"/>
-                                          </p:stCondLst>
-                                        </p:cTn>
-                                        <p:tgtEl>
-                                          <p:spTgt spid="4"/>
-                                        </p:tgtEl>
-                                        <p:attrNameLst>
-                                          <p:attrName>style.visibility</p:attrName>
-                                        </p:attrNameLst>
-                                      </p:cBhvr>
-                                      <p:to>
-                                        <p:strVal val="visible"/>
-                                      </p:to>
-                                    </p:set>
-                                    <p:animEffect transition="in" filter="fade">
-                                      <p:cBhvr>
-                                        <p:cTn id="15" dur="1000"/>
-                                        <p:tgtEl>
-                                          <p:spTgt spid="4"/>
-                                        </p:tgtEl>
-                                      </p:cBhvr>
-                                    </p:animEffect>
-                                    <p:anim calcmode="lin" valueType="num">
-                                      <p:cBhvr>
-                                        <p:cTn id="16" dur="1000" fill="hold"/>
-                                        <p:tgtEl>
-                                          <p:spTgt spid="4"/>
-                                        </p:tgtEl>
-                                        <p:attrNameLst>
-                                          <p:attrName>ppt_x</p:attrName>
-                                        </p:attrNameLst>
-                                      </p:cBhvr>
-                                      <p:tavLst>
-                                        <p:tav tm="0">
-                                          <p:val>
-                                            <p:strVal val="#ppt_x"/>
-                                          </p:val>
-                                        </p:tav>
-                                        <p:tav tm="100000">
-                                          <p:val>
-                                            <p:strVal val="#ppt_x"/>
-                                          </p:val>
-                                        </p:tav>
-                                      </p:tavLst>
-                                    </p:anim>
-                                    <p:anim calcmode="lin" valueType="num">
-                                      <p:cBhvr>
-                                        <p:cTn id="17" dur="1000" fill="hold"/>
-                                        <p:tgtEl>
-                                          <p:spTgt spid="4"/>
-                                        </p:tgtEl>
-                                        <p:attrNameLst>
-                                          <p:attrName>ppt_y</p:attrName>
-                                        </p:attrNameLst>
-                                      </p:cBhvr>
-                                      <p:tavLst>
-                                        <p:tav tm="0">
-                                          <p:val>
-                                            <p:strVal val="#ppt_y+.1"/>
-                                          </p:val>
-                                        </p:tav>
-                                        <p:tav tm="100000">
-                                          <p:val>
-                                            <p:strVal val="#ppt_y"/>
-                                          </p:val>
-                                        </p:tav>
-                                      </p:tavLst>
-                                    </p:anim>
-                                  </p:childTnLst>
-                                </p:cTn>
-                              </p:par>
-                            </p:childTnLst>
-                          </p:cTn>
-                        </p:par>
-                      </p:childTnLst>
-                    </p:cTn>
-                  </p:par>
-                  <p:par>
-                    <p:cTn id="18" fill="hold">
-                      <p:stCondLst>
-                        <p:cond delay="indefinite"/>
-                      </p:stCondLst>
-                      <p:childTnLst>
-                        <p:par>
-                          <p:cTn id="19" fill="hold">
-                            <p:stCondLst>
-                              <p:cond delay="0"/>
-                            </p:stCondLst>
-                            <p:childTnLst>
-                              <p:par>
-                                <p:cTn id="20" presetID="10" presetClass="entr" presetSubtype="0" fill="hold" nodeType="clickEffect">
-                                  <p:stCondLst>
-                                    <p:cond delay="0"/>
-                                  </p:stCondLst>
-                                  <p:childTnLst>
-                                    <p:set>
-                                      <p:cBhvr>
-                                        <p:cTn id="21" dur="1" fill="hold">
-                                          <p:stCondLst>
-                                            <p:cond delay="0"/>
-                                          </p:stCondLst>
-                                        </p:cTn>
-                                        <p:tgtEl>
-                                          <p:spTgt spid="7"/>
-                                        </p:tgtEl>
-                                        <p:attrNameLst>
-                                          <p:attrName>style.visibility</p:attrName>
-                                        </p:attrNameLst>
-                                      </p:cBhvr>
-                                      <p:to>
-                                        <p:strVal val="visible"/>
-                                      </p:to>
-                                    </p:set>
-                                    <p:animEffect transition="in" filter="fade">
-                                      <p:cBhvr>
-                                        <p:cTn id="22" dur="500"/>
-                                        <p:tgtEl>
-                                          <p:spTgt spid="7"/>
-                                        </p:tgtEl>
-                                      </p:cBhvr>
-                                    </p:animEffect>
-                                  </p:childTnLst>
-                                </p:cTn>
-                              </p:par>
-                            </p:childTnLst>
-                          </p:cTn>
-                        </p:par>
-                      </p:childTnLst>
-                    </p:cTn>
-                  </p:par>
-                </p:childTnLst>
-              </p:cTn>
-              <p:prevCondLst>
-                <p:cond evt="onPrev" delay="0">
-                  <p:tgtEl>
-                    <p:sldTgt/>
-                  </p:tgtEl>
-                </p:cond>
-              </p:prevCondLst>
-              <p:nextCondLst>
-                <p:cond evt="onNext" delay="0">
-                  <p:tgtEl>
-                    <p:sldTgt/>
-                  </p:tgtEl>
-                </p:cond>
-              </p:nextCondLst>
-            </p:seq>
-          </p:childTnLst>
-        </p:cTn>
-      </p:par>
-    </p:tnLst>
-    <p:bldLst>
-      <p:bldP spid="2" grpId="0"/>
-      <p:bldP spid="4" grpId="0"/>
-    </p:bldLst>
-  </p:timing>
-</p:sld>
-</file>
-
-<file path=ppt/slides/slide9.xml><?xml version="1.0" encoding="utf-8"?>
-<p:sld xmlns:a="http://schemas.openxmlformats.org/drawingml/2006/main" xmlns:r="http://schemas.openxmlformats.org/officeDocument/2006/relationships" xmlns:p="http://schemas.openxmlformats.org/presentationml/2006/main">
-  <p:cSld>
-    <p:spTree>
-      <p:nvGrpSpPr>
-        <p:cNvPr id="1" name=""/>
-        <p:cNvGrpSpPr/>
-        <p:nvPr/>
-      </p:nvGrpSpPr>
-      <p:grpSpPr>
-        <a:xfrm>
-          <a:off x="0" y="0"/>
-          <a:ext cx="0" cy="0"/>
-          <a:chOff x="0" y="0"/>
-          <a:chExt cx="0" cy="0"/>
-        </a:xfrm>
-      </p:grpSpPr>
-      <p:sp>
-        <p:nvSpPr>
-          <p:cNvPr id="2" name="矩形 1"/>
-          <p:cNvSpPr/>
-          <p:nvPr/>
-        </p:nvSpPr>
-        <p:spPr>
-          <a:xfrm>
-            <a:off x="868680" y="864215"/>
-            <a:ext cx="7223760" cy="523220"/>
-          </a:xfrm>
-          <a:prstGeom prst="rect">
-            <a:avLst/>
-          </a:prstGeom>
-        </p:spPr>
-        <p:txBody>
-          <a:bodyPr wrap="square">
-            <a:spAutoFit/>
-          </a:bodyPr>
-          <a:lstStyle/>
-          <a:p>
-            <a:r>
-              <a:rPr lang="zh-CN" altLang="en-US" sz="2800" dirty="0">
-                <a:latin typeface="Noto Sans S Chinese Light" panose="020B0300000000000000" pitchFamily="34" charset="-122"/>
-                <a:ea typeface="Noto Sans S Chinese Light" panose="020B0300000000000000" pitchFamily="34" charset="-122"/>
-              </a:rPr>
-              <a:t>地面</a:t>
-            </a:r>
-            <a:r>
-              <a:rPr lang="zh-CN" altLang="en-US" sz="2800" dirty="0" smtClean="0">
-                <a:latin typeface="Noto Sans S Chinese Light" panose="020B0300000000000000" pitchFamily="34" charset="-122"/>
-                <a:ea typeface="Noto Sans S Chinese Light" panose="020B0300000000000000" pitchFamily="34" charset="-122"/>
-              </a:rPr>
-              <a:t>保障</a:t>
-            </a:r>
-            <a:r>
-              <a:rPr lang="zh-CN" altLang="en-US" sz="2800" dirty="0">
-                <a:latin typeface="Noto Sans S Chinese Light" panose="020B0300000000000000" pitchFamily="34" charset="-122"/>
-                <a:ea typeface="Noto Sans S Chinese Light" panose="020B0300000000000000" pitchFamily="34" charset="-122"/>
-              </a:rPr>
-              <a:t>设备</a:t>
-            </a:r>
-            <a:r>
-              <a:rPr lang="zh-CN" altLang="en-US" sz="2800" dirty="0" smtClean="0">
-                <a:latin typeface="Noto Sans S Chinese Light" panose="020B0300000000000000" pitchFamily="34" charset="-122"/>
-                <a:ea typeface="Noto Sans S Chinese Light" panose="020B0300000000000000" pitchFamily="34" charset="-122"/>
-              </a:rPr>
-              <a:t>      </a:t>
-            </a:r>
-            <a:r>
-              <a:rPr lang="en-US" altLang="zh-CN" sz="2800" dirty="0" smtClean="0">
-                <a:latin typeface="Microsoft JhengHei UI Light" panose="020B0304030504040204" pitchFamily="34" charset="-120"/>
-                <a:ea typeface="Microsoft JhengHei UI Light" panose="020B0304030504040204" pitchFamily="34" charset="-120"/>
-                <a:cs typeface="Arial Unicode MS" panose="020B0604020202020204" pitchFamily="34" charset="-122"/>
-              </a:rPr>
-              <a:t>Ground </a:t>
-            </a:r>
-            <a:r>
-              <a:rPr lang="en-US" altLang="zh-CN" sz="2800" dirty="0">
-                <a:latin typeface="Microsoft JhengHei UI Light" panose="020B0304030504040204" pitchFamily="34" charset="-120"/>
-                <a:ea typeface="Microsoft JhengHei UI Light" panose="020B0304030504040204" pitchFamily="34" charset="-120"/>
-                <a:cs typeface="Arial Unicode MS" panose="020B0604020202020204" pitchFamily="34" charset="-122"/>
-              </a:rPr>
-              <a:t>airport </a:t>
-            </a:r>
-            <a:r>
-              <a:rPr lang="en-US" altLang="zh-CN" sz="2800" dirty="0" smtClean="0">
-                <a:latin typeface="Microsoft JhengHei UI Light" panose="020B0304030504040204" pitchFamily="34" charset="-120"/>
-                <a:ea typeface="Microsoft JhengHei UI Light" panose="020B0304030504040204" pitchFamily="34" charset="-120"/>
-                <a:cs typeface="Arial Unicode MS" panose="020B0604020202020204" pitchFamily="34" charset="-122"/>
-              </a:rPr>
-              <a:t>equipment</a:t>
-            </a:r>
-            <a:endParaRPr lang="zh-CN" altLang="en-US" sz="2800" dirty="0">
-              <a:latin typeface="Microsoft JhengHei UI Light" panose="020B0304030504040204" pitchFamily="34" charset="-120"/>
-              <a:ea typeface="Microsoft JhengHei UI Light" panose="020B0304030504040204" pitchFamily="34" charset="-120"/>
-              <a:cs typeface="Arial Unicode MS" panose="020B0604020202020204" pitchFamily="34" charset="-122"/>
-            </a:endParaRPr>
-          </a:p>
-        </p:txBody>
-      </p:sp>
-      <p:sp>
-        <p:nvSpPr>
-          <p:cNvPr id="3" name="文本框 2"/>
-          <p:cNvSpPr txBox="1"/>
-          <p:nvPr/>
-        </p:nvSpPr>
-        <p:spPr>
-          <a:xfrm>
-            <a:off x="2329180" y="2407995"/>
-            <a:ext cx="2151380" cy="523220"/>
-          </a:xfrm>
-          <a:prstGeom prst="rect">
-            <a:avLst/>
-          </a:prstGeom>
-          <a:noFill/>
-        </p:spPr>
-        <p:txBody>
-          <a:bodyPr wrap="square" rtlCol="0">
-            <a:spAutoFit/>
-          </a:bodyPr>
-          <a:lstStyle/>
-          <a:p>
-            <a:r>
-              <a:rPr lang="zh-CN" altLang="en-US" sz="2800" dirty="0" smtClean="0">
-                <a:latin typeface="Noto Sans S Chinese Light" panose="020B0300000000000000" pitchFamily="34" charset="-122"/>
-                <a:ea typeface="Noto Sans S Chinese Light" panose="020B0300000000000000" pitchFamily="34" charset="-122"/>
-                <a:cs typeface="Arial Unicode MS" panose="020B0604020202020204" pitchFamily="34" charset="-122"/>
-              </a:rPr>
-              <a:t>冷气车</a:t>
-            </a:r>
-            <a:endParaRPr lang="zh-CN" altLang="en-US" sz="2800" dirty="0">
-              <a:latin typeface="Noto Sans S Chinese Light" panose="020B0300000000000000" pitchFamily="34" charset="-122"/>
-              <a:ea typeface="Noto Sans S Chinese Light" panose="020B0300000000000000" pitchFamily="34" charset="-122"/>
-              <a:cs typeface="Arial Unicode MS" panose="020B0604020202020204" pitchFamily="34" charset="-122"/>
-            </a:endParaRPr>
-          </a:p>
-        </p:txBody>
-      </p:sp>
-      <p:sp>
-        <p:nvSpPr>
-          <p:cNvPr id="4" name="文本框 3"/>
-          <p:cNvSpPr txBox="1"/>
-          <p:nvPr/>
-        </p:nvSpPr>
-        <p:spPr>
-          <a:xfrm>
-            <a:off x="2329180" y="3450670"/>
-            <a:ext cx="2151380" cy="523220"/>
-          </a:xfrm>
-          <a:prstGeom prst="rect">
-            <a:avLst/>
-          </a:prstGeom>
-          <a:noFill/>
-        </p:spPr>
-        <p:txBody>
-          <a:bodyPr wrap="square" rtlCol="0">
-            <a:spAutoFit/>
-          </a:bodyPr>
-          <a:lstStyle/>
-          <a:p>
-            <a:r>
-              <a:rPr lang="zh-CN" altLang="en-US" sz="2800" dirty="0">
-                <a:latin typeface="Noto Sans S Chinese Light" panose="020B0300000000000000" pitchFamily="34" charset="-122"/>
-                <a:ea typeface="Noto Sans S Chinese Light" panose="020B0300000000000000" pitchFamily="34" charset="-122"/>
-                <a:cs typeface="Arial Unicode MS" panose="020B0604020202020204" pitchFamily="34" charset="-122"/>
-              </a:rPr>
-              <a:t>氧</a:t>
-            </a:r>
-            <a:r>
-              <a:rPr lang="zh-CN" altLang="en-US" sz="2800" dirty="0" smtClean="0">
-                <a:latin typeface="Noto Sans S Chinese Light" panose="020B0300000000000000" pitchFamily="34" charset="-122"/>
-                <a:ea typeface="Noto Sans S Chinese Light" panose="020B0300000000000000" pitchFamily="34" charset="-122"/>
-                <a:cs typeface="Arial Unicode MS" panose="020B0604020202020204" pitchFamily="34" charset="-122"/>
-              </a:rPr>
-              <a:t>气车</a:t>
-            </a:r>
-            <a:endParaRPr lang="zh-CN" altLang="en-US" sz="2800" dirty="0">
-              <a:latin typeface="Noto Sans S Chinese Light" panose="020B0300000000000000" pitchFamily="34" charset="-122"/>
-              <a:ea typeface="Noto Sans S Chinese Light" panose="020B0300000000000000" pitchFamily="34" charset="-122"/>
-              <a:cs typeface="Arial Unicode MS" panose="020B0604020202020204" pitchFamily="34" charset="-122"/>
-            </a:endParaRPr>
-          </a:p>
-        </p:txBody>
-      </p:sp>
-      <p:sp>
-        <p:nvSpPr>
-          <p:cNvPr id="5" name="文本框 4"/>
-          <p:cNvSpPr txBox="1"/>
-          <p:nvPr/>
-        </p:nvSpPr>
-        <p:spPr>
-          <a:xfrm>
-            <a:off x="5300980" y="2407995"/>
-            <a:ext cx="4848860" cy="523220"/>
-          </a:xfrm>
-          <a:prstGeom prst="rect">
-            <a:avLst/>
-          </a:prstGeom>
-          <a:noFill/>
-        </p:spPr>
-        <p:txBody>
-          <a:bodyPr wrap="square" rtlCol="0">
-            <a:spAutoFit/>
-          </a:bodyPr>
-          <a:lstStyle/>
-          <a:p>
-            <a:r>
-              <a:rPr lang="en-US" altLang="zh-CN" sz="2800" dirty="0">
-                <a:latin typeface="Microsoft JhengHei UI Light" panose="020B0304030504040204" pitchFamily="34" charset="-120"/>
-                <a:ea typeface="Microsoft JhengHei UI Light" panose="020B0304030504040204" pitchFamily="34" charset="-120"/>
-                <a:cs typeface="Arial Unicode MS" panose="020B0604020202020204" pitchFamily="34" charset="-122"/>
-              </a:rPr>
-              <a:t>Aerial nitrogen vehicle</a:t>
-            </a:r>
-            <a:endParaRPr lang="zh-CN" altLang="en-US" sz="2800" dirty="0">
-              <a:latin typeface="Microsoft JhengHei UI Light" panose="020B0304030504040204" pitchFamily="34" charset="-120"/>
-              <a:ea typeface="Microsoft JhengHei UI Light" panose="020B0304030504040204" pitchFamily="34" charset="-120"/>
-              <a:cs typeface="Arial Unicode MS" panose="020B0604020202020204" pitchFamily="34" charset="-122"/>
-            </a:endParaRPr>
-          </a:p>
-        </p:txBody>
-      </p:sp>
-      <p:sp>
-        <p:nvSpPr>
-          <p:cNvPr id="6" name="文本框 5"/>
-          <p:cNvSpPr txBox="1"/>
-          <p:nvPr/>
-        </p:nvSpPr>
-        <p:spPr>
-          <a:xfrm>
-            <a:off x="5300980" y="3450670"/>
-            <a:ext cx="4848860" cy="523220"/>
-          </a:xfrm>
-          <a:prstGeom prst="rect">
-            <a:avLst/>
-          </a:prstGeom>
-          <a:noFill/>
-        </p:spPr>
-        <p:txBody>
-          <a:bodyPr wrap="square" rtlCol="0">
-            <a:spAutoFit/>
-          </a:bodyPr>
-          <a:lstStyle/>
-          <a:p>
-            <a:r>
-              <a:rPr lang="en-US" altLang="zh-CN" sz="2800" dirty="0">
-                <a:latin typeface="Microsoft JhengHei UI Light" panose="020B0304030504040204" pitchFamily="34" charset="-120"/>
-                <a:ea typeface="Microsoft JhengHei UI Light" panose="020B0304030504040204" pitchFamily="34" charset="-120"/>
-                <a:cs typeface="Arial Unicode MS" panose="020B0604020202020204" pitchFamily="34" charset="-122"/>
-              </a:rPr>
-              <a:t>Aerial oxygen supply vehicle</a:t>
-            </a:r>
-            <a:endParaRPr lang="zh-CN" altLang="en-US" sz="2800" dirty="0">
-              <a:latin typeface="Microsoft JhengHei UI Light" panose="020B0304030504040204" pitchFamily="34" charset="-120"/>
-              <a:ea typeface="Microsoft JhengHei UI Light" panose="020B0304030504040204" pitchFamily="34" charset="-120"/>
-              <a:cs typeface="Arial Unicode MS" panose="020B0604020202020204" pitchFamily="34" charset="-122"/>
-            </a:endParaRPr>
-          </a:p>
-        </p:txBody>
-      </p:sp>
-      <p:sp>
-        <p:nvSpPr>
-          <p:cNvPr id="7" name="文本框 6"/>
-          <p:cNvSpPr txBox="1"/>
-          <p:nvPr/>
-        </p:nvSpPr>
-        <p:spPr>
-          <a:xfrm>
-            <a:off x="2329180" y="4493345"/>
-            <a:ext cx="2151380" cy="523220"/>
-          </a:xfrm>
-          <a:prstGeom prst="rect">
-            <a:avLst/>
-          </a:prstGeom>
-          <a:noFill/>
-        </p:spPr>
-        <p:txBody>
-          <a:bodyPr wrap="square" rtlCol="0">
-            <a:spAutoFit/>
-          </a:bodyPr>
-          <a:lstStyle/>
-          <a:p>
-            <a:r>
-              <a:rPr lang="zh-CN" altLang="en-US" sz="2800" dirty="0">
-                <a:latin typeface="Noto Sans S Chinese Light" panose="020B0300000000000000" pitchFamily="34" charset="-122"/>
-                <a:ea typeface="Noto Sans S Chinese Light" panose="020B0300000000000000" pitchFamily="34" charset="-122"/>
-                <a:cs typeface="Arial Unicode MS" panose="020B0604020202020204" pitchFamily="34" charset="-122"/>
-              </a:rPr>
-              <a:t>加油</a:t>
-            </a:r>
-            <a:r>
-              <a:rPr lang="zh-CN" altLang="en-US" sz="2800" dirty="0" smtClean="0">
-                <a:latin typeface="Noto Sans S Chinese Light" panose="020B0300000000000000" pitchFamily="34" charset="-122"/>
-                <a:ea typeface="Noto Sans S Chinese Light" panose="020B0300000000000000" pitchFamily="34" charset="-122"/>
-                <a:cs typeface="Arial Unicode MS" panose="020B0604020202020204" pitchFamily="34" charset="-122"/>
-              </a:rPr>
-              <a:t>车</a:t>
-            </a:r>
-            <a:endParaRPr lang="zh-CN" altLang="en-US" sz="2800" dirty="0">
-              <a:latin typeface="Noto Sans S Chinese Light" panose="020B0300000000000000" pitchFamily="34" charset="-122"/>
-              <a:ea typeface="Noto Sans S Chinese Light" panose="020B0300000000000000" pitchFamily="34" charset="-122"/>
-              <a:cs typeface="Arial Unicode MS" panose="020B0604020202020204" pitchFamily="34" charset="-122"/>
-            </a:endParaRPr>
-          </a:p>
-        </p:txBody>
-      </p:sp>
-      <p:sp>
-        <p:nvSpPr>
-          <p:cNvPr id="8" name="文本框 7"/>
-          <p:cNvSpPr txBox="1"/>
-          <p:nvPr/>
-        </p:nvSpPr>
-        <p:spPr>
-          <a:xfrm>
-            <a:off x="5300980" y="4493345"/>
-            <a:ext cx="5869940" cy="523220"/>
-          </a:xfrm>
-          <a:prstGeom prst="rect">
-            <a:avLst/>
-          </a:prstGeom>
-          <a:noFill/>
-        </p:spPr>
-        <p:txBody>
-          <a:bodyPr wrap="square" rtlCol="0">
-            <a:spAutoFit/>
-          </a:bodyPr>
-          <a:lstStyle/>
-          <a:p>
-            <a:r>
-              <a:rPr lang="fr-FR" altLang="zh-CN" sz="2800" dirty="0">
-                <a:latin typeface="Microsoft JhengHei UI Light" panose="020B0304030504040204" pitchFamily="34" charset="-120"/>
-                <a:ea typeface="Microsoft JhengHei UI Light" panose="020B0304030504040204" pitchFamily="34" charset="-120"/>
-                <a:cs typeface="Arial Unicode MS" panose="020B0604020202020204" pitchFamily="34" charset="-122"/>
-              </a:rPr>
-              <a:t>Aviation Jet Fuel Refuelling Vehicle </a:t>
-            </a:r>
-            <a:endParaRPr lang="zh-CN" altLang="en-US" sz="2800" dirty="0">
-              <a:latin typeface="Microsoft JhengHei UI Light" panose="020B0304030504040204" pitchFamily="34" charset="-120"/>
-              <a:ea typeface="Microsoft JhengHei UI Light" panose="020B0304030504040204" pitchFamily="34" charset="-120"/>
-              <a:cs typeface="Arial Unicode MS" panose="020B0604020202020204" pitchFamily="34" charset="-122"/>
-            </a:endParaRPr>
-          </a:p>
-        </p:txBody>
-      </p:sp>
-      <p:cxnSp>
-        <p:nvCxnSpPr>
-          <p:cNvPr id="12" name="直接连接符 11"/>
-          <p:cNvCxnSpPr/>
-          <p:nvPr/>
-        </p:nvCxnSpPr>
-        <p:spPr>
-          <a:xfrm flipV="1">
-            <a:off x="5352742" y="5063863"/>
-            <a:ext cx="5703351" cy="15765"/>
-          </a:xfrm>
-          <a:prstGeom prst="line">
-            <a:avLst/>
-          </a:prstGeom>
-          <a:ln w="38100">
-            <a:solidFill>
-              <a:srgbClr val="FF0000"/>
-            </a:solidFill>
-          </a:ln>
-        </p:spPr>
-        <p:style>
-          <a:lnRef idx="1">
-            <a:schemeClr val="accent1"/>
-          </a:lnRef>
-          <a:fillRef idx="0">
-            <a:schemeClr val="accent1"/>
-          </a:fillRef>
-          <a:effectRef idx="0">
-            <a:schemeClr val="accent1"/>
-          </a:effectRef>
-          <a:fontRef idx="minor">
-            <a:schemeClr val="tx1"/>
-          </a:fontRef>
-        </p:style>
-      </p:cxnSp>
-      <p:cxnSp>
-        <p:nvCxnSpPr>
-          <p:cNvPr id="14" name="直接连接符 13"/>
-          <p:cNvCxnSpPr/>
-          <p:nvPr/>
-        </p:nvCxnSpPr>
-        <p:spPr>
-          <a:xfrm flipV="1">
-            <a:off x="5352741" y="3992545"/>
-            <a:ext cx="4658362" cy="12877"/>
-          </a:xfrm>
-          <a:prstGeom prst="line">
-            <a:avLst/>
-          </a:prstGeom>
-          <a:ln w="38100">
-            <a:solidFill>
-              <a:srgbClr val="FF0000"/>
-            </a:solidFill>
-          </a:ln>
-        </p:spPr>
-        <p:style>
-          <a:lnRef idx="1">
-            <a:schemeClr val="accent1"/>
-          </a:lnRef>
-          <a:fillRef idx="0">
-            <a:schemeClr val="accent1"/>
-          </a:fillRef>
-          <a:effectRef idx="0">
-            <a:schemeClr val="accent1"/>
-          </a:effectRef>
-          <a:fontRef idx="minor">
-            <a:schemeClr val="tx1"/>
-          </a:fontRef>
-        </p:style>
-      </p:cxnSp>
-      <p:cxnSp>
-        <p:nvCxnSpPr>
-          <p:cNvPr id="15" name="直接连接符 14"/>
-          <p:cNvCxnSpPr/>
-          <p:nvPr/>
-        </p:nvCxnSpPr>
-        <p:spPr>
-          <a:xfrm flipV="1">
-            <a:off x="5352742" y="2931215"/>
-            <a:ext cx="3617837" cy="8388"/>
-          </a:xfrm>
-          <a:prstGeom prst="line">
-            <a:avLst/>
-          </a:prstGeom>
-          <a:ln w="38100">
-            <a:solidFill>
-              <a:srgbClr val="FF0000"/>
-            </a:solidFill>
-          </a:ln>
-        </p:spPr>
-        <p:style>
-          <a:lnRef idx="1">
-            <a:schemeClr val="accent1"/>
-          </a:lnRef>
-          <a:fillRef idx="0">
-            <a:schemeClr val="accent1"/>
-          </a:fillRef>
-          <a:effectRef idx="0">
-            <a:schemeClr val="accent1"/>
-          </a:effectRef>
-          <a:fontRef idx="minor">
-            <a:schemeClr val="tx1"/>
-          </a:fontRef>
-        </p:style>
-      </p:cxnSp>
-    </p:spTree>
-    <p:extLst>
-      <p:ext uri="{BB962C8B-B14F-4D97-AF65-F5344CB8AC3E}">
-        <p14:creationId xmlns:p14="http://schemas.microsoft.com/office/powerpoint/2010/main" val="3978297007"/>
-      </p:ext>
-    </p:extLst>
-  </p:cSld>
-  <p:clrMapOvr>
-    <a:masterClrMapping/>
-  </p:clrMapOvr>
-  <p:timing>
-    <p:tnLst>
-      <p:par>
-        <p:cTn id="1" dur="indefinite" restart="never" nodeType="tmRoot">
-          <p:childTnLst>
-            <p:seq concurrent="1" nextAc="seek">
-              <p:cTn id="2" dur="indefinite" nodeType="mainSeq">
-                <p:childTnLst>
-                  <p:par>
-                    <p:cTn id="3" fill="hold">
-                      <p:stCondLst>
-                        <p:cond delay="indefinite"/>
-                        <p:cond evt="onBegin" delay="0">
-                          <p:tn val="2"/>
-                        </p:cond>
-                      </p:stCondLst>
-                      <p:childTnLst>
-                        <p:par>
-                          <p:cTn id="4" fill="hold">
-                            <p:stCondLst>
-                              <p:cond delay="0"/>
-                            </p:stCondLst>
-                            <p:childTnLst>
-                              <p:par>
-                                <p:cTn id="5" presetID="1" presetClass="entr" presetSubtype="0" fill="hold" grpId="0" nodeType="afterEffect">
-                                  <p:stCondLst>
-                                    <p:cond delay="0"/>
-                                  </p:stCondLst>
-                                  <p:childTnLst>
-                                    <p:set>
-                                      <p:cBhvr>
-                                        <p:cTn id="6" dur="1" fill="hold">
-                                          <p:stCondLst>
-                                            <p:cond delay="0"/>
-                                          </p:stCondLst>
-                                        </p:cTn>
-                                        <p:tgtEl>
-                                          <p:spTgt spid="2"/>
-                                        </p:tgtEl>
-                                        <p:attrNameLst>
-                                          <p:attrName>style.visibility</p:attrName>
-                                        </p:attrNameLst>
-                                      </p:cBhvr>
-                                      <p:to>
-                                        <p:strVal val="visible"/>
-                                      </p:to>
-                                    </p:set>
-                                  </p:childTnLst>
-                                </p:cTn>
-                              </p:par>
-                              <p:par>
-                                <p:cTn id="7" presetID="1" presetClass="entr" presetSubtype="0" fill="hold" grpId="0" nodeType="withEffect">
-                                  <p:stCondLst>
-                                    <p:cond delay="0"/>
-                                  </p:stCondLst>
-                                  <p:childTnLst>
-                                    <p:set>
-                                      <p:cBhvr>
-                                        <p:cTn id="8" dur="1" fill="hold">
-                                          <p:stCondLst>
-                                            <p:cond delay="0"/>
-                                          </p:stCondLst>
-                                        </p:cTn>
-                                        <p:tgtEl>
-                                          <p:spTgt spid="3"/>
-                                        </p:tgtEl>
-                                        <p:attrNameLst>
-                                          <p:attrName>style.visibility</p:attrName>
-                                        </p:attrNameLst>
-                                      </p:cBhvr>
-                                      <p:to>
-                                        <p:strVal val="visible"/>
-                                      </p:to>
-                                    </p:set>
-                                  </p:childTnLst>
-                                </p:cTn>
-                              </p:par>
-                              <p:par>
-                                <p:cTn id="9" presetID="1" presetClass="entr" presetSubtype="0" fill="hold" grpId="0" nodeType="withEffect">
-                                  <p:stCondLst>
-                                    <p:cond delay="0"/>
-                                  </p:stCondLst>
-                                  <p:childTnLst>
-                                    <p:set>
-                                      <p:cBhvr>
-                                        <p:cTn id="10" dur="1" fill="hold">
-                                          <p:stCondLst>
-                                            <p:cond delay="0"/>
-                                          </p:stCondLst>
-                                        </p:cTn>
-                                        <p:tgtEl>
-                                          <p:spTgt spid="4"/>
-                                        </p:tgtEl>
-                                        <p:attrNameLst>
-                                          <p:attrName>style.visibility</p:attrName>
-                                        </p:attrNameLst>
-                                      </p:cBhvr>
-                                      <p:to>
-                                        <p:strVal val="visible"/>
-                                      </p:to>
-                                    </p:set>
-                                  </p:childTnLst>
-                                </p:cTn>
-                              </p:par>
-                              <p:par>
-                                <p:cTn id="11" presetID="1" presetClass="entr" presetSubtype="0" fill="hold" grpId="0" nodeType="withEffect">
-                                  <p:stCondLst>
-                                    <p:cond delay="0"/>
-                                  </p:stCondLst>
-                                  <p:childTnLst>
-                                    <p:set>
-                                      <p:cBhvr>
-                                        <p:cTn id="12" dur="1" fill="hold">
-                                          <p:stCondLst>
-                                            <p:cond delay="0"/>
-                                          </p:stCondLst>
-                                        </p:cTn>
-                                        <p:tgtEl>
-                                          <p:spTgt spid="7"/>
-                                        </p:tgtEl>
-                                        <p:attrNameLst>
-                                          <p:attrName>style.visibility</p:attrName>
-                                        </p:attrNameLst>
-                                      </p:cBhvr>
-                                      <p:to>
-                                        <p:strVal val="visible"/>
-                                      </p:to>
-                                    </p:set>
-                                  </p:childTnLst>
-                                </p:cTn>
-                              </p:par>
-                            </p:childTnLst>
-                          </p:cTn>
-                        </p:par>
-                      </p:childTnLst>
-                    </p:cTn>
-                  </p:par>
-                  <p:par>
-                    <p:cTn id="13" fill="hold">
-                      <p:stCondLst>
-                        <p:cond delay="indefinite"/>
-                      </p:stCondLst>
-                      <p:childTnLst>
-                        <p:par>
-                          <p:cTn id="14" fill="hold">
-                            <p:stCondLst>
-                              <p:cond delay="0"/>
-                            </p:stCondLst>
-                            <p:childTnLst>
-                              <p:par>
-                                <p:cTn id="15" presetID="42" presetClass="entr" presetSubtype="0" fill="hold" grpId="0" nodeType="clickEffect">
-                                  <p:stCondLst>
-                                    <p:cond delay="0"/>
-                                  </p:stCondLst>
-                                  <p:childTnLst>
-                                    <p:set>
-                                      <p:cBhvr>
-                                        <p:cTn id="16" dur="1" fill="hold">
-                                          <p:stCondLst>
-                                            <p:cond delay="0"/>
-                                          </p:stCondLst>
-                                        </p:cTn>
-                                        <p:tgtEl>
-                                          <p:spTgt spid="5"/>
-                                        </p:tgtEl>
-                                        <p:attrNameLst>
-                                          <p:attrName>style.visibility</p:attrName>
-                                        </p:attrNameLst>
-                                      </p:cBhvr>
-                                      <p:to>
-                                        <p:strVal val="visible"/>
-                                      </p:to>
-                                    </p:set>
-                                    <p:animEffect transition="in" filter="fade">
-                                      <p:cBhvr>
-                                        <p:cTn id="17" dur="1000"/>
-                                        <p:tgtEl>
-                                          <p:spTgt spid="5"/>
-                                        </p:tgtEl>
-                                      </p:cBhvr>
-                                    </p:animEffect>
-                                    <p:anim calcmode="lin" valueType="num">
-                                      <p:cBhvr>
-                                        <p:cTn id="18" dur="1000" fill="hold"/>
-                                        <p:tgtEl>
-                                          <p:spTgt spid="5"/>
-                                        </p:tgtEl>
-                                        <p:attrNameLst>
-                                          <p:attrName>ppt_x</p:attrName>
-                                        </p:attrNameLst>
-                                      </p:cBhvr>
-                                      <p:tavLst>
-                                        <p:tav tm="0">
-                                          <p:val>
-                                            <p:strVal val="#ppt_x"/>
-                                          </p:val>
-                                        </p:tav>
-                                        <p:tav tm="100000">
-                                          <p:val>
-                                            <p:strVal val="#ppt_x"/>
-                                          </p:val>
-                                        </p:tav>
-                                      </p:tavLst>
-                                    </p:anim>
-                                    <p:anim calcmode="lin" valueType="num">
-                                      <p:cBhvr>
-                                        <p:cTn id="19" dur="1000" fill="hold"/>
-                                        <p:tgtEl>
-                                          <p:spTgt spid="5"/>
-                                        </p:tgtEl>
-                                        <p:attrNameLst>
-                                          <p:attrName>ppt_y</p:attrName>
-                                        </p:attrNameLst>
-                                      </p:cBhvr>
-                                      <p:tavLst>
-                                        <p:tav tm="0">
-                                          <p:val>
-                                            <p:strVal val="#ppt_y+.1"/>
-                                          </p:val>
-                                        </p:tav>
-                                        <p:tav tm="100000">
-                                          <p:val>
-                                            <p:strVal val="#ppt_y"/>
-                                          </p:val>
-                                        </p:tav>
-                                      </p:tavLst>
-                                    </p:anim>
-                                  </p:childTnLst>
-                                </p:cTn>
-                              </p:par>
-                            </p:childTnLst>
-                          </p:cTn>
-                        </p:par>
-                      </p:childTnLst>
-                    </p:cTn>
-                  </p:par>
-                  <p:par>
-                    <p:cTn id="20" fill="hold">
-                      <p:stCondLst>
-                        <p:cond delay="indefinite"/>
-                      </p:stCondLst>
-                      <p:childTnLst>
-                        <p:par>
-                          <p:cTn id="21" fill="hold">
-                            <p:stCondLst>
-                              <p:cond delay="0"/>
-                            </p:stCondLst>
-                            <p:childTnLst>
-                              <p:par>
-                                <p:cTn id="22" presetID="42" presetClass="entr" presetSubtype="0" fill="hold" grpId="0" nodeType="clickEffect">
-                                  <p:stCondLst>
-                                    <p:cond delay="0"/>
-                                  </p:stCondLst>
-                                  <p:childTnLst>
-                                    <p:set>
-                                      <p:cBhvr>
-                                        <p:cTn id="23" dur="1" fill="hold">
-                                          <p:stCondLst>
-                                            <p:cond delay="0"/>
-                                          </p:stCondLst>
-                                        </p:cTn>
-                                        <p:tgtEl>
-                                          <p:spTgt spid="6"/>
-                                        </p:tgtEl>
-                                        <p:attrNameLst>
-                                          <p:attrName>style.visibility</p:attrName>
-                                        </p:attrNameLst>
-                                      </p:cBhvr>
-                                      <p:to>
-                                        <p:strVal val="visible"/>
-                                      </p:to>
-                                    </p:set>
-                                    <p:animEffect transition="in" filter="fade">
-                                      <p:cBhvr>
-                                        <p:cTn id="24" dur="1000"/>
-                                        <p:tgtEl>
-                                          <p:spTgt spid="6"/>
-                                        </p:tgtEl>
-                                      </p:cBhvr>
-                                    </p:animEffect>
-                                    <p:anim calcmode="lin" valueType="num">
-                                      <p:cBhvr>
-                                        <p:cTn id="25" dur="1000" fill="hold"/>
-                                        <p:tgtEl>
-                                          <p:spTgt spid="6"/>
-                                        </p:tgtEl>
-                                        <p:attrNameLst>
-                                          <p:attrName>ppt_x</p:attrName>
-                                        </p:attrNameLst>
-                                      </p:cBhvr>
-                                      <p:tavLst>
-                                        <p:tav tm="0">
-                                          <p:val>
-                                            <p:strVal val="#ppt_x"/>
-                                          </p:val>
-                                        </p:tav>
-                                        <p:tav tm="100000">
-                                          <p:val>
-                                            <p:strVal val="#ppt_x"/>
-                                          </p:val>
-                                        </p:tav>
-                                      </p:tavLst>
-                                    </p:anim>
-                                    <p:anim calcmode="lin" valueType="num">
-                                      <p:cBhvr>
-                                        <p:cTn id="26" dur="1000" fill="hold"/>
-                                        <p:tgtEl>
-                                          <p:spTgt spid="6"/>
-                                        </p:tgtEl>
-                                        <p:attrNameLst>
-                                          <p:attrName>ppt_y</p:attrName>
-                                        </p:attrNameLst>
-                                      </p:cBhvr>
-                                      <p:tavLst>
-                                        <p:tav tm="0">
-                                          <p:val>
-                                            <p:strVal val="#ppt_y+.1"/>
-                                          </p:val>
-                                        </p:tav>
-                                        <p:tav tm="100000">
-                                          <p:val>
-                                            <p:strVal val="#ppt_y"/>
-                                          </p:val>
-                                        </p:tav>
-                                      </p:tavLst>
-                                    </p:anim>
-                                  </p:childTnLst>
-                                </p:cTn>
-                              </p:par>
-                            </p:childTnLst>
-                          </p:cTn>
-                        </p:par>
-                      </p:childTnLst>
-                    </p:cTn>
-                  </p:par>
-                  <p:par>
-                    <p:cTn id="27" fill="hold">
-                      <p:stCondLst>
-                        <p:cond delay="indefinite"/>
-                      </p:stCondLst>
-                      <p:childTnLst>
-                        <p:par>
-                          <p:cTn id="28" fill="hold">
-                            <p:stCondLst>
-                              <p:cond delay="0"/>
-                            </p:stCondLst>
-                            <p:childTnLst>
-                              <p:par>
-                                <p:cTn id="29" presetID="42" presetClass="entr" presetSubtype="0" fill="hold" grpId="0" nodeType="clickEffect">
-                                  <p:stCondLst>
-                                    <p:cond delay="0"/>
-                                  </p:stCondLst>
-                                  <p:childTnLst>
-                                    <p:set>
-                                      <p:cBhvr>
-                                        <p:cTn id="30" dur="1" fill="hold">
-                                          <p:stCondLst>
-                                            <p:cond delay="0"/>
-                                          </p:stCondLst>
-                                        </p:cTn>
-                                        <p:tgtEl>
-                                          <p:spTgt spid="8"/>
-                                        </p:tgtEl>
-                                        <p:attrNameLst>
-                                          <p:attrName>style.visibility</p:attrName>
-                                        </p:attrNameLst>
-                                      </p:cBhvr>
-                                      <p:to>
-                                        <p:strVal val="visible"/>
-                                      </p:to>
-                                    </p:set>
-                                    <p:animEffect transition="in" filter="fade">
-                                      <p:cBhvr>
-                                        <p:cTn id="31" dur="1000"/>
-                                        <p:tgtEl>
-                                          <p:spTgt spid="8"/>
-                                        </p:tgtEl>
-                                      </p:cBhvr>
-                                    </p:animEffect>
-                                    <p:anim calcmode="lin" valueType="num">
-                                      <p:cBhvr>
-                                        <p:cTn id="32" dur="1000" fill="hold"/>
-                                        <p:tgtEl>
-                                          <p:spTgt spid="8"/>
-                                        </p:tgtEl>
-                                        <p:attrNameLst>
-                                          <p:attrName>ppt_x</p:attrName>
-                                        </p:attrNameLst>
-                                      </p:cBhvr>
-                                      <p:tavLst>
-                                        <p:tav tm="0">
-                                          <p:val>
-                                            <p:strVal val="#ppt_x"/>
-                                          </p:val>
-                                        </p:tav>
-                                        <p:tav tm="100000">
-                                          <p:val>
-                                            <p:strVal val="#ppt_x"/>
-                                          </p:val>
-                                        </p:tav>
-                                      </p:tavLst>
-                                    </p:anim>
-                                    <p:anim calcmode="lin" valueType="num">
-                                      <p:cBhvr>
-                                        <p:cTn id="33" dur="1000" fill="hold"/>
-                                        <p:tgtEl>
-                                          <p:spTgt spid="8"/>
-                                        </p:tgtEl>
-                                        <p:attrNameLst>
-                                          <p:attrName>ppt_y</p:attrName>
-                                        </p:attrNameLst>
-                                      </p:cBhvr>
-                                      <p:tavLst>
-                                        <p:tav tm="0">
-                                          <p:val>
-                                            <p:strVal val="#ppt_y+.1"/>
-                                          </p:val>
-                                        </p:tav>
-                                        <p:tav tm="100000">
-                                          <p:val>
-                                            <p:strVal val="#ppt_y"/>
-                                          </p:val>
-                                        </p:tav>
-                                      </p:tavLst>
-                                    </p:anim>
-                                  </p:childTnLst>
-                                </p:cTn>
-                              </p:par>
-                            </p:childTnLst>
-                          </p:cTn>
-                        </p:par>
-                      </p:childTnLst>
-                    </p:cTn>
-                  </p:par>
-                  <p:par>
-                    <p:cTn id="34" fill="hold">
-                      <p:stCondLst>
-                        <p:cond delay="indefinite"/>
-                      </p:stCondLst>
-                      <p:childTnLst>
-                        <p:par>
-                          <p:cTn id="35" fill="hold">
-                            <p:stCondLst>
-                              <p:cond delay="0"/>
-                            </p:stCondLst>
-                            <p:childTnLst>
-                              <p:par>
-                                <p:cTn id="36" presetID="10" presetClass="entr" presetSubtype="0" fill="hold" nodeType="clickEffect">
-                                  <p:stCondLst>
-                                    <p:cond delay="0"/>
-                                  </p:stCondLst>
-                                  <p:childTnLst>
-                                    <p:set>
-                                      <p:cBhvr>
-                                        <p:cTn id="37" dur="1" fill="hold">
-                                          <p:stCondLst>
-                                            <p:cond delay="0"/>
-                                          </p:stCondLst>
-                                        </p:cTn>
-                                        <p:tgtEl>
-                                          <p:spTgt spid="12"/>
-                                        </p:tgtEl>
-                                        <p:attrNameLst>
-                                          <p:attrName>style.visibility</p:attrName>
-                                        </p:attrNameLst>
-                                      </p:cBhvr>
-                                      <p:to>
-                                        <p:strVal val="visible"/>
-                                      </p:to>
-                                    </p:set>
-                                    <p:animEffect transition="in" filter="fade">
-                                      <p:cBhvr>
-                                        <p:cTn id="38" dur="500"/>
-                                        <p:tgtEl>
-                                          <p:spTgt spid="12"/>
-                                        </p:tgtEl>
-                                      </p:cBhvr>
-                                    </p:animEffect>
-                                  </p:childTnLst>
-                                </p:cTn>
-                              </p:par>
-                              <p:par>
-                                <p:cTn id="39" presetID="10" presetClass="entr" presetSubtype="0" fill="hold" nodeType="withEffect">
-                                  <p:stCondLst>
-                                    <p:cond delay="0"/>
-                                  </p:stCondLst>
-                                  <p:childTnLst>
-                                    <p:set>
-                                      <p:cBhvr>
-                                        <p:cTn id="40" dur="1" fill="hold">
-                                          <p:stCondLst>
-                                            <p:cond delay="0"/>
-                                          </p:stCondLst>
-                                        </p:cTn>
-                                        <p:tgtEl>
-                                          <p:spTgt spid="14"/>
-                                        </p:tgtEl>
-                                        <p:attrNameLst>
-                                          <p:attrName>style.visibility</p:attrName>
-                                        </p:attrNameLst>
-                                      </p:cBhvr>
-                                      <p:to>
-                                        <p:strVal val="visible"/>
-                                      </p:to>
-                                    </p:set>
-                                    <p:animEffect transition="in" filter="fade">
-                                      <p:cBhvr>
-                                        <p:cTn id="41" dur="500"/>
-                                        <p:tgtEl>
-                                          <p:spTgt spid="14"/>
-                                        </p:tgtEl>
-                                      </p:cBhvr>
-                                    </p:animEffect>
-                                  </p:childTnLst>
-                                </p:cTn>
-                              </p:par>
-                              <p:par>
-                                <p:cTn id="42" presetID="10" presetClass="entr" presetSubtype="0" fill="hold" nodeType="withEffect">
-                                  <p:stCondLst>
-                                    <p:cond delay="0"/>
-                                  </p:stCondLst>
-                                  <p:childTnLst>
-                                    <p:set>
-                                      <p:cBhvr>
-                                        <p:cTn id="43" dur="1" fill="hold">
-                                          <p:stCondLst>
-                                            <p:cond delay="0"/>
-                                          </p:stCondLst>
-                                        </p:cTn>
-                                        <p:tgtEl>
-                                          <p:spTgt spid="15"/>
-                                        </p:tgtEl>
-                                        <p:attrNameLst>
-                                          <p:attrName>style.visibility</p:attrName>
-                                        </p:attrNameLst>
-                                      </p:cBhvr>
-                                      <p:to>
-                                        <p:strVal val="visible"/>
-                                      </p:to>
-                                    </p:set>
-                                    <p:animEffect transition="in" filter="fade">
-                                      <p:cBhvr>
-                                        <p:cTn id="44" dur="500"/>
-                                        <p:tgtEl>
-                                          <p:spTgt spid="15"/>
-                                        </p:tgtEl>
-                                      </p:cBhvr>
-                                    </p:animEffect>
-                                  </p:childTnLst>
-                                </p:cTn>
-                              </p:par>
-                            </p:childTnLst>
-                          </p:cTn>
-                        </p:par>
-                      </p:childTnLst>
-                    </p:cTn>
-                  </p:par>
-                </p:childTnLst>
-              </p:cTn>
-              <p:prevCondLst>
-                <p:cond evt="onPrev" delay="0">
-                  <p:tgtEl>
-                    <p:sldTgt/>
-                  </p:tgtEl>
-                </p:cond>
-              </p:prevCondLst>
-              <p:nextCondLst>
-                <p:cond evt="onNext" delay="0">
-                  <p:tgtEl>
-                    <p:sldTgt/>
-                  </p:tgtEl>
-                </p:cond>
-              </p:nextCondLst>
-            </p:seq>
-          </p:childTnLst>
-        </p:cTn>
-      </p:par>
-    </p:tnLst>
-    <p:bldLst>
-      <p:bldP spid="2" grpId="0"/>
-      <p:bldP spid="3" grpId="0"/>
-      <p:bldP spid="4" grpId="0"/>
-      <p:bldP spid="5" grpId="0"/>
-      <p:bldP spid="6" grpId="0"/>
-      <p:bldP spid="7" grpId="0"/>
-      <p:bldP spid="8" grpId="0"/>
     </p:bldLst>
   </p:timing>
 </p:sld>
